--- a/Meetings/2017.05.10-Grahn+KohlerPresentation.pptx
+++ b/Meetings/2017.05.10-Grahn+KohlerPresentation.pptx
@@ -129,7 +129,7 @@
   </p:defaultTextStyle>
   <p:extLst>
     <p:ext uri="{EFAFB233-063F-42B5-8137-9DF3F51BA10A}">
-      <p15:sldGuideLst xmlns:p15="http://schemas.microsoft.com/office/powerpoint/2012/main"/>
+      <p15:sldGuideLst xmlns:p15="http://schemas.microsoft.com/office/powerpoint/2012/main" xmlns=""/>
     </p:ext>
   </p:extLst>
 </p:presentation>
@@ -1841,7 +1841,6 @@
             <a:rPr lang="en-US" dirty="0" smtClean="0"/>
             <a:t>Rest </a:t>
           </a:r>
-          <a:endParaRPr lang="en-US" dirty="0" smtClean="0"/>
         </a:p>
       </dgm:t>
     </dgm:pt>
@@ -2905,8 +2904,8 @@
       </dsp:nvSpPr>
       <dsp:spPr>
         <a:xfrm>
-          <a:off x="2466" y="462810"/>
-          <a:ext cx="933982" cy="895309"/>
+          <a:off x="2466" y="459937"/>
+          <a:ext cx="933982" cy="901055"/>
         </a:xfrm>
         <a:prstGeom prst="roundRect">
           <a:avLst>
@@ -2975,8 +2974,8 @@
         </a:p>
       </dsp:txBody>
       <dsp:txXfrm>
-        <a:off x="28689" y="489033"/>
-        <a:ext cx="881536" cy="842863"/>
+        <a:off x="28857" y="486328"/>
+        <a:ext cx="881200" cy="848273"/>
       </dsp:txXfrm>
     </dsp:sp>
     <dsp:sp modelId="{245B5132-579C-C543-BBFC-998907B6A6DC}">
@@ -3055,8 +3054,8 @@
       </dsp:nvSpPr>
       <dsp:spPr>
         <a:xfrm>
-          <a:off x="1310041" y="462810"/>
-          <a:ext cx="933982" cy="895309"/>
+          <a:off x="1310041" y="459937"/>
+          <a:ext cx="933982" cy="901055"/>
         </a:xfrm>
         <a:prstGeom prst="roundRect">
           <a:avLst>
@@ -3125,8 +3124,8 @@
         </a:p>
       </dsp:txBody>
       <dsp:txXfrm>
-        <a:off x="1336264" y="489033"/>
-        <a:ext cx="881536" cy="842863"/>
+        <a:off x="1336432" y="486328"/>
+        <a:ext cx="881200" cy="848273"/>
       </dsp:txXfrm>
     </dsp:sp>
     <dsp:sp modelId="{DC90FEBC-3C04-C144-AEF4-489A10BDF470}">
@@ -3205,8 +3204,8 @@
       </dsp:nvSpPr>
       <dsp:spPr>
         <a:xfrm>
-          <a:off x="2617616" y="462810"/>
-          <a:ext cx="933982" cy="895309"/>
+          <a:off x="2617616" y="459937"/>
+          <a:ext cx="933982" cy="901055"/>
         </a:xfrm>
         <a:prstGeom prst="roundRect">
           <a:avLst>
@@ -3271,12 +3270,11 @@
             <a:rPr lang="en-US" sz="1700" kern="1200" dirty="0" smtClean="0"/>
             <a:t>Rest </a:t>
           </a:r>
-          <a:endParaRPr lang="en-US" sz="1700" kern="1200" dirty="0" smtClean="0"/>
         </a:p>
       </dsp:txBody>
       <dsp:txXfrm>
-        <a:off x="2643839" y="489033"/>
-        <a:ext cx="881536" cy="842863"/>
+        <a:off x="2644007" y="486328"/>
+        <a:ext cx="881200" cy="848273"/>
       </dsp:txXfrm>
     </dsp:sp>
     <dsp:sp modelId="{9E7159C5-36CA-654E-B25A-5B2879ECFFA3}">
@@ -3285,8 +3283,8 @@
         <dsp:cNvSpPr/>
       </dsp:nvSpPr>
       <dsp:spPr>
-        <a:xfrm rot="46899">
-          <a:off x="3638335" y="803460"/>
+        <a:xfrm rot="47200">
+          <a:off x="3638334" y="803516"/>
           <a:ext cx="183917" cy="231627"/>
         </a:xfrm>
         <a:prstGeom prst="rightArrow">
@@ -3344,7 +3342,7 @@
         </a:p>
       </dsp:txBody>
       <dsp:txXfrm>
-        <a:off x="3638338" y="849409"/>
+        <a:off x="3638337" y="849462"/>
         <a:ext cx="128742" cy="138977"/>
       </dsp:txXfrm>
     </dsp:sp>
@@ -3355,8 +3353,8 @@
       </dsp:nvSpPr>
       <dsp:spPr>
         <a:xfrm>
-          <a:off x="3898579" y="480286"/>
-          <a:ext cx="933982" cy="895309"/>
+          <a:off x="3898579" y="477525"/>
+          <a:ext cx="933982" cy="901055"/>
         </a:xfrm>
         <a:prstGeom prst="roundRect">
           <a:avLst>
@@ -3425,8 +3423,8 @@
         </a:p>
       </dsp:txBody>
       <dsp:txXfrm>
-        <a:off x="3924802" y="506509"/>
-        <a:ext cx="881536" cy="842863"/>
+        <a:off x="3924970" y="503916"/>
+        <a:ext cx="881200" cy="848273"/>
       </dsp:txXfrm>
     </dsp:sp>
     <dsp:sp modelId="{AA1E63FA-7DA2-124E-8D84-ECE1F05CEE8E}">
@@ -3435,9 +3433,9 @@
         <dsp:cNvSpPr/>
       </dsp:nvSpPr>
       <dsp:spPr>
-        <a:xfrm rot="21531272">
-          <a:off x="4927708" y="798870"/>
-          <a:ext cx="201792" cy="231627"/>
+        <a:xfrm rot="21530831">
+          <a:off x="4927707" y="798897"/>
+          <a:ext cx="201793" cy="231627"/>
         </a:xfrm>
         <a:prstGeom prst="rightArrow">
           <a:avLst>
@@ -3494,8 +3492,8 @@
         </a:p>
       </dsp:txBody>
       <dsp:txXfrm>
-        <a:off x="4927714" y="845800"/>
-        <a:ext cx="141254" cy="138977"/>
+        <a:off x="4927713" y="845831"/>
+        <a:ext cx="141255" cy="138977"/>
       </dsp:txXfrm>
     </dsp:sp>
     <dsp:sp modelId="{72AD32D9-E5F8-BD43-8BDB-A4D4030BCC6C}">
@@ -3505,8 +3503,8 @@
       </dsp:nvSpPr>
       <dsp:spPr>
         <a:xfrm>
-          <a:off x="5213226" y="454000"/>
-          <a:ext cx="933982" cy="895309"/>
+          <a:off x="5213226" y="451070"/>
+          <a:ext cx="933982" cy="901055"/>
         </a:xfrm>
         <a:prstGeom prst="roundRect">
           <a:avLst>
@@ -3575,8 +3573,8 @@
         </a:p>
       </dsp:txBody>
       <dsp:txXfrm>
-        <a:off x="5239449" y="480223"/>
-        <a:ext cx="881536" cy="842863"/>
+        <a:off x="5239617" y="477461"/>
+        <a:ext cx="881200" cy="848273"/>
       </dsp:txXfrm>
     </dsp:sp>
     <dsp:sp modelId="{0DEB14EA-9EB0-D24D-AFF7-2651A1AECE69}">
@@ -3585,8 +3583,8 @@
         <dsp:cNvSpPr/>
       </dsp:nvSpPr>
       <dsp:spPr>
-        <a:xfrm rot="22821">
-          <a:off x="6245489" y="790285"/>
+        <a:xfrm rot="22967">
+          <a:off x="6245489" y="790257"/>
           <a:ext cx="208364" cy="231627"/>
         </a:xfrm>
         <a:prstGeom prst="rightArrow">
@@ -3644,7 +3642,7 @@
         </a:p>
       </dsp:txBody>
       <dsp:txXfrm>
-        <a:off x="6245490" y="836403"/>
+        <a:off x="6245490" y="836373"/>
         <a:ext cx="145855" cy="138977"/>
       </dsp:txXfrm>
     </dsp:sp>
@@ -3655,8 +3653,8 @@
       </dsp:nvSpPr>
       <dsp:spPr>
         <a:xfrm>
-          <a:off x="6540340" y="462810"/>
-          <a:ext cx="933982" cy="895309"/>
+          <a:off x="6540340" y="459937"/>
+          <a:ext cx="933982" cy="901055"/>
         </a:xfrm>
         <a:prstGeom prst="roundRect">
           <a:avLst>
@@ -3725,8 +3723,8 @@
         </a:p>
       </dsp:txBody>
       <dsp:txXfrm>
-        <a:off x="6566563" y="489033"/>
-        <a:ext cx="881536" cy="842863"/>
+        <a:off x="6566731" y="486328"/>
+        <a:ext cx="881200" cy="848273"/>
       </dsp:txXfrm>
     </dsp:sp>
     <dsp:sp modelId="{80A529E0-442C-EE4B-B914-5FB39922BFB4}">
@@ -3805,8 +3803,8 @@
       </dsp:nvSpPr>
       <dsp:spPr>
         <a:xfrm>
-          <a:off x="7847915" y="462810"/>
-          <a:ext cx="933982" cy="895309"/>
+          <a:off x="7847915" y="459937"/>
+          <a:ext cx="933982" cy="901055"/>
         </a:xfrm>
         <a:prstGeom prst="roundRect">
           <a:avLst>
@@ -3875,8 +3873,8 @@
         </a:p>
       </dsp:txBody>
       <dsp:txXfrm>
-        <a:off x="7874138" y="489033"/>
-        <a:ext cx="881536" cy="842863"/>
+        <a:off x="7874306" y="486328"/>
+        <a:ext cx="881200" cy="848273"/>
       </dsp:txXfrm>
     </dsp:sp>
   </dsp:spTree>
@@ -3898,8 +3896,8 @@
       </dsp:nvSpPr>
       <dsp:spPr>
         <a:xfrm>
-          <a:off x="2466" y="7117"/>
-          <a:ext cx="933982" cy="1019262"/>
+          <a:off x="2466" y="16659"/>
+          <a:ext cx="933982" cy="1000177"/>
         </a:xfrm>
         <a:prstGeom prst="roundRect">
           <a:avLst>
@@ -3967,8 +3965,8 @@
         </a:p>
       </dsp:txBody>
       <dsp:txXfrm>
-        <a:off x="29821" y="34472"/>
-        <a:ext cx="879272" cy="964552"/>
+        <a:off x="29821" y="44014"/>
+        <a:ext cx="879272" cy="945467"/>
       </dsp:txXfrm>
     </dsp:sp>
     <dsp:sp modelId="{245B5132-579C-C543-BBFC-998907B6A6DC}">
@@ -4047,8 +4045,8 @@
       </dsp:nvSpPr>
       <dsp:spPr>
         <a:xfrm>
-          <a:off x="1310041" y="7117"/>
-          <a:ext cx="933982" cy="1019262"/>
+          <a:off x="1310041" y="16659"/>
+          <a:ext cx="933982" cy="1000177"/>
         </a:xfrm>
         <a:prstGeom prst="roundRect">
           <a:avLst>
@@ -4117,8 +4115,8 @@
         </a:p>
       </dsp:txBody>
       <dsp:txXfrm>
-        <a:off x="1337396" y="34472"/>
-        <a:ext cx="879272" cy="964552"/>
+        <a:off x="1337396" y="44014"/>
+        <a:ext cx="879272" cy="945467"/>
       </dsp:txXfrm>
     </dsp:sp>
     <dsp:sp modelId="{DC90FEBC-3C04-C144-AEF4-489A10BDF470}">
@@ -4197,8 +4195,8 @@
       </dsp:nvSpPr>
       <dsp:spPr>
         <a:xfrm>
-          <a:off x="2617616" y="7117"/>
-          <a:ext cx="933982" cy="1019262"/>
+          <a:off x="2617616" y="16659"/>
+          <a:ext cx="933982" cy="1000177"/>
         </a:xfrm>
         <a:prstGeom prst="roundRect">
           <a:avLst>
@@ -4267,8 +4265,8 @@
         </a:p>
       </dsp:txBody>
       <dsp:txXfrm>
-        <a:off x="2644971" y="34472"/>
-        <a:ext cx="879272" cy="964552"/>
+        <a:off x="2644971" y="44014"/>
+        <a:ext cx="879272" cy="945467"/>
       </dsp:txXfrm>
     </dsp:sp>
     <dsp:sp modelId="{57C96E13-F21A-8D4F-9C64-4AF3CF20BC47}">
@@ -4347,8 +4345,8 @@
       </dsp:nvSpPr>
       <dsp:spPr>
         <a:xfrm>
-          <a:off x="3925190" y="7117"/>
-          <a:ext cx="933982" cy="1019262"/>
+          <a:off x="3925190" y="16659"/>
+          <a:ext cx="933982" cy="1000177"/>
         </a:xfrm>
         <a:prstGeom prst="roundRect">
           <a:avLst>
@@ -4417,8 +4415,8 @@
         </a:p>
       </dsp:txBody>
       <dsp:txXfrm>
-        <a:off x="3952545" y="34472"/>
-        <a:ext cx="879272" cy="964552"/>
+        <a:off x="3952545" y="44014"/>
+        <a:ext cx="879272" cy="945467"/>
       </dsp:txXfrm>
     </dsp:sp>
     <dsp:sp modelId="{C52D87B7-2E7A-0443-8186-5B85BE75EEB4}">
@@ -4497,8 +4495,8 @@
       </dsp:nvSpPr>
       <dsp:spPr>
         <a:xfrm>
-          <a:off x="5232765" y="7117"/>
-          <a:ext cx="933982" cy="1019262"/>
+          <a:off x="5232765" y="16659"/>
+          <a:ext cx="933982" cy="1000177"/>
         </a:xfrm>
         <a:prstGeom prst="roundRect">
           <a:avLst>
@@ -4567,8 +4565,8 @@
         </a:p>
       </dsp:txBody>
       <dsp:txXfrm>
-        <a:off x="5260120" y="34472"/>
-        <a:ext cx="879272" cy="964552"/>
+        <a:off x="5260120" y="44014"/>
+        <a:ext cx="879272" cy="945467"/>
       </dsp:txXfrm>
     </dsp:sp>
     <dsp:sp modelId="{85519416-8ADD-1949-9455-12D4E00A2E86}">
@@ -4647,8 +4645,8 @@
       </dsp:nvSpPr>
       <dsp:spPr>
         <a:xfrm>
-          <a:off x="6540340" y="7117"/>
-          <a:ext cx="933982" cy="1019262"/>
+          <a:off x="6540340" y="16659"/>
+          <a:ext cx="933982" cy="1000177"/>
         </a:xfrm>
         <a:prstGeom prst="roundRect">
           <a:avLst>
@@ -4717,8 +4715,8 @@
         </a:p>
       </dsp:txBody>
       <dsp:txXfrm>
-        <a:off x="6567695" y="34472"/>
-        <a:ext cx="879272" cy="964552"/>
+        <a:off x="6567695" y="44014"/>
+        <a:ext cx="879272" cy="945467"/>
       </dsp:txXfrm>
     </dsp:sp>
     <dsp:sp modelId="{80A529E0-442C-EE4B-B914-5FB39922BFB4}">
@@ -4797,8 +4795,8 @@
       </dsp:nvSpPr>
       <dsp:spPr>
         <a:xfrm>
-          <a:off x="7847915" y="7117"/>
-          <a:ext cx="933982" cy="1019262"/>
+          <a:off x="7847915" y="16659"/>
+          <a:ext cx="933982" cy="1000177"/>
         </a:xfrm>
         <a:prstGeom prst="roundRect">
           <a:avLst>
@@ -4867,8 +4865,8 @@
         </a:p>
       </dsp:txBody>
       <dsp:txXfrm>
-        <a:off x="7875270" y="34472"/>
-        <a:ext cx="879272" cy="964552"/>
+        <a:off x="7875270" y="44014"/>
+        <a:ext cx="879272" cy="945467"/>
       </dsp:txXfrm>
     </dsp:sp>
   </dsp:spTree>
@@ -7317,7 +7315,7 @@
           <a:p>
             <a:fld id="{BE054C78-2090-C64C-9F6A-B51B239D54AE}" type="datetimeFigureOut">
               <a:rPr lang="en-US" smtClean="0"/>
-              <a:t>5/8/17</a:t>
+              <a:t>17-05-08</a:t>
             </a:fld>
             <a:endParaRPr lang="en-US"/>
           </a:p>
@@ -7630,67 +7628,25 @@
           <a:lstStyle/>
           <a:p>
             <a:r>
-              <a:rPr lang="en-US" dirty="0" smtClean="0"/>
-              <a:t>Music contrast </a:t>
-            </a:r>
-            <a:r>
-              <a:rPr lang="mr-IN" dirty="0" smtClean="0"/>
-              <a:t>–</a:t>
-            </a:r>
-            <a:r>
-              <a:rPr lang="en-US" dirty="0" smtClean="0"/>
-              <a:t> RED - Bilateral activation in superior temporal gyri, left middle cingulate,</a:t>
-            </a:r>
-            <a:r>
-              <a:rPr lang="en-US" baseline="0" dirty="0" smtClean="0"/>
-              <a:t> and right insula</a:t>
-            </a:r>
-          </a:p>
-          <a:p>
-            <a:r>
-              <a:rPr lang="en-US" baseline="0" dirty="0" smtClean="0"/>
-              <a:t>Verbal contrast </a:t>
-            </a:r>
-            <a:r>
-              <a:rPr lang="mr-IN" baseline="0" dirty="0" smtClean="0"/>
-              <a:t>–</a:t>
-            </a:r>
-            <a:r>
-              <a:rPr lang="en-US" baseline="0" dirty="0" smtClean="0"/>
-              <a:t> BLUE </a:t>
-            </a:r>
-            <a:r>
-              <a:rPr lang="mr-IN" baseline="0" dirty="0" smtClean="0"/>
-              <a:t>–</a:t>
-            </a:r>
-            <a:r>
-              <a:rPr lang="en-US" baseline="0" dirty="0" smtClean="0"/>
-              <a:t> left-sided activation in the inferior and middle temporal gyri, medial superior and inferior pars </a:t>
-            </a:r>
-            <a:r>
-              <a:rPr lang="en-US" baseline="0" dirty="0" err="1" smtClean="0"/>
-              <a:t>triangularis</a:t>
-            </a:r>
-            <a:r>
-              <a:rPr lang="en-US" baseline="0" dirty="0" smtClean="0"/>
-              <a:t> frontal </a:t>
-            </a:r>
-            <a:r>
-              <a:rPr lang="en-US" baseline="0" dirty="0" err="1" smtClean="0"/>
-              <a:t>gyrim</a:t>
-            </a:r>
-            <a:r>
-              <a:rPr lang="en-US" baseline="0" dirty="0" smtClean="0"/>
-              <a:t> posterior MTG, on the right </a:t>
-            </a:r>
-            <a:r>
-              <a:rPr lang="mr-IN" baseline="0" dirty="0" smtClean="0"/>
-              <a:t>–</a:t>
-            </a:r>
-            <a:r>
-              <a:rPr lang="en-US" baseline="0" dirty="0" smtClean="0"/>
-              <a:t> inferior orbitofrontal cortex, middle temporal pole and the anterior part of the hippocampus and cerebellum</a:t>
-            </a:r>
+              <a:rPr lang="en-CA" smtClean="0"/>
+              <a:t>CN</a:t>
+            </a:r>
+            <a:r>
+              <a:rPr lang="en-CA" baseline="0" smtClean="0"/>
+              <a:t> - </a:t>
+            </a:r>
+            <a:endParaRPr lang="en-CA" smtClean="0"/>
+          </a:p>
+          <a:p>
+            <a:r>
+              <a:rPr lang="en-CA" dirty="0" smtClean="0"/>
+              <a:t>PM</a:t>
+            </a:r>
+            <a:r>
+              <a:rPr lang="en-CA" baseline="0" dirty="0" smtClean="0"/>
+              <a:t> – severe semantic and episodic memory deficits – poor performance on Wechsler memory scale</a:t>
+            </a:r>
+            <a:endParaRPr lang="en-CA" dirty="0"/>
           </a:p>
         </p:txBody>
       </p:sp>
@@ -7711,6 +7667,155 @@
           <a:p>
             <a:fld id="{BA0C90E3-8C05-AF43-8579-8D2D04A296B0}" type="slidenum">
               <a:rPr lang="en-US" smtClean="0"/>
+              <a:t>2</a:t>
+            </a:fld>
+            <a:endParaRPr lang="en-US"/>
+          </a:p>
+        </p:txBody>
+      </p:sp>
+    </p:spTree>
+    <p:extLst>
+      <p:ext uri="{BB962C8B-B14F-4D97-AF65-F5344CB8AC3E}">
+        <p14:creationId xmlns:p14="http://schemas.microsoft.com/office/powerpoint/2010/main" val="3875889309"/>
+      </p:ext>
+    </p:extLst>
+  </p:cSld>
+  <p:clrMapOvr>
+    <a:masterClrMapping/>
+  </p:clrMapOvr>
+</p:notes>
+</file>
+
+<file path=ppt/notesSlides/notesSlide2.xml><?xml version="1.0" encoding="utf-8"?>
+<p:notes xmlns:a="http://schemas.openxmlformats.org/drawingml/2006/main" xmlns:r="http://schemas.openxmlformats.org/officeDocument/2006/relationships" xmlns:p="http://schemas.openxmlformats.org/presentationml/2006/main">
+  <p:cSld>
+    <p:spTree>
+      <p:nvGrpSpPr>
+        <p:cNvPr id="1" name=""/>
+        <p:cNvGrpSpPr/>
+        <p:nvPr/>
+      </p:nvGrpSpPr>
+      <p:grpSpPr>
+        <a:xfrm>
+          <a:off x="0" y="0"/>
+          <a:ext cx="0" cy="0"/>
+          <a:chOff x="0" y="0"/>
+          <a:chExt cx="0" cy="0"/>
+        </a:xfrm>
+      </p:grpSpPr>
+      <p:sp>
+        <p:nvSpPr>
+          <p:cNvPr id="2" name="Slide Image Placeholder 1"/>
+          <p:cNvSpPr>
+            <a:spLocks noGrp="1" noRot="1" noChangeAspect="1"/>
+          </p:cNvSpPr>
+          <p:nvPr>
+            <p:ph type="sldImg"/>
+          </p:nvPr>
+        </p:nvSpPr>
+        <p:spPr/>
+      </p:sp>
+      <p:sp>
+        <p:nvSpPr>
+          <p:cNvPr id="3" name="Notes Placeholder 2"/>
+          <p:cNvSpPr>
+            <a:spLocks noGrp="1"/>
+          </p:cNvSpPr>
+          <p:nvPr>
+            <p:ph type="body" idx="1"/>
+          </p:nvPr>
+        </p:nvSpPr>
+        <p:spPr/>
+        <p:txBody>
+          <a:bodyPr/>
+          <a:lstStyle/>
+          <a:p>
+            <a:r>
+              <a:rPr lang="en-US" dirty="0" smtClean="0"/>
+              <a:t>Music contrast </a:t>
+            </a:r>
+            <a:r>
+              <a:rPr lang="mr-IN" dirty="0" smtClean="0"/>
+              <a:t>–</a:t>
+            </a:r>
+            <a:r>
+              <a:rPr lang="en-US" dirty="0" smtClean="0"/>
+              <a:t> RED - Bilateral activation in superior temporal gyri, left middle cingulate,</a:t>
+            </a:r>
+            <a:r>
+              <a:rPr lang="en-US" baseline="0" dirty="0" smtClean="0"/>
+              <a:t> and right insula</a:t>
+            </a:r>
+          </a:p>
+          <a:p>
+            <a:r>
+              <a:rPr lang="en-US" baseline="0" dirty="0" smtClean="0"/>
+              <a:t>Verbal contrast </a:t>
+            </a:r>
+            <a:r>
+              <a:rPr lang="mr-IN" baseline="0" dirty="0" smtClean="0"/>
+              <a:t>–</a:t>
+            </a:r>
+            <a:r>
+              <a:rPr lang="en-US" baseline="0" dirty="0" smtClean="0"/>
+              <a:t> BLUE </a:t>
+            </a:r>
+            <a:r>
+              <a:rPr lang="mr-IN" baseline="0" dirty="0" smtClean="0"/>
+              <a:t>–</a:t>
+            </a:r>
+            <a:r>
+              <a:rPr lang="en-US" baseline="0" dirty="0" smtClean="0"/>
+              <a:t> left-sided activation in the inferior and middle temporal gyri, medial superior and inferior pars </a:t>
+            </a:r>
+            <a:r>
+              <a:rPr lang="en-US" baseline="0" dirty="0" err="1" smtClean="0"/>
+              <a:t>triangularis</a:t>
+            </a:r>
+            <a:r>
+              <a:rPr lang="en-US" baseline="0" dirty="0" smtClean="0"/>
+              <a:t> frontal </a:t>
+            </a:r>
+            <a:r>
+              <a:rPr lang="en-US" baseline="0" dirty="0" err="1" smtClean="0"/>
+              <a:t>gyri</a:t>
+            </a:r>
+            <a:r>
+              <a:rPr lang="en-US" baseline="0" dirty="0" smtClean="0"/>
+              <a:t>, </a:t>
+            </a:r>
+            <a:r>
+              <a:rPr lang="en-US" baseline="0" dirty="0" smtClean="0"/>
+              <a:t>posterior MTG, on the right </a:t>
+            </a:r>
+            <a:r>
+              <a:rPr lang="mr-IN" baseline="0" dirty="0" smtClean="0"/>
+              <a:t>–</a:t>
+            </a:r>
+            <a:r>
+              <a:rPr lang="en-US" baseline="0" dirty="0" smtClean="0"/>
+              <a:t> inferior orbitofrontal cortex, middle temporal pole and the anterior part of the hippocampus and cerebellum</a:t>
+            </a:r>
+          </a:p>
+        </p:txBody>
+      </p:sp>
+      <p:sp>
+        <p:nvSpPr>
+          <p:cNvPr id="4" name="Slide Number Placeholder 3"/>
+          <p:cNvSpPr>
+            <a:spLocks noGrp="1"/>
+          </p:cNvSpPr>
+          <p:nvPr>
+            <p:ph type="sldNum" sz="quarter" idx="10"/>
+          </p:nvPr>
+        </p:nvSpPr>
+        <p:spPr/>
+        <p:txBody>
+          <a:bodyPr/>
+          <a:lstStyle/>
+          <a:p>
+            <a:fld id="{BA0C90E3-8C05-AF43-8579-8D2D04A296B0}" type="slidenum">
+              <a:rPr lang="en-US" smtClean="0"/>
               <a:t>6</a:t>
             </a:fld>
             <a:endParaRPr lang="en-US"/>
@@ -7721,6 +7826,261 @@
     <p:extLst>
       <p:ext uri="{BB962C8B-B14F-4D97-AF65-F5344CB8AC3E}">
         <p14:creationId xmlns:p14="http://schemas.microsoft.com/office/powerpoint/2010/main" val="2095785524"/>
+      </p:ext>
+    </p:extLst>
+  </p:cSld>
+  <p:clrMapOvr>
+    <a:masterClrMapping/>
+  </p:clrMapOvr>
+</p:notes>
+</file>
+
+<file path=ppt/notesSlides/notesSlide3.xml><?xml version="1.0" encoding="utf-8"?>
+<p:notes xmlns:a="http://schemas.openxmlformats.org/drawingml/2006/main" xmlns:r="http://schemas.openxmlformats.org/officeDocument/2006/relationships" xmlns:p="http://schemas.openxmlformats.org/presentationml/2006/main">
+  <p:cSld>
+    <p:spTree>
+      <p:nvGrpSpPr>
+        <p:cNvPr id="1" name=""/>
+        <p:cNvGrpSpPr/>
+        <p:nvPr/>
+      </p:nvGrpSpPr>
+      <p:grpSpPr>
+        <a:xfrm>
+          <a:off x="0" y="0"/>
+          <a:ext cx="0" cy="0"/>
+          <a:chOff x="0" y="0"/>
+          <a:chExt cx="0" cy="0"/>
+        </a:xfrm>
+      </p:grpSpPr>
+      <p:sp>
+        <p:nvSpPr>
+          <p:cNvPr id="2" name="Slide Image Placeholder 1"/>
+          <p:cNvSpPr>
+            <a:spLocks noGrp="1" noRot="1" noChangeAspect="1"/>
+          </p:cNvSpPr>
+          <p:nvPr>
+            <p:ph type="sldImg"/>
+          </p:nvPr>
+        </p:nvSpPr>
+        <p:spPr/>
+      </p:sp>
+      <p:sp>
+        <p:nvSpPr>
+          <p:cNvPr id="3" name="Notes Placeholder 2"/>
+          <p:cNvSpPr>
+            <a:spLocks noGrp="1"/>
+          </p:cNvSpPr>
+          <p:nvPr>
+            <p:ph type="body" idx="1"/>
+          </p:nvPr>
+        </p:nvSpPr>
+        <p:spPr/>
+        <p:txBody>
+          <a:bodyPr/>
+          <a:lstStyle/>
+          <a:p>
+            <a:r>
+              <a:rPr lang="en-CA" dirty="0" smtClean="0"/>
+              <a:t>Greater</a:t>
+            </a:r>
+            <a:r>
+              <a:rPr lang="en-CA" baseline="0" dirty="0" smtClean="0"/>
+              <a:t> activity for music i</a:t>
+            </a:r>
+            <a:r>
+              <a:rPr lang="en-CA" dirty="0" smtClean="0"/>
+              <a:t>n an extended network that included the bilateral inferior frontal </a:t>
+            </a:r>
+            <a:r>
+              <a:rPr lang="en-CA" dirty="0" err="1" smtClean="0"/>
+              <a:t>gyrus</a:t>
+            </a:r>
+            <a:r>
+              <a:rPr lang="en-CA" dirty="0" smtClean="0"/>
+              <a:t> (BA45) (extending to the middle frontal </a:t>
+            </a:r>
+            <a:r>
+              <a:rPr lang="en-CA" dirty="0" err="1" smtClean="0"/>
+              <a:t>gyrus</a:t>
+            </a:r>
+            <a:r>
+              <a:rPr lang="en-CA" dirty="0" smtClean="0"/>
+              <a:t>), the posterior part of the inferior and middle temporal </a:t>
+            </a:r>
+            <a:r>
+              <a:rPr lang="en-CA" dirty="0" err="1" smtClean="0"/>
+              <a:t>gyri</a:t>
+            </a:r>
+            <a:r>
+              <a:rPr lang="en-CA" dirty="0" smtClean="0"/>
+              <a:t> (BA20/37), the medial superior frontal </a:t>
+            </a:r>
+            <a:r>
+              <a:rPr lang="en-CA" dirty="0" err="1" smtClean="0"/>
+              <a:t>gyrus</a:t>
+            </a:r>
+            <a:r>
+              <a:rPr lang="en-CA" dirty="0" smtClean="0"/>
+              <a:t> (BA10) and the right superior temporal pole (BA38). The verbal familiarity analysis revealed greater activity in the left medial superior frontal </a:t>
+            </a:r>
+            <a:r>
+              <a:rPr lang="en-CA" dirty="0" err="1" smtClean="0"/>
+              <a:t>gyrus</a:t>
+            </a:r>
+            <a:r>
+              <a:rPr lang="en-CA" dirty="0" smtClean="0"/>
+              <a:t> (BA10), the middle cingulate cortex bilaterally, the left putamen and thalamus, and the inferior and middle parts of the frontal (BA47/46) and temporal </a:t>
+            </a:r>
+            <a:r>
+              <a:rPr lang="en-CA" dirty="0" err="1" smtClean="0"/>
+              <a:t>gyri</a:t>
+            </a:r>
+            <a:r>
+              <a:rPr lang="en-CA" dirty="0" smtClean="0"/>
+              <a:t> (BA20/21) bilaterally. We also found activation of the posterior part of the right hippocampus and the left </a:t>
+            </a:r>
+            <a:r>
+              <a:rPr lang="en-CA" dirty="0" err="1" smtClean="0"/>
+              <a:t>parahippocampal</a:t>
+            </a:r>
+            <a:r>
+              <a:rPr lang="en-CA" dirty="0" smtClean="0"/>
+              <a:t> cortex.</a:t>
+            </a:r>
+            <a:endParaRPr lang="en-CA" dirty="0"/>
+          </a:p>
+        </p:txBody>
+      </p:sp>
+      <p:sp>
+        <p:nvSpPr>
+          <p:cNvPr id="4" name="Slide Number Placeholder 3"/>
+          <p:cNvSpPr>
+            <a:spLocks noGrp="1"/>
+          </p:cNvSpPr>
+          <p:nvPr>
+            <p:ph type="sldNum" sz="quarter" idx="10"/>
+          </p:nvPr>
+        </p:nvSpPr>
+        <p:spPr/>
+        <p:txBody>
+          <a:bodyPr/>
+          <a:lstStyle/>
+          <a:p>
+            <a:fld id="{BA0C90E3-8C05-AF43-8579-8D2D04A296B0}" type="slidenum">
+              <a:rPr lang="en-US" smtClean="0"/>
+              <a:t>7</a:t>
+            </a:fld>
+            <a:endParaRPr lang="en-US"/>
+          </a:p>
+        </p:txBody>
+      </p:sp>
+    </p:spTree>
+    <p:extLst>
+      <p:ext uri="{BB962C8B-B14F-4D97-AF65-F5344CB8AC3E}">
+        <p14:creationId xmlns:p14="http://schemas.microsoft.com/office/powerpoint/2010/main" val="4175881776"/>
+      </p:ext>
+    </p:extLst>
+  </p:cSld>
+  <p:clrMapOvr>
+    <a:masterClrMapping/>
+  </p:clrMapOvr>
+</p:notes>
+</file>
+
+<file path=ppt/notesSlides/notesSlide4.xml><?xml version="1.0" encoding="utf-8"?>
+<p:notes xmlns:a="http://schemas.openxmlformats.org/drawingml/2006/main" xmlns:r="http://schemas.openxmlformats.org/officeDocument/2006/relationships" xmlns:p="http://schemas.openxmlformats.org/presentationml/2006/main">
+  <p:cSld>
+    <p:spTree>
+      <p:nvGrpSpPr>
+        <p:cNvPr id="1" name=""/>
+        <p:cNvGrpSpPr/>
+        <p:nvPr/>
+      </p:nvGrpSpPr>
+      <p:grpSpPr>
+        <a:xfrm>
+          <a:off x="0" y="0"/>
+          <a:ext cx="0" cy="0"/>
+          <a:chOff x="0" y="0"/>
+          <a:chExt cx="0" cy="0"/>
+        </a:xfrm>
+      </p:grpSpPr>
+      <p:sp>
+        <p:nvSpPr>
+          <p:cNvPr id="2" name="Slide Image Placeholder 1"/>
+          <p:cNvSpPr>
+            <a:spLocks noGrp="1" noRot="1" noChangeAspect="1"/>
+          </p:cNvSpPr>
+          <p:nvPr>
+            <p:ph type="sldImg"/>
+          </p:nvPr>
+        </p:nvSpPr>
+        <p:spPr/>
+      </p:sp>
+      <p:sp>
+        <p:nvSpPr>
+          <p:cNvPr id="3" name="Notes Placeholder 2"/>
+          <p:cNvSpPr>
+            <a:spLocks noGrp="1"/>
+          </p:cNvSpPr>
+          <p:nvPr>
+            <p:ph type="body" idx="1"/>
+          </p:nvPr>
+        </p:nvSpPr>
+        <p:spPr/>
+        <p:txBody>
+          <a:bodyPr/>
+          <a:lstStyle/>
+          <a:p>
+            <a:r>
+              <a:rPr lang="en-CA" dirty="0" smtClean="0"/>
+              <a:t>ISS: Abrams</a:t>
+            </a:r>
+            <a:r>
+              <a:rPr lang="en-CA" baseline="0" dirty="0" smtClean="0"/>
+              <a:t> 2013</a:t>
+            </a:r>
+          </a:p>
+          <a:p>
+            <a:r>
+              <a:rPr lang="en-CA" dirty="0" smtClean="0"/>
+              <a:t>We found that music synchronizes brain responses across listeners in bilateral auditory midbrain and thalamus, primary auditory and auditory association cortex, right-lateralized structures in frontal and parietal cortex, and motor planning regions of the brain.</a:t>
+            </a:r>
+          </a:p>
+          <a:p>
+            <a:endParaRPr lang="en-CA" dirty="0" smtClean="0"/>
+          </a:p>
+          <a:p>
+            <a:endParaRPr lang="en-CA" dirty="0"/>
+          </a:p>
+        </p:txBody>
+      </p:sp>
+      <p:sp>
+        <p:nvSpPr>
+          <p:cNvPr id="4" name="Slide Number Placeholder 3"/>
+          <p:cNvSpPr>
+            <a:spLocks noGrp="1"/>
+          </p:cNvSpPr>
+          <p:nvPr>
+            <p:ph type="sldNum" sz="quarter" idx="10"/>
+          </p:nvPr>
+        </p:nvSpPr>
+        <p:spPr/>
+        <p:txBody>
+          <a:bodyPr/>
+          <a:lstStyle/>
+          <a:p>
+            <a:fld id="{BA0C90E3-8C05-AF43-8579-8D2D04A296B0}" type="slidenum">
+              <a:rPr lang="en-US" smtClean="0"/>
+              <a:t>8</a:t>
+            </a:fld>
+            <a:endParaRPr lang="en-US"/>
+          </a:p>
+        </p:txBody>
+      </p:sp>
+    </p:spTree>
+    <p:extLst>
+      <p:ext uri="{BB962C8B-B14F-4D97-AF65-F5344CB8AC3E}">
+        <p14:creationId xmlns:p14="http://schemas.microsoft.com/office/powerpoint/2010/main" val="2296621888"/>
       </p:ext>
     </p:extLst>
   </p:cSld>
@@ -7861,7 +8221,7 @@
           <a:p>
             <a:fld id="{6C076DC0-26B1-5841-8BF7-BB7DFB8B1BE2}" type="datetimeFigureOut">
               <a:rPr lang="en-US" smtClean="0"/>
-              <a:t>5/8/17</a:t>
+              <a:t>17-05-08</a:t>
             </a:fld>
             <a:endParaRPr lang="en-US"/>
           </a:p>
@@ -8026,7 +8386,7 @@
           <a:p>
             <a:fld id="{6C076DC0-26B1-5841-8BF7-BB7DFB8B1BE2}" type="datetimeFigureOut">
               <a:rPr lang="en-US" smtClean="0"/>
-              <a:t>5/8/17</a:t>
+              <a:t>17-05-08</a:t>
             </a:fld>
             <a:endParaRPr lang="en-US"/>
           </a:p>
@@ -8201,7 +8561,7 @@
           <a:p>
             <a:fld id="{6C076DC0-26B1-5841-8BF7-BB7DFB8B1BE2}" type="datetimeFigureOut">
               <a:rPr lang="en-US" smtClean="0"/>
-              <a:t>5/8/17</a:t>
+              <a:t>17-05-08</a:t>
             </a:fld>
             <a:endParaRPr lang="en-US"/>
           </a:p>
@@ -8366,7 +8726,7 @@
           <a:p>
             <a:fld id="{6C076DC0-26B1-5841-8BF7-BB7DFB8B1BE2}" type="datetimeFigureOut">
               <a:rPr lang="en-US" smtClean="0"/>
-              <a:t>5/8/17</a:t>
+              <a:t>17-05-08</a:t>
             </a:fld>
             <a:endParaRPr lang="en-US"/>
           </a:p>
@@ -8605,7 +8965,7 @@
           <a:p>
             <a:fld id="{6C076DC0-26B1-5841-8BF7-BB7DFB8B1BE2}" type="datetimeFigureOut">
               <a:rPr lang="en-US" smtClean="0"/>
-              <a:t>5/8/17</a:t>
+              <a:t>17-05-08</a:t>
             </a:fld>
             <a:endParaRPr lang="en-US"/>
           </a:p>
@@ -8832,7 +9192,7 @@
           <a:p>
             <a:fld id="{6C076DC0-26B1-5841-8BF7-BB7DFB8B1BE2}" type="datetimeFigureOut">
               <a:rPr lang="en-US" smtClean="0"/>
-              <a:t>5/8/17</a:t>
+              <a:t>17-05-08</a:t>
             </a:fld>
             <a:endParaRPr lang="en-US"/>
           </a:p>
@@ -9194,7 +9554,7 @@
           <a:p>
             <a:fld id="{6C076DC0-26B1-5841-8BF7-BB7DFB8B1BE2}" type="datetimeFigureOut">
               <a:rPr lang="en-US" smtClean="0"/>
-              <a:t>5/8/17</a:t>
+              <a:t>17-05-08</a:t>
             </a:fld>
             <a:endParaRPr lang="en-US"/>
           </a:p>
@@ -9307,7 +9667,7 @@
           <a:p>
             <a:fld id="{6C076DC0-26B1-5841-8BF7-BB7DFB8B1BE2}" type="datetimeFigureOut">
               <a:rPr lang="en-US" smtClean="0"/>
-              <a:t>5/8/17</a:t>
+              <a:t>17-05-08</a:t>
             </a:fld>
             <a:endParaRPr lang="en-US"/>
           </a:p>
@@ -9397,7 +9757,7 @@
           <a:p>
             <a:fld id="{6C076DC0-26B1-5841-8BF7-BB7DFB8B1BE2}" type="datetimeFigureOut">
               <a:rPr lang="en-US" smtClean="0"/>
-              <a:t>5/8/17</a:t>
+              <a:t>17-05-08</a:t>
             </a:fld>
             <a:endParaRPr lang="en-US"/>
           </a:p>
@@ -9669,7 +10029,7 @@
           <a:p>
             <a:fld id="{6C076DC0-26B1-5841-8BF7-BB7DFB8B1BE2}" type="datetimeFigureOut">
               <a:rPr lang="en-US" smtClean="0"/>
-              <a:t>5/8/17</a:t>
+              <a:t>17-05-08</a:t>
             </a:fld>
             <a:endParaRPr lang="en-US"/>
           </a:p>
@@ -9921,7 +10281,7 @@
           <a:p>
             <a:fld id="{6C076DC0-26B1-5841-8BF7-BB7DFB8B1BE2}" type="datetimeFigureOut">
               <a:rPr lang="en-US" smtClean="0"/>
-              <a:t>5/8/17</a:t>
+              <a:t>17-05-08</a:t>
             </a:fld>
             <a:endParaRPr lang="en-US"/>
           </a:p>
@@ -10129,7 +10489,7 @@
           <a:p>
             <a:fld id="{6C076DC0-26B1-5841-8BF7-BB7DFB8B1BE2}" type="datetimeFigureOut">
               <a:rPr lang="en-US" smtClean="0"/>
-              <a:t>5/8/17</a:t>
+              <a:t>17-05-08</a:t>
             </a:fld>
             <a:endParaRPr lang="en-US"/>
           </a:p>
@@ -10551,7 +10911,7 @@
           <a:p>
             <a:r>
               <a:rPr lang="en-US" dirty="0" smtClean="0"/>
-              <a:t>Music Familiarity Study</a:t>
+              <a:t>Neural correlates of music familiarity</a:t>
             </a:r>
             <a:endParaRPr lang="en-US" dirty="0"/>
           </a:p>
@@ -10572,7 +10932,7 @@
           <a:bodyPr/>
           <a:lstStyle/>
           <a:p>
-            <a:endParaRPr lang="en-US"/>
+            <a:endParaRPr lang="en-US" dirty="0"/>
           </a:p>
         </p:txBody>
       </p:sp>
@@ -10589,7 +10949,7 @@
   <p:timing>
     <p:tnLst>
       <p:par>
-        <p:cTn id="1" dur="indefinite" restart="never" nodeType="tmRoot"/>
+        <p:cTn xmlns:p14="http://schemas.microsoft.com/office/powerpoint/2010/main" id="1" dur="indefinite" restart="never" nodeType="tmRoot"/>
       </p:par>
     </p:tnLst>
   </p:timing>
@@ -10693,7 +11053,7 @@
   <p:timing>
     <p:tnLst>
       <p:par>
-        <p:cTn id="1" dur="indefinite" restart="never" nodeType="tmRoot"/>
+        <p:cTn xmlns:p14="http://schemas.microsoft.com/office/powerpoint/2010/main" id="1" dur="indefinite" restart="never" nodeType="tmRoot"/>
       </p:par>
     </p:tnLst>
   </p:timing>
@@ -10785,11 +11145,7 @@
             <a:pPr lvl="1"/>
             <a:r>
               <a:rPr lang="en-US" dirty="0" smtClean="0"/>
-              <a:t>4 ‘whole’ songs (music + lyrics</a:t>
-            </a:r>
-            <a:r>
-              <a:rPr lang="en-US" dirty="0" smtClean="0"/>
-              <a:t>)</a:t>
+              <a:t>4 ‘whole’ songs (music + lyrics)</a:t>
             </a:r>
           </a:p>
           <a:p>
@@ -10811,7 +11167,7 @@
   <p:timing>
     <p:tnLst>
       <p:par>
-        <p:cTn id="1" dur="indefinite" restart="never" nodeType="tmRoot"/>
+        <p:cTn xmlns:p14="http://schemas.microsoft.com/office/powerpoint/2010/main" id="1" dur="indefinite" restart="never" nodeType="tmRoot"/>
       </p:par>
     </p:tnLst>
   </p:timing>
@@ -10978,7 +11334,7 @@
   <p:timing>
     <p:tnLst>
       <p:par>
-        <p:cTn id="1" dur="indefinite" restart="never" nodeType="tmRoot"/>
+        <p:cTn xmlns:p14="http://schemas.microsoft.com/office/powerpoint/2010/main" id="1" dur="indefinite" restart="never" nodeType="tmRoot"/>
       </p:par>
     </p:tnLst>
   </p:timing>
@@ -11142,7 +11498,7 @@
   <p:timing>
     <p:tnLst>
       <p:par>
-        <p:cTn id="1" dur="indefinite" restart="never" nodeType="tmRoot">
+        <p:cTn xmlns:p14="http://schemas.microsoft.com/office/powerpoint/2010/main" id="1" dur="indefinite" restart="never" nodeType="tmRoot">
           <p:childTnLst>
             <p:seq concurrent="1" nextAc="seek">
               <p:cTn id="2" dur="indefinite" nodeType="mainSeq">
@@ -11480,7 +11836,7 @@
   <p:timing>
     <p:tnLst>
       <p:par>
-        <p:cTn id="1" dur="indefinite" restart="never" nodeType="tmRoot"/>
+        <p:cTn xmlns:p14="http://schemas.microsoft.com/office/powerpoint/2010/main" id="1" dur="indefinite" restart="never" nodeType="tmRoot"/>
       </p:par>
     </p:tnLst>
   </p:timing>
@@ -11651,7 +12007,7 @@
   <p:timing>
     <p:tnLst>
       <p:par>
-        <p:cTn id="1" dur="indefinite" restart="never" nodeType="tmRoot"/>
+        <p:cTn xmlns:p14="http://schemas.microsoft.com/office/powerpoint/2010/main" id="1" dur="indefinite" restart="never" nodeType="tmRoot"/>
       </p:par>
     </p:tnLst>
   </p:timing>
@@ -11797,7 +12153,7 @@
   <p:timing>
     <p:tnLst>
       <p:par>
-        <p:cTn id="1" dur="indefinite" restart="never" nodeType="tmRoot"/>
+        <p:cTn xmlns:p14="http://schemas.microsoft.com/office/powerpoint/2010/main" id="1" dur="indefinite" restart="never" nodeType="tmRoot"/>
       </p:par>
     </p:tnLst>
   </p:timing>
@@ -11900,11 +12256,7 @@
           <a:p>
             <a:r>
               <a:rPr lang="en-US" dirty="0" smtClean="0"/>
-              <a:t>Compare total ISS </a:t>
-            </a:r>
-            <a:r>
-              <a:rPr lang="en-US" dirty="0" smtClean="0"/>
-              <a:t>between stimuli types</a:t>
+              <a:t>Compare total ISS between stimuli types</a:t>
             </a:r>
           </a:p>
           <a:p>
@@ -11930,7 +12282,7 @@
   <p:timing>
     <p:tnLst>
       <p:par>
-        <p:cTn id="1" dur="indefinite" restart="never" nodeType="tmRoot"/>
+        <p:cTn xmlns:p14="http://schemas.microsoft.com/office/powerpoint/2010/main" id="1" dur="indefinite" restart="never" nodeType="tmRoot"/>
       </p:par>
     </p:tnLst>
   </p:timing>
@@ -12062,7 +12414,7 @@
   <p:timing>
     <p:tnLst>
       <p:par>
-        <p:cTn id="1" dur="indefinite" restart="never" nodeType="tmRoot"/>
+        <p:cTn xmlns:p14="http://schemas.microsoft.com/office/powerpoint/2010/main" id="1" dur="indefinite" restart="never" nodeType="tmRoot"/>
       </p:par>
     </p:tnLst>
   </p:timing>
@@ -12157,7 +12509,7 @@
   <p:timing>
     <p:tnLst>
       <p:par>
-        <p:cTn id="1" dur="indefinite" restart="never" nodeType="tmRoot"/>
+        <p:cTn xmlns:p14="http://schemas.microsoft.com/office/powerpoint/2010/main" id="1" dur="indefinite" restart="never" nodeType="tmRoot"/>
       </p:par>
     </p:tnLst>
   </p:timing>
@@ -12293,7 +12645,7 @@
   <p:timing>
     <p:tnLst>
       <p:par>
-        <p:cTn id="1" dur="indefinite" restart="never" nodeType="tmRoot">
+        <p:cTn xmlns:p14="http://schemas.microsoft.com/office/powerpoint/2010/main" id="1" dur="indefinite" restart="never" nodeType="tmRoot">
           <p:childTnLst>
             <p:seq concurrent="1" nextAc="seek">
               <p:cTn id="2" dur="indefinite" nodeType="mainSeq">
@@ -12326,7 +12678,7 @@
                                         <p:tgtEl>
                                           <p:spTgt spid="3">
                                             <p:txEl>
-                                              <p:pRg st="2" end="2"/>
+                                              <p:pRg st="0" end="0"/>
                                             </p:txEl>
                                           </p:spTgt>
                                         </p:tgtEl>
@@ -12357,6 +12709,86 @@
                                         <p:tgtEl>
                                           <p:spTgt spid="3">
                                             <p:txEl>
+                                              <p:pRg st="1" end="1"/>
+                                            </p:txEl>
+                                          </p:spTgt>
+                                        </p:tgtEl>
+                                        <p:attrNameLst>
+                                          <p:attrName>style.visibility</p:attrName>
+                                        </p:attrNameLst>
+                                      </p:cBhvr>
+                                      <p:to>
+                                        <p:strVal val="visible"/>
+                                      </p:to>
+                                    </p:set>
+                                  </p:childTnLst>
+                                </p:cTn>
+                              </p:par>
+                            </p:childTnLst>
+                          </p:cTn>
+                        </p:par>
+                      </p:childTnLst>
+                    </p:cTn>
+                  </p:par>
+                  <p:par>
+                    <p:cTn id="9" fill="hold">
+                      <p:stCondLst>
+                        <p:cond delay="indefinite"/>
+                      </p:stCondLst>
+                      <p:childTnLst>
+                        <p:par>
+                          <p:cTn id="10" fill="hold">
+                            <p:stCondLst>
+                              <p:cond delay="0"/>
+                            </p:stCondLst>
+                            <p:childTnLst>
+                              <p:par>
+                                <p:cTn id="11" presetID="1" presetClass="entr" presetSubtype="0" fill="hold" nodeType="clickEffect">
+                                  <p:stCondLst>
+                                    <p:cond delay="0"/>
+                                  </p:stCondLst>
+                                  <p:childTnLst>
+                                    <p:set>
+                                      <p:cBhvr>
+                                        <p:cTn id="12" dur="1" fill="hold">
+                                          <p:stCondLst>
+                                            <p:cond delay="0"/>
+                                          </p:stCondLst>
+                                        </p:cTn>
+                                        <p:tgtEl>
+                                          <p:spTgt spid="3">
+                                            <p:txEl>
+                                              <p:pRg st="2" end="2"/>
+                                            </p:txEl>
+                                          </p:spTgt>
+                                        </p:tgtEl>
+                                        <p:attrNameLst>
+                                          <p:attrName>style.visibility</p:attrName>
+                                        </p:attrNameLst>
+                                      </p:cBhvr>
+                                      <p:to>
+                                        <p:strVal val="visible"/>
+                                      </p:to>
+                                    </p:set>
+                                  </p:childTnLst>
+                                </p:cTn>
+                              </p:par>
+                              <p:par>
+                                <p:cTn id="13" presetID="1" presetClass="entr" presetSubtype="0" fill="hold" nodeType="withEffect">
+                                  <p:stCondLst>
+                                    <p:cond delay="0"/>
+                                  </p:stCondLst>
+                                  <p:childTnLst>
+                                    <p:set>
+                                      <p:cBhvr>
+                                        <p:cTn id="14" dur="1" fill="hold">
+                                          <p:stCondLst>
+                                            <p:cond delay="0"/>
+                                          </p:stCondLst>
+                                        </p:cTn>
+                                        <p:tgtEl>
+                                          <p:spTgt spid="3">
+                                            <p:txEl>
                                               <p:pRg st="3" end="3"/>
                                             </p:txEl>
                                           </p:spTgt>
@@ -12373,14 +12805,14 @@
                                 </p:cTn>
                               </p:par>
                               <p:par>
-                                <p:cTn id="9" presetID="1" presetClass="entr" presetSubtype="0" fill="hold" nodeType="withEffect">
+                                <p:cTn id="15" presetID="1" presetClass="entr" presetSubtype="0" fill="hold" nodeType="withEffect">
                                   <p:stCondLst>
                                     <p:cond delay="0"/>
                                   </p:stCondLst>
                                   <p:childTnLst>
                                     <p:set>
                                       <p:cBhvr>
-                                        <p:cTn id="10" dur="1" fill="hold">
+                                        <p:cTn id="16" dur="1" fill="hold">
                                           <p:stCondLst>
                                             <p:cond delay="0"/>
                                           </p:stCondLst>
@@ -12512,7 +12944,7 @@
   <p:timing>
     <p:tnLst>
       <p:par>
-        <p:cTn id="1" dur="indefinite" restart="never" nodeType="tmRoot"/>
+        <p:cTn xmlns:p14="http://schemas.microsoft.com/office/powerpoint/2010/main" id="1" dur="indefinite" restart="never" nodeType="tmRoot"/>
       </p:par>
     </p:tnLst>
   </p:timing>
@@ -12591,7 +13023,7 @@
   <p:timing>
     <p:tnLst>
       <p:par>
-        <p:cTn id="1" dur="indefinite" restart="never" nodeType="tmRoot"/>
+        <p:cTn xmlns:p14="http://schemas.microsoft.com/office/powerpoint/2010/main" id="1" dur="indefinite" restart="never" nodeType="tmRoot"/>
       </p:par>
     </p:tnLst>
   </p:timing>
@@ -12698,7 +13130,7 @@
   <p:timing>
     <p:tnLst>
       <p:par>
-        <p:cTn id="1" dur="indefinite" restart="never" nodeType="tmRoot"/>
+        <p:cTn xmlns:p14="http://schemas.microsoft.com/office/powerpoint/2010/main" id="1" dur="indefinite" restart="never" nodeType="tmRoot"/>
       </p:par>
     </p:tnLst>
   </p:timing>
@@ -12801,7 +13233,7 @@
   <p:timing>
     <p:tnLst>
       <p:par>
-        <p:cTn id="1" dur="indefinite" restart="never" nodeType="tmRoot"/>
+        <p:cTn xmlns:p14="http://schemas.microsoft.com/office/powerpoint/2010/main" id="1" dur="indefinite" restart="never" nodeType="tmRoot"/>
       </p:par>
     </p:tnLst>
   </p:timing>
@@ -12885,14 +13317,18 @@
             </a:r>
             <a:r>
               <a:rPr lang="en-US" dirty="0" smtClean="0"/>
-              <a:t> formation of melody representations (Samson &amp; </a:t>
-            </a:r>
-            <a:r>
-              <a:rPr lang="en-US" dirty="0" err="1" smtClean="0"/>
+              <a:t> formation of melody representations </a:t>
+            </a:r>
+            <a:r>
+              <a:rPr lang="en-US" sz="1400" dirty="0" smtClean="0"/>
+              <a:t>(Samson &amp; </a:t>
+            </a:r>
+            <a:r>
+              <a:rPr lang="en-US" sz="1400" dirty="0" err="1" smtClean="0"/>
               <a:t>Peretz</a:t>
             </a:r>
             <a:r>
-              <a:rPr lang="en-US" dirty="0" smtClean="0"/>
+              <a:rPr lang="en-US" sz="1400" dirty="0" smtClean="0"/>
               <a:t>, 2005)</a:t>
             </a:r>
           </a:p>
@@ -12910,21 +13346,26 @@
               <a:t> explicit </a:t>
             </a:r>
             <a:r>
-              <a:rPr lang="en-US" dirty="0" err="1" smtClean="0"/>
-              <a:t>retreival</a:t>
-            </a:r>
-            <a:r>
               <a:rPr lang="en-US" dirty="0" smtClean="0"/>
-              <a:t> of melodies (Samson &amp; </a:t>
-            </a:r>
-            <a:r>
-              <a:rPr lang="en-US" dirty="0" err="1" smtClean="0"/>
+              <a:t>retrieval </a:t>
+            </a:r>
+            <a:r>
+              <a:rPr lang="en-US" dirty="0" smtClean="0"/>
+              <a:t>of melodies </a:t>
+            </a:r>
+            <a:r>
+              <a:rPr lang="en-US" sz="1400" dirty="0" smtClean="0"/>
+              <a:t>(Samson &amp; </a:t>
+            </a:r>
+            <a:r>
+              <a:rPr lang="en-US" sz="1400" dirty="0" err="1" smtClean="0"/>
               <a:t>Peretz</a:t>
             </a:r>
             <a:r>
-              <a:rPr lang="en-US" dirty="0" smtClean="0"/>
+              <a:rPr lang="en-US" sz="1400" dirty="0" smtClean="0"/>
               <a:t>, 2005)</a:t>
             </a:r>
+            <a:endParaRPr lang="en-US" sz="1400" dirty="0" smtClean="0"/>
           </a:p>
           <a:p>
             <a:endParaRPr lang="en-US" dirty="0"/>
@@ -12946,13 +13387,13 @@
       <p:transition spd="slow" p14:dur="2000"/>
     </mc:Choice>
     <mc:Fallback>
-      <p:transition spd="slow"/>
+      <p:transition xmlns:p14="http://schemas.microsoft.com/office/powerpoint/2010/main" spd="slow"/>
     </mc:Fallback>
   </mc:AlternateContent>
   <p:timing>
     <p:tnLst>
       <p:par>
-        <p:cTn id="1" dur="indefinite" restart="never" nodeType="tmRoot"/>
+        <p:cTn xmlns:p14="http://schemas.microsoft.com/office/powerpoint/2010/main" id="1" dur="indefinite" restart="never" nodeType="tmRoot"/>
       </p:par>
     </p:tnLst>
   </p:timing>
@@ -13014,7 +13455,7 @@
         </p:nvSpPr>
         <p:spPr>
           <a:xfrm>
-            <a:off x="6051479" y="69334"/>
+            <a:off x="3201174" y="-179"/>
             <a:ext cx="2981778" cy="369332"/>
           </a:xfrm>
           <a:prstGeom prst="rect">
@@ -13099,7 +13540,7 @@
   <p:timing>
     <p:tnLst>
       <p:par>
-        <p:cTn id="1" dur="indefinite" restart="never" nodeType="tmRoot"/>
+        <p:cTn xmlns:p14="http://schemas.microsoft.com/office/powerpoint/2010/main" id="1" dur="indefinite" restart="never" nodeType="tmRoot"/>
       </p:par>
     </p:tnLst>
   </p:timing>
@@ -13132,7 +13573,7 @@
           <p:nvPr/>
         </p:nvPicPr>
         <p:blipFill>
-          <a:blip r:embed="rId2">
+          <a:blip r:embed="rId3">
             <a:extLst>
               <a:ext uri="{28A0092B-C50C-407E-A947-70E740481C1C}">
                 <a14:useLocalDpi xmlns:a14="http://schemas.microsoft.com/office/drawing/2010/main" val="0"/>
@@ -13220,7 +13661,7 @@
   <p:timing>
     <p:tnLst>
       <p:par>
-        <p:cTn id="1" dur="indefinite" restart="never" nodeType="tmRoot"/>
+        <p:cTn xmlns:p14="http://schemas.microsoft.com/office/powerpoint/2010/main" id="1" dur="indefinite" restart="never" nodeType="tmRoot"/>
       </p:par>
     </p:tnLst>
   </p:timing>
@@ -13413,7 +13854,7 @@
   <p:timing>
     <p:tnLst>
       <p:par>
-        <p:cTn id="1" dur="indefinite" restart="never" nodeType="tmRoot">
+        <p:cTn xmlns:p14="http://schemas.microsoft.com/office/powerpoint/2010/main" id="1" dur="indefinite" restart="never" nodeType="tmRoot">
           <p:childTnLst>
             <p:seq concurrent="1" nextAc="seek">
               <p:cTn id="2" dur="indefinite" nodeType="mainSeq">
@@ -13814,7 +14255,7 @@
   <p:timing>
     <p:tnLst>
       <p:par>
-        <p:cTn id="1" dur="indefinite" restart="never" nodeType="tmRoot"/>
+        <p:cTn xmlns:p14="http://schemas.microsoft.com/office/powerpoint/2010/main" id="1" dur="indefinite" restart="never" nodeType="tmRoot"/>
       </p:par>
     </p:tnLst>
   </p:timing>
@@ -13864,7 +14305,7 @@
     </a:clrScheme>
     <a:fontScheme name="Office Theme">
       <a:majorFont>
-        <a:latin typeface="Calibri Light" panose="020F0302020204030204"/>
+        <a:latin typeface="Calibri Light"/>
         <a:ea typeface=""/>
         <a:cs typeface=""/>
         <a:font script="Jpan" typeface="游ゴシック Light"/>
@@ -13899,7 +14340,7 @@
         <a:font script="Geor" typeface="Sylfaen"/>
       </a:majorFont>
       <a:minorFont>
-        <a:latin typeface="Calibri" panose="020F0502020204030204"/>
+        <a:latin typeface="Calibri"/>
         <a:ea typeface=""/>
         <a:cs typeface=""/>
         <a:font script="Jpan" typeface="游ゴシック"/>
@@ -14076,7 +14517,7 @@
   <a:extraClrSchemeLst/>
   <a:extLst>
     <a:ext uri="{05A4C25C-085E-4340-85A3-A5531E510DB2}">
-      <thm15:themeFamily xmlns:thm15="http://schemas.microsoft.com/office/thememl/2012/main" name="Office Theme" id="{62F939B6-93AF-4DB8-9C6B-D6C7DFDC589F}" vid="{4A3C46E8-61CC-4603-A589-7422A47A8E4A}"/>
+      <thm15:themeFamily xmlns:thm15="http://schemas.microsoft.com/office/thememl/2012/main" xmlns="" name="Office Theme" id="{62F939B6-93AF-4DB8-9C6B-D6C7DFDC589F}" vid="{4A3C46E8-61CC-4603-A589-7422A47A8E4A}"/>
     </a:ext>
   </a:extLst>
 </a:theme>
@@ -14125,7 +14566,7 @@
     </a:clrScheme>
     <a:fontScheme name="Office">
       <a:majorFont>
-        <a:latin typeface="Calibri Light" panose="020F0302020204030204"/>
+        <a:latin typeface="Calibri Light"/>
         <a:ea typeface=""/>
         <a:cs typeface=""/>
         <a:font script="Jpan" typeface="Yu Gothic Light"/>
@@ -14160,7 +14601,7 @@
         <a:font script="Geor" typeface="Sylfaen"/>
       </a:majorFont>
       <a:minorFont>
-        <a:latin typeface="Calibri" panose="020F0502020204030204"/>
+        <a:latin typeface="Calibri"/>
         <a:ea typeface=""/>
         <a:cs typeface=""/>
         <a:font script="Jpan" typeface="Yu Gothic"/>
@@ -14337,7 +14778,7 @@
   <a:extraClrSchemeLst/>
   <a:extLst>
     <a:ext uri="{05A4C25C-085E-4340-85A3-A5531E510DB2}">
-      <thm15:themeFamily xmlns:thm15="http://schemas.microsoft.com/office/thememl/2012/main" name="Office Theme" id="{62F939B6-93AF-4DB8-9C6B-D6C7DFDC589F}" vid="{4A3C46E8-61CC-4603-A589-7422A47A8E4A}"/>
+      <thm15:themeFamily xmlns:thm15="http://schemas.microsoft.com/office/thememl/2012/main" xmlns="" name="Office Theme" id="{62F939B6-93AF-4DB8-9C6B-D6C7DFDC589F}" vid="{4A3C46E8-61CC-4603-A589-7422A47A8E4A}"/>
     </a:ext>
   </a:extLst>
 </a:theme>

--- a/Meetings/2017.05.10-Grahn+KohlerPresentation.pptx
+++ b/Meetings/2017.05.10-Grahn+KohlerPresentation.pptx
@@ -5,16 +5,16 @@
     <p:sldMasterId id="2147483660" r:id="rId1"/>
   </p:sldMasterIdLst>
   <p:notesMasterIdLst>
-    <p:notesMasterId r:id="rId23"/>
+    <p:notesMasterId r:id="rId24"/>
   </p:notesMasterIdLst>
   <p:sldIdLst>
     <p:sldId id="256" r:id="rId2"/>
     <p:sldId id="272" r:id="rId3"/>
     <p:sldId id="275" r:id="rId4"/>
-    <p:sldId id="274" r:id="rId5"/>
-    <p:sldId id="273" r:id="rId6"/>
-    <p:sldId id="276" r:id="rId7"/>
-    <p:sldId id="277" r:id="rId8"/>
+    <p:sldId id="273" r:id="rId5"/>
+    <p:sldId id="276" r:id="rId6"/>
+    <p:sldId id="277" r:id="rId7"/>
+    <p:sldId id="274" r:id="rId8"/>
     <p:sldId id="261" r:id="rId9"/>
     <p:sldId id="262" r:id="rId10"/>
     <p:sldId id="265" r:id="rId11"/>
@@ -29,6 +29,7 @@
     <p:sldId id="259" r:id="rId20"/>
     <p:sldId id="260" r:id="rId21"/>
     <p:sldId id="268" r:id="rId22"/>
+    <p:sldId id="278" r:id="rId23"/>
   </p:sldIdLst>
   <p:sldSz cx="9144000" cy="6858000" type="screen4x3"/>
   <p:notesSz cx="6858000" cy="9144000"/>
@@ -129,7 +130,18 @@
   </p:defaultTextStyle>
   <p:extLst>
     <p:ext uri="{EFAFB233-063F-42B5-8137-9DF3F51BA10A}">
-      <p15:sldGuideLst xmlns:p15="http://schemas.microsoft.com/office/powerpoint/2012/main" xmlns=""/>
+      <p15:sldGuideLst xmlns:p15="http://schemas.microsoft.com/office/powerpoint/2012/main">
+        <p15:guide id="1" orient="horz" pos="2160">
+          <p15:clr>
+            <a:srgbClr val="A4A3A4"/>
+          </p15:clr>
+        </p15:guide>
+        <p15:guide id="2" pos="2880">
+          <p15:clr>
+            <a:srgbClr val="A4A3A4"/>
+          </p15:clr>
+        </p15:guide>
+      </p15:sldGuideLst>
     </p:ext>
   </p:extLst>
 </p:presentation>
@@ -2904,8 +2916,8 @@
       </dsp:nvSpPr>
       <dsp:spPr>
         <a:xfrm>
-          <a:off x="2466" y="459937"/>
-          <a:ext cx="933982" cy="901055"/>
+          <a:off x="2466" y="462810"/>
+          <a:ext cx="933982" cy="895309"/>
         </a:xfrm>
         <a:prstGeom prst="roundRect">
           <a:avLst>
@@ -2974,8 +2986,8 @@
         </a:p>
       </dsp:txBody>
       <dsp:txXfrm>
-        <a:off x="28857" y="486328"/>
-        <a:ext cx="881200" cy="848273"/>
+        <a:off x="28689" y="489033"/>
+        <a:ext cx="881536" cy="842863"/>
       </dsp:txXfrm>
     </dsp:sp>
     <dsp:sp modelId="{245B5132-579C-C543-BBFC-998907B6A6DC}">
@@ -3054,8 +3066,8 @@
       </dsp:nvSpPr>
       <dsp:spPr>
         <a:xfrm>
-          <a:off x="1310041" y="459937"/>
-          <a:ext cx="933982" cy="901055"/>
+          <a:off x="1310041" y="462810"/>
+          <a:ext cx="933982" cy="895309"/>
         </a:xfrm>
         <a:prstGeom prst="roundRect">
           <a:avLst>
@@ -3124,8 +3136,8 @@
         </a:p>
       </dsp:txBody>
       <dsp:txXfrm>
-        <a:off x="1336432" y="486328"/>
-        <a:ext cx="881200" cy="848273"/>
+        <a:off x="1336264" y="489033"/>
+        <a:ext cx="881536" cy="842863"/>
       </dsp:txXfrm>
     </dsp:sp>
     <dsp:sp modelId="{DC90FEBC-3C04-C144-AEF4-489A10BDF470}">
@@ -3204,8 +3216,8 @@
       </dsp:nvSpPr>
       <dsp:spPr>
         <a:xfrm>
-          <a:off x="2617616" y="459937"/>
-          <a:ext cx="933982" cy="901055"/>
+          <a:off x="2617616" y="462810"/>
+          <a:ext cx="933982" cy="895309"/>
         </a:xfrm>
         <a:prstGeom prst="roundRect">
           <a:avLst>
@@ -3273,8 +3285,8 @@
         </a:p>
       </dsp:txBody>
       <dsp:txXfrm>
-        <a:off x="2644007" y="486328"/>
-        <a:ext cx="881200" cy="848273"/>
+        <a:off x="2643839" y="489033"/>
+        <a:ext cx="881536" cy="842863"/>
       </dsp:txXfrm>
     </dsp:sp>
     <dsp:sp modelId="{9E7159C5-36CA-654E-B25A-5B2879ECFFA3}">
@@ -3283,8 +3295,8 @@
         <dsp:cNvSpPr/>
       </dsp:nvSpPr>
       <dsp:spPr>
-        <a:xfrm rot="47200">
-          <a:off x="3638334" y="803516"/>
+        <a:xfrm rot="46899">
+          <a:off x="3638335" y="803460"/>
           <a:ext cx="183917" cy="231627"/>
         </a:xfrm>
         <a:prstGeom prst="rightArrow">
@@ -3342,7 +3354,7 @@
         </a:p>
       </dsp:txBody>
       <dsp:txXfrm>
-        <a:off x="3638337" y="849462"/>
+        <a:off x="3638338" y="849409"/>
         <a:ext cx="128742" cy="138977"/>
       </dsp:txXfrm>
     </dsp:sp>
@@ -3353,8 +3365,8 @@
       </dsp:nvSpPr>
       <dsp:spPr>
         <a:xfrm>
-          <a:off x="3898579" y="477525"/>
-          <a:ext cx="933982" cy="901055"/>
+          <a:off x="3898579" y="480286"/>
+          <a:ext cx="933982" cy="895309"/>
         </a:xfrm>
         <a:prstGeom prst="roundRect">
           <a:avLst>
@@ -3423,8 +3435,8 @@
         </a:p>
       </dsp:txBody>
       <dsp:txXfrm>
-        <a:off x="3924970" y="503916"/>
-        <a:ext cx="881200" cy="848273"/>
+        <a:off x="3924802" y="506509"/>
+        <a:ext cx="881536" cy="842863"/>
       </dsp:txXfrm>
     </dsp:sp>
     <dsp:sp modelId="{AA1E63FA-7DA2-124E-8D84-ECE1F05CEE8E}">
@@ -3433,9 +3445,9 @@
         <dsp:cNvSpPr/>
       </dsp:nvSpPr>
       <dsp:spPr>
-        <a:xfrm rot="21530831">
-          <a:off x="4927707" y="798897"/>
-          <a:ext cx="201793" cy="231627"/>
+        <a:xfrm rot="21531272">
+          <a:off x="4927708" y="798870"/>
+          <a:ext cx="201792" cy="231627"/>
         </a:xfrm>
         <a:prstGeom prst="rightArrow">
           <a:avLst>
@@ -3492,8 +3504,8 @@
         </a:p>
       </dsp:txBody>
       <dsp:txXfrm>
-        <a:off x="4927713" y="845831"/>
-        <a:ext cx="141255" cy="138977"/>
+        <a:off x="4927714" y="845800"/>
+        <a:ext cx="141254" cy="138977"/>
       </dsp:txXfrm>
     </dsp:sp>
     <dsp:sp modelId="{72AD32D9-E5F8-BD43-8BDB-A4D4030BCC6C}">
@@ -3503,8 +3515,8 @@
       </dsp:nvSpPr>
       <dsp:spPr>
         <a:xfrm>
-          <a:off x="5213226" y="451070"/>
-          <a:ext cx="933982" cy="901055"/>
+          <a:off x="5213226" y="454000"/>
+          <a:ext cx="933982" cy="895309"/>
         </a:xfrm>
         <a:prstGeom prst="roundRect">
           <a:avLst>
@@ -3573,8 +3585,8 @@
         </a:p>
       </dsp:txBody>
       <dsp:txXfrm>
-        <a:off x="5239617" y="477461"/>
-        <a:ext cx="881200" cy="848273"/>
+        <a:off x="5239449" y="480223"/>
+        <a:ext cx="881536" cy="842863"/>
       </dsp:txXfrm>
     </dsp:sp>
     <dsp:sp modelId="{0DEB14EA-9EB0-D24D-AFF7-2651A1AECE69}">
@@ -3583,8 +3595,8 @@
         <dsp:cNvSpPr/>
       </dsp:nvSpPr>
       <dsp:spPr>
-        <a:xfrm rot="22967">
-          <a:off x="6245489" y="790257"/>
+        <a:xfrm rot="22821">
+          <a:off x="6245489" y="790285"/>
           <a:ext cx="208364" cy="231627"/>
         </a:xfrm>
         <a:prstGeom prst="rightArrow">
@@ -3642,7 +3654,7 @@
         </a:p>
       </dsp:txBody>
       <dsp:txXfrm>
-        <a:off x="6245490" y="836373"/>
+        <a:off x="6245490" y="836403"/>
         <a:ext cx="145855" cy="138977"/>
       </dsp:txXfrm>
     </dsp:sp>
@@ -3653,8 +3665,8 @@
       </dsp:nvSpPr>
       <dsp:spPr>
         <a:xfrm>
-          <a:off x="6540340" y="459937"/>
-          <a:ext cx="933982" cy="901055"/>
+          <a:off x="6540340" y="462810"/>
+          <a:ext cx="933982" cy="895309"/>
         </a:xfrm>
         <a:prstGeom prst="roundRect">
           <a:avLst>
@@ -3723,8 +3735,8 @@
         </a:p>
       </dsp:txBody>
       <dsp:txXfrm>
-        <a:off x="6566731" y="486328"/>
-        <a:ext cx="881200" cy="848273"/>
+        <a:off x="6566563" y="489033"/>
+        <a:ext cx="881536" cy="842863"/>
       </dsp:txXfrm>
     </dsp:sp>
     <dsp:sp modelId="{80A529E0-442C-EE4B-B914-5FB39922BFB4}">
@@ -3803,8 +3815,8 @@
       </dsp:nvSpPr>
       <dsp:spPr>
         <a:xfrm>
-          <a:off x="7847915" y="459937"/>
-          <a:ext cx="933982" cy="901055"/>
+          <a:off x="7847915" y="462810"/>
+          <a:ext cx="933982" cy="895309"/>
         </a:xfrm>
         <a:prstGeom prst="roundRect">
           <a:avLst>
@@ -3873,8 +3885,8 @@
         </a:p>
       </dsp:txBody>
       <dsp:txXfrm>
-        <a:off x="7874306" y="486328"/>
-        <a:ext cx="881200" cy="848273"/>
+        <a:off x="7874138" y="489033"/>
+        <a:ext cx="881536" cy="842863"/>
       </dsp:txXfrm>
     </dsp:sp>
   </dsp:spTree>
@@ -3896,8 +3908,8 @@
       </dsp:nvSpPr>
       <dsp:spPr>
         <a:xfrm>
-          <a:off x="2466" y="16659"/>
-          <a:ext cx="933982" cy="1000177"/>
+          <a:off x="2466" y="7117"/>
+          <a:ext cx="933982" cy="1019262"/>
         </a:xfrm>
         <a:prstGeom prst="roundRect">
           <a:avLst>
@@ -3965,8 +3977,8 @@
         </a:p>
       </dsp:txBody>
       <dsp:txXfrm>
-        <a:off x="29821" y="44014"/>
-        <a:ext cx="879272" cy="945467"/>
+        <a:off x="29821" y="34472"/>
+        <a:ext cx="879272" cy="964552"/>
       </dsp:txXfrm>
     </dsp:sp>
     <dsp:sp modelId="{245B5132-579C-C543-BBFC-998907B6A6DC}">
@@ -4045,8 +4057,8 @@
       </dsp:nvSpPr>
       <dsp:spPr>
         <a:xfrm>
-          <a:off x="1310041" y="16659"/>
-          <a:ext cx="933982" cy="1000177"/>
+          <a:off x="1310041" y="7117"/>
+          <a:ext cx="933982" cy="1019262"/>
         </a:xfrm>
         <a:prstGeom prst="roundRect">
           <a:avLst>
@@ -4115,8 +4127,8 @@
         </a:p>
       </dsp:txBody>
       <dsp:txXfrm>
-        <a:off x="1337396" y="44014"/>
-        <a:ext cx="879272" cy="945467"/>
+        <a:off x="1337396" y="34472"/>
+        <a:ext cx="879272" cy="964552"/>
       </dsp:txXfrm>
     </dsp:sp>
     <dsp:sp modelId="{DC90FEBC-3C04-C144-AEF4-489A10BDF470}">
@@ -4195,8 +4207,8 @@
       </dsp:nvSpPr>
       <dsp:spPr>
         <a:xfrm>
-          <a:off x="2617616" y="16659"/>
-          <a:ext cx="933982" cy="1000177"/>
+          <a:off x="2617616" y="7117"/>
+          <a:ext cx="933982" cy="1019262"/>
         </a:xfrm>
         <a:prstGeom prst="roundRect">
           <a:avLst>
@@ -4265,8 +4277,8 @@
         </a:p>
       </dsp:txBody>
       <dsp:txXfrm>
-        <a:off x="2644971" y="44014"/>
-        <a:ext cx="879272" cy="945467"/>
+        <a:off x="2644971" y="34472"/>
+        <a:ext cx="879272" cy="964552"/>
       </dsp:txXfrm>
     </dsp:sp>
     <dsp:sp modelId="{57C96E13-F21A-8D4F-9C64-4AF3CF20BC47}">
@@ -4345,8 +4357,8 @@
       </dsp:nvSpPr>
       <dsp:spPr>
         <a:xfrm>
-          <a:off x="3925190" y="16659"/>
-          <a:ext cx="933982" cy="1000177"/>
+          <a:off x="3925190" y="7117"/>
+          <a:ext cx="933982" cy="1019262"/>
         </a:xfrm>
         <a:prstGeom prst="roundRect">
           <a:avLst>
@@ -4415,8 +4427,8 @@
         </a:p>
       </dsp:txBody>
       <dsp:txXfrm>
-        <a:off x="3952545" y="44014"/>
-        <a:ext cx="879272" cy="945467"/>
+        <a:off x="3952545" y="34472"/>
+        <a:ext cx="879272" cy="964552"/>
       </dsp:txXfrm>
     </dsp:sp>
     <dsp:sp modelId="{C52D87B7-2E7A-0443-8186-5B85BE75EEB4}">
@@ -4495,8 +4507,8 @@
       </dsp:nvSpPr>
       <dsp:spPr>
         <a:xfrm>
-          <a:off x="5232765" y="16659"/>
-          <a:ext cx="933982" cy="1000177"/>
+          <a:off x="5232765" y="7117"/>
+          <a:ext cx="933982" cy="1019262"/>
         </a:xfrm>
         <a:prstGeom prst="roundRect">
           <a:avLst>
@@ -4565,8 +4577,8 @@
         </a:p>
       </dsp:txBody>
       <dsp:txXfrm>
-        <a:off x="5260120" y="44014"/>
-        <a:ext cx="879272" cy="945467"/>
+        <a:off x="5260120" y="34472"/>
+        <a:ext cx="879272" cy="964552"/>
       </dsp:txXfrm>
     </dsp:sp>
     <dsp:sp modelId="{85519416-8ADD-1949-9455-12D4E00A2E86}">
@@ -4645,8 +4657,8 @@
       </dsp:nvSpPr>
       <dsp:spPr>
         <a:xfrm>
-          <a:off x="6540340" y="16659"/>
-          <a:ext cx="933982" cy="1000177"/>
+          <a:off x="6540340" y="7117"/>
+          <a:ext cx="933982" cy="1019262"/>
         </a:xfrm>
         <a:prstGeom prst="roundRect">
           <a:avLst>
@@ -4715,8 +4727,8 @@
         </a:p>
       </dsp:txBody>
       <dsp:txXfrm>
-        <a:off x="6567695" y="44014"/>
-        <a:ext cx="879272" cy="945467"/>
+        <a:off x="6567695" y="34472"/>
+        <a:ext cx="879272" cy="964552"/>
       </dsp:txXfrm>
     </dsp:sp>
     <dsp:sp modelId="{80A529E0-442C-EE4B-B914-5FB39922BFB4}">
@@ -4795,8 +4807,8 @@
       </dsp:nvSpPr>
       <dsp:spPr>
         <a:xfrm>
-          <a:off x="7847915" y="16659"/>
-          <a:ext cx="933982" cy="1000177"/>
+          <a:off x="7847915" y="7117"/>
+          <a:ext cx="933982" cy="1019262"/>
         </a:xfrm>
         <a:prstGeom prst="roundRect">
           <a:avLst>
@@ -4865,8 +4877,8 @@
         </a:p>
       </dsp:txBody>
       <dsp:txXfrm>
-        <a:off x="7875270" y="44014"/>
-        <a:ext cx="879272" cy="945467"/>
+        <a:off x="7875270" y="34472"/>
+        <a:ext cx="879272" cy="964552"/>
       </dsp:txXfrm>
     </dsp:sp>
   </dsp:spTree>
@@ -7315,7 +7327,7 @@
           <a:p>
             <a:fld id="{BE054C78-2090-C64C-9F6A-B51B239D54AE}" type="datetimeFigureOut">
               <a:rPr lang="en-US" smtClean="0"/>
-              <a:t>17-05-08</a:t>
+              <a:t>5/9/17</a:t>
             </a:fld>
             <a:endParaRPr lang="en-US"/>
           </a:p>
@@ -7782,11 +7794,7 @@
             </a:r>
             <a:r>
               <a:rPr lang="en-US" baseline="0" dirty="0" smtClean="0"/>
-              <a:t>, </a:t>
-            </a:r>
-            <a:r>
-              <a:rPr lang="en-US" baseline="0" dirty="0" smtClean="0"/>
-              <a:t>posterior MTG, on the right </a:t>
+              <a:t>, posterior MTG, on the right </a:t>
             </a:r>
             <a:r>
               <a:rPr lang="mr-IN" baseline="0" dirty="0" smtClean="0"/>
@@ -7816,7 +7824,7 @@
           <a:p>
             <a:fld id="{BA0C90E3-8C05-AF43-8579-8D2D04A296B0}" type="slidenum">
               <a:rPr lang="en-US" smtClean="0"/>
-              <a:t>6</a:t>
+              <a:t>5</a:t>
             </a:fld>
             <a:endParaRPr lang="en-US"/>
           </a:p>
@@ -7881,63 +7889,50 @@
           <a:p>
             <a:r>
               <a:rPr lang="en-CA" dirty="0" smtClean="0"/>
+              <a:t>“parametric </a:t>
+            </a:r>
+            <a:r>
+              <a:rPr lang="en-CA" dirty="0" err="1" smtClean="0"/>
+              <a:t>regressor</a:t>
+            </a:r>
+            <a:r>
+              <a:rPr lang="en-CA" dirty="0" smtClean="0"/>
+              <a:t> modeling familiarity was constructed,”</a:t>
+            </a:r>
+          </a:p>
+          <a:p>
+            <a:endParaRPr lang="en-CA" dirty="0" smtClean="0"/>
+          </a:p>
+          <a:p>
+            <a:r>
+              <a:rPr lang="en-CA" dirty="0" smtClean="0"/>
               <a:t>Greater</a:t>
             </a:r>
             <a:r>
               <a:rPr lang="en-CA" baseline="0" dirty="0" smtClean="0"/>
-              <a:t> activity for music i</a:t>
+              <a:t> </a:t>
+            </a:r>
+            <a:r>
+              <a:rPr lang="en-CA" baseline="0" dirty="0" smtClean="0"/>
+              <a:t>activity for music i</a:t>
             </a:r>
             <a:r>
               <a:rPr lang="en-CA" dirty="0" smtClean="0"/>
-              <a:t>n an extended network that included the bilateral inferior frontal </a:t>
-            </a:r>
-            <a:r>
-              <a:rPr lang="en-CA" dirty="0" err="1" smtClean="0"/>
-              <a:t>gyrus</a:t>
-            </a:r>
+              <a:t>n an extended network that included the bilateral inferior frontal gyrus (BA45) (extending to the middle frontal gyrus), the posterior part of the inferior and middle temporal gyri (BA20/37), the medial superior frontal gyrus (BA10) and the right superior temporal pole (BA38). </a:t>
+            </a:r>
+            <a:endParaRPr lang="en-CA" dirty="0" smtClean="0"/>
+          </a:p>
+          <a:p>
+            <a:endParaRPr lang="en-CA" dirty="0" smtClean="0"/>
+          </a:p>
+          <a:p>
             <a:r>
               <a:rPr lang="en-CA" dirty="0" smtClean="0"/>
-              <a:t> (BA45) (extending to the middle frontal </a:t>
-            </a:r>
-            <a:r>
-              <a:rPr lang="en-CA" dirty="0" err="1" smtClean="0"/>
-              <a:t>gyrus</a:t>
+              <a:t>The </a:t>
             </a:r>
             <a:r>
               <a:rPr lang="en-CA" dirty="0" smtClean="0"/>
-              <a:t>), the posterior part of the inferior and middle temporal </a:t>
-            </a:r>
-            <a:r>
-              <a:rPr lang="en-CA" dirty="0" err="1" smtClean="0"/>
-              <a:t>gyri</a:t>
-            </a:r>
-            <a:r>
-              <a:rPr lang="en-CA" dirty="0" smtClean="0"/>
-              <a:t> (BA20/37), the medial superior frontal </a:t>
-            </a:r>
-            <a:r>
-              <a:rPr lang="en-CA" dirty="0" err="1" smtClean="0"/>
-              <a:t>gyrus</a:t>
-            </a:r>
-            <a:r>
-              <a:rPr lang="en-CA" dirty="0" smtClean="0"/>
-              <a:t> (BA10) and the right superior temporal pole (BA38). The verbal familiarity analysis revealed greater activity in the left medial superior frontal </a:t>
-            </a:r>
-            <a:r>
-              <a:rPr lang="en-CA" dirty="0" err="1" smtClean="0"/>
-              <a:t>gyrus</a:t>
-            </a:r>
-            <a:r>
-              <a:rPr lang="en-CA" dirty="0" smtClean="0"/>
-              <a:t> (BA10), the middle cingulate cortex bilaterally, the left putamen and thalamus, and the inferior and middle parts of the frontal (BA47/46) and temporal </a:t>
-            </a:r>
-            <a:r>
-              <a:rPr lang="en-CA" dirty="0" err="1" smtClean="0"/>
-              <a:t>gyri</a:t>
-            </a:r>
-            <a:r>
-              <a:rPr lang="en-CA" dirty="0" smtClean="0"/>
-              <a:t> (BA20/21) bilaterally. We also found activation of the posterior part of the right hippocampus and the left </a:t>
+              <a:t>verbal familiarity analysis revealed greater activity in the left medial superior frontal gyrus (BA10), the middle cingulate cortex bilaterally, the left putamen and thalamus, and the inferior and middle parts of the frontal (BA47/46) and temporal gyri (BA20/21) bilaterally. We also found activation of the posterior part of the right hippocampus and the left </a:t>
             </a:r>
             <a:r>
               <a:rPr lang="en-CA" dirty="0" err="1" smtClean="0"/>
@@ -7968,7 +7963,7 @@
           <a:p>
             <a:fld id="{BA0C90E3-8C05-AF43-8579-8D2D04A296B0}" type="slidenum">
               <a:rPr lang="en-US" smtClean="0"/>
-              <a:t>7</a:t>
+              <a:t>6</a:t>
             </a:fld>
             <a:endParaRPr lang="en-US"/>
           </a:p>
@@ -8031,6 +8026,90 @@
           <a:bodyPr/>
           <a:lstStyle/>
           <a:p>
+            <a:endParaRPr lang="en-US" dirty="0"/>
+          </a:p>
+        </p:txBody>
+      </p:sp>
+      <p:sp>
+        <p:nvSpPr>
+          <p:cNvPr id="4" name="Slide Number Placeholder 3"/>
+          <p:cNvSpPr>
+            <a:spLocks noGrp="1"/>
+          </p:cNvSpPr>
+          <p:nvPr>
+            <p:ph type="sldNum" sz="quarter" idx="10"/>
+          </p:nvPr>
+        </p:nvSpPr>
+        <p:spPr/>
+        <p:txBody>
+          <a:bodyPr/>
+          <a:lstStyle/>
+          <a:p>
+            <a:fld id="{BA0C90E3-8C05-AF43-8579-8D2D04A296B0}" type="slidenum">
+              <a:rPr lang="en-US" smtClean="0"/>
+              <a:t>7</a:t>
+            </a:fld>
+            <a:endParaRPr lang="en-US"/>
+          </a:p>
+        </p:txBody>
+      </p:sp>
+    </p:spTree>
+    <p:extLst>
+      <p:ext uri="{BB962C8B-B14F-4D97-AF65-F5344CB8AC3E}">
+        <p14:creationId xmlns:p14="http://schemas.microsoft.com/office/powerpoint/2010/main" val="638578320"/>
+      </p:ext>
+    </p:extLst>
+  </p:cSld>
+  <p:clrMapOvr>
+    <a:masterClrMapping/>
+  </p:clrMapOvr>
+</p:notes>
+</file>
+
+<file path=ppt/notesSlides/notesSlide5.xml><?xml version="1.0" encoding="utf-8"?>
+<p:notes xmlns:a="http://schemas.openxmlformats.org/drawingml/2006/main" xmlns:r="http://schemas.openxmlformats.org/officeDocument/2006/relationships" xmlns:p="http://schemas.openxmlformats.org/presentationml/2006/main">
+  <p:cSld>
+    <p:spTree>
+      <p:nvGrpSpPr>
+        <p:cNvPr id="1" name=""/>
+        <p:cNvGrpSpPr/>
+        <p:nvPr/>
+      </p:nvGrpSpPr>
+      <p:grpSpPr>
+        <a:xfrm>
+          <a:off x="0" y="0"/>
+          <a:ext cx="0" cy="0"/>
+          <a:chOff x="0" y="0"/>
+          <a:chExt cx="0" cy="0"/>
+        </a:xfrm>
+      </p:grpSpPr>
+      <p:sp>
+        <p:nvSpPr>
+          <p:cNvPr id="2" name="Slide Image Placeholder 1"/>
+          <p:cNvSpPr>
+            <a:spLocks noGrp="1" noRot="1" noChangeAspect="1"/>
+          </p:cNvSpPr>
+          <p:nvPr>
+            <p:ph type="sldImg"/>
+          </p:nvPr>
+        </p:nvSpPr>
+        <p:spPr/>
+      </p:sp>
+      <p:sp>
+        <p:nvSpPr>
+          <p:cNvPr id="3" name="Notes Placeholder 2"/>
+          <p:cNvSpPr>
+            <a:spLocks noGrp="1"/>
+          </p:cNvSpPr>
+          <p:nvPr>
+            <p:ph type="body" idx="1"/>
+          </p:nvPr>
+        </p:nvSpPr>
+        <p:spPr/>
+        <p:txBody>
+          <a:bodyPr/>
+          <a:lstStyle/>
+          <a:p>
             <a:r>
               <a:rPr lang="en-CA" dirty="0" smtClean="0"/>
               <a:t>ISS: Abrams</a:t>
@@ -8221,7 +8300,7 @@
           <a:p>
             <a:fld id="{6C076DC0-26B1-5841-8BF7-BB7DFB8B1BE2}" type="datetimeFigureOut">
               <a:rPr lang="en-US" smtClean="0"/>
-              <a:t>17-05-08</a:t>
+              <a:t>5/9/17</a:t>
             </a:fld>
             <a:endParaRPr lang="en-US"/>
           </a:p>
@@ -8386,7 +8465,7 @@
           <a:p>
             <a:fld id="{6C076DC0-26B1-5841-8BF7-BB7DFB8B1BE2}" type="datetimeFigureOut">
               <a:rPr lang="en-US" smtClean="0"/>
-              <a:t>17-05-08</a:t>
+              <a:t>5/9/17</a:t>
             </a:fld>
             <a:endParaRPr lang="en-US"/>
           </a:p>
@@ -8561,7 +8640,7 @@
           <a:p>
             <a:fld id="{6C076DC0-26B1-5841-8BF7-BB7DFB8B1BE2}" type="datetimeFigureOut">
               <a:rPr lang="en-US" smtClean="0"/>
-              <a:t>17-05-08</a:t>
+              <a:t>5/9/17</a:t>
             </a:fld>
             <a:endParaRPr lang="en-US"/>
           </a:p>
@@ -8726,7 +8805,7 @@
           <a:p>
             <a:fld id="{6C076DC0-26B1-5841-8BF7-BB7DFB8B1BE2}" type="datetimeFigureOut">
               <a:rPr lang="en-US" smtClean="0"/>
-              <a:t>17-05-08</a:t>
+              <a:t>5/9/17</a:t>
             </a:fld>
             <a:endParaRPr lang="en-US"/>
           </a:p>
@@ -8965,7 +9044,7 @@
           <a:p>
             <a:fld id="{6C076DC0-26B1-5841-8BF7-BB7DFB8B1BE2}" type="datetimeFigureOut">
               <a:rPr lang="en-US" smtClean="0"/>
-              <a:t>17-05-08</a:t>
+              <a:t>5/9/17</a:t>
             </a:fld>
             <a:endParaRPr lang="en-US"/>
           </a:p>
@@ -9192,7 +9271,7 @@
           <a:p>
             <a:fld id="{6C076DC0-26B1-5841-8BF7-BB7DFB8B1BE2}" type="datetimeFigureOut">
               <a:rPr lang="en-US" smtClean="0"/>
-              <a:t>17-05-08</a:t>
+              <a:t>5/9/17</a:t>
             </a:fld>
             <a:endParaRPr lang="en-US"/>
           </a:p>
@@ -9554,7 +9633,7 @@
           <a:p>
             <a:fld id="{6C076DC0-26B1-5841-8BF7-BB7DFB8B1BE2}" type="datetimeFigureOut">
               <a:rPr lang="en-US" smtClean="0"/>
-              <a:t>17-05-08</a:t>
+              <a:t>5/9/17</a:t>
             </a:fld>
             <a:endParaRPr lang="en-US"/>
           </a:p>
@@ -9667,7 +9746,7 @@
           <a:p>
             <a:fld id="{6C076DC0-26B1-5841-8BF7-BB7DFB8B1BE2}" type="datetimeFigureOut">
               <a:rPr lang="en-US" smtClean="0"/>
-              <a:t>17-05-08</a:t>
+              <a:t>5/9/17</a:t>
             </a:fld>
             <a:endParaRPr lang="en-US"/>
           </a:p>
@@ -9757,7 +9836,7 @@
           <a:p>
             <a:fld id="{6C076DC0-26B1-5841-8BF7-BB7DFB8B1BE2}" type="datetimeFigureOut">
               <a:rPr lang="en-US" smtClean="0"/>
-              <a:t>17-05-08</a:t>
+              <a:t>5/9/17</a:t>
             </a:fld>
             <a:endParaRPr lang="en-US"/>
           </a:p>
@@ -10029,7 +10108,7 @@
           <a:p>
             <a:fld id="{6C076DC0-26B1-5841-8BF7-BB7DFB8B1BE2}" type="datetimeFigureOut">
               <a:rPr lang="en-US" smtClean="0"/>
-              <a:t>17-05-08</a:t>
+              <a:t>5/9/17</a:t>
             </a:fld>
             <a:endParaRPr lang="en-US"/>
           </a:p>
@@ -10281,7 +10360,7 @@
           <a:p>
             <a:fld id="{6C076DC0-26B1-5841-8BF7-BB7DFB8B1BE2}" type="datetimeFigureOut">
               <a:rPr lang="en-US" smtClean="0"/>
-              <a:t>17-05-08</a:t>
+              <a:t>5/9/17</a:t>
             </a:fld>
             <a:endParaRPr lang="en-US"/>
           </a:p>
@@ -10489,7 +10568,7 @@
           <a:p>
             <a:fld id="{6C076DC0-26B1-5841-8BF7-BB7DFB8B1BE2}" type="datetimeFigureOut">
               <a:rPr lang="en-US" smtClean="0"/>
-              <a:t>17-05-08</a:t>
+              <a:t>5/9/17</a:t>
             </a:fld>
             <a:endParaRPr lang="en-US"/>
           </a:p>
@@ -10949,7 +11028,7 @@
   <p:timing>
     <p:tnLst>
       <p:par>
-        <p:cTn xmlns:p14="http://schemas.microsoft.com/office/powerpoint/2010/main" id="1" dur="indefinite" restart="never" nodeType="tmRoot"/>
+        <p:cTn id="1" dur="indefinite" restart="never" nodeType="tmRoot"/>
       </p:par>
     </p:tnLst>
   </p:timing>
@@ -11053,7 +11132,7 @@
   <p:timing>
     <p:tnLst>
       <p:par>
-        <p:cTn xmlns:p14="http://schemas.microsoft.com/office/powerpoint/2010/main" id="1" dur="indefinite" restart="never" nodeType="tmRoot"/>
+        <p:cTn id="1" dur="indefinite" restart="never" nodeType="tmRoot"/>
       </p:par>
     </p:tnLst>
   </p:timing>
@@ -11167,7 +11246,7 @@
   <p:timing>
     <p:tnLst>
       <p:par>
-        <p:cTn xmlns:p14="http://schemas.microsoft.com/office/powerpoint/2010/main" id="1" dur="indefinite" restart="never" nodeType="tmRoot"/>
+        <p:cTn id="1" dur="indefinite" restart="never" nodeType="tmRoot"/>
       </p:par>
     </p:tnLst>
   </p:timing>
@@ -11334,7 +11413,7 @@
   <p:timing>
     <p:tnLst>
       <p:par>
-        <p:cTn xmlns:p14="http://schemas.microsoft.com/office/powerpoint/2010/main" id="1" dur="indefinite" restart="never" nodeType="tmRoot"/>
+        <p:cTn id="1" dur="indefinite" restart="never" nodeType="tmRoot"/>
       </p:par>
     </p:tnLst>
   </p:timing>
@@ -11342,7 +11421,7 @@
 </file>
 
 <file path=ppt/slides/slide13.xml><?xml version="1.0" encoding="utf-8"?>
-<p:sld xmlns:a="http://schemas.openxmlformats.org/drawingml/2006/main" xmlns:r="http://schemas.openxmlformats.org/officeDocument/2006/relationships" xmlns:p="http://schemas.openxmlformats.org/presentationml/2006/main">
+<p:sld xmlns:a="http://schemas.openxmlformats.org/drawingml/2006/main" xmlns:r="http://schemas.openxmlformats.org/officeDocument/2006/relationships" xmlns:p="http://schemas.openxmlformats.org/presentationml/2006/main" show="0">
   <p:cSld>
     <p:spTree>
       <p:nvGrpSpPr>
@@ -11495,10 +11574,18 @@
   <p:clrMapOvr>
     <a:masterClrMapping/>
   </p:clrMapOvr>
+  <mc:AlternateContent xmlns:mc="http://schemas.openxmlformats.org/markup-compatibility/2006">
+    <mc:Choice xmlns:p14="http://schemas.microsoft.com/office/powerpoint/2010/main" Requires="p14">
+      <p:transition spd="slow" p14:dur="2000"/>
+    </mc:Choice>
+    <mc:Fallback>
+      <p:transition spd="slow"/>
+    </mc:Fallback>
+  </mc:AlternateContent>
   <p:timing>
     <p:tnLst>
       <p:par>
-        <p:cTn xmlns:p14="http://schemas.microsoft.com/office/powerpoint/2010/main" id="1" dur="indefinite" restart="never" nodeType="tmRoot">
+        <p:cTn id="1" dur="indefinite" restart="never" nodeType="tmRoot">
           <p:childTnLst>
             <p:seq concurrent="1" nextAc="seek">
               <p:cTn id="2" dur="indefinite" nodeType="mainSeq">
@@ -11836,7 +11923,7 @@
   <p:timing>
     <p:tnLst>
       <p:par>
-        <p:cTn xmlns:p14="http://schemas.microsoft.com/office/powerpoint/2010/main" id="1" dur="indefinite" restart="never" nodeType="tmRoot"/>
+        <p:cTn id="1" dur="indefinite" restart="never" nodeType="tmRoot"/>
       </p:par>
     </p:tnLst>
   </p:timing>
@@ -12007,7 +12094,7 @@
   <p:timing>
     <p:tnLst>
       <p:par>
-        <p:cTn xmlns:p14="http://schemas.microsoft.com/office/powerpoint/2010/main" id="1" dur="indefinite" restart="never" nodeType="tmRoot"/>
+        <p:cTn id="1" dur="indefinite" restart="never" nodeType="tmRoot"/>
       </p:par>
     </p:tnLst>
   </p:timing>
@@ -12128,15 +12215,25 @@
             <a:pPr lvl="1"/>
             <a:r>
               <a:rPr lang="en-US" dirty="0" smtClean="0"/>
-              <a:t>Subset during lab training session (~5)</a:t>
-            </a:r>
+              <a:t>Subset during lab training session (~</a:t>
+            </a:r>
+            <a:r>
+              <a:rPr lang="en-US" dirty="0" smtClean="0"/>
+              <a:t>5 clips)</a:t>
+            </a:r>
+            <a:endParaRPr lang="en-US" dirty="0" smtClean="0"/>
           </a:p>
           <a:p>
             <a:pPr lvl="1"/>
             <a:r>
               <a:rPr lang="en-US" dirty="0" smtClean="0"/>
-              <a:t>All during session 2 (~20)</a:t>
-            </a:r>
+              <a:t>All during session 2 (~</a:t>
+            </a:r>
+            <a:r>
+              <a:rPr lang="en-US" dirty="0" smtClean="0"/>
+              <a:t>20 clips)</a:t>
+            </a:r>
+            <a:endParaRPr lang="en-US" dirty="0" smtClean="0"/>
           </a:p>
         </p:txBody>
       </p:sp>
@@ -12153,7 +12250,7 @@
   <p:timing>
     <p:tnLst>
       <p:par>
-        <p:cTn xmlns:p14="http://schemas.microsoft.com/office/powerpoint/2010/main" id="1" dur="indefinite" restart="never" nodeType="tmRoot"/>
+        <p:cTn id="1" dur="indefinite" restart="never" nodeType="tmRoot"/>
       </p:par>
     </p:tnLst>
   </p:timing>
@@ -12282,7 +12379,7 @@
   <p:timing>
     <p:tnLst>
       <p:par>
-        <p:cTn xmlns:p14="http://schemas.microsoft.com/office/powerpoint/2010/main" id="1" dur="indefinite" restart="never" nodeType="tmRoot"/>
+        <p:cTn id="1" dur="indefinite" restart="never" nodeType="tmRoot"/>
       </p:par>
     </p:tnLst>
   </p:timing>
@@ -12341,7 +12438,9 @@
         </p:nvSpPr>
         <p:spPr/>
         <p:txBody>
-          <a:bodyPr/>
+          <a:bodyPr>
+            <a:normAutofit fontScale="92500" lnSpcReduction="10000"/>
+          </a:bodyPr>
           <a:lstStyle/>
           <a:p>
             <a:r>
@@ -12353,14 +12452,43 @@
             <a:pPr lvl="1"/>
             <a:r>
               <a:rPr lang="en-US" dirty="0" smtClean="0"/>
-              <a:t>Greater and earlier ISS</a:t>
-            </a:r>
+              <a:t>Greater and earlier </a:t>
+            </a:r>
+            <a:r>
+              <a:rPr lang="en-US" dirty="0" smtClean="0"/>
+              <a:t>ISS than unfamiliar songs</a:t>
+            </a:r>
+          </a:p>
+          <a:p>
+            <a:pPr lvl="1"/>
+            <a:r>
+              <a:rPr lang="en-US" dirty="0" smtClean="0"/>
+              <a:t>More BOLD activation than unfamiliar songs </a:t>
+            </a:r>
+            <a:r>
+              <a:rPr lang="en-US" sz="1500" dirty="0"/>
+              <a:t>(</a:t>
+            </a:r>
+            <a:r>
+              <a:rPr lang="en-US" sz="1500" dirty="0" err="1"/>
+              <a:t>Groussard</a:t>
+            </a:r>
+            <a:r>
+              <a:rPr lang="en-US" sz="1500" dirty="0"/>
+              <a:t> et al 2010</a:t>
+            </a:r>
+            <a:r>
+              <a:rPr lang="en-US" sz="1500" dirty="0" smtClean="0"/>
+              <a:t>)</a:t>
+            </a:r>
+            <a:endParaRPr lang="en-US" sz="1500" dirty="0" smtClean="0"/>
           </a:p>
           <a:p>
             <a:r>
               <a:rPr lang="en-US" dirty="0" smtClean="0"/>
               <a:t>Lyrics</a:t>
             </a:r>
+            <a:endParaRPr lang="en-US" dirty="0" smtClean="0"/>
           </a:p>
           <a:p>
             <a:pPr lvl="1"/>
@@ -12370,8 +12498,40 @@
             </a:r>
             <a:r>
               <a:rPr lang="en-US" sz="1600" dirty="0" smtClean="0"/>
-              <a:t>(Saito et al, 2012)</a:t>
-            </a:r>
+              <a:t>(Saito et al, 2012</a:t>
+            </a:r>
+            <a:r>
+              <a:rPr lang="en-US" sz="1600" dirty="0" smtClean="0"/>
+              <a:t>)</a:t>
+            </a:r>
+          </a:p>
+          <a:p>
+            <a:pPr lvl="1"/>
+            <a:r>
+              <a:rPr lang="en-US" dirty="0" smtClean="0"/>
+              <a:t>Replication of activation in ‘verbal </a:t>
+            </a:r>
+            <a:r>
+              <a:rPr lang="en-US" dirty="0"/>
+              <a:t>network’ </a:t>
+            </a:r>
+            <a:r>
+              <a:rPr lang="en-US" sz="1500" dirty="0"/>
+              <a:t>(</a:t>
+            </a:r>
+            <a:r>
+              <a:rPr lang="en-US" sz="1500" dirty="0" err="1"/>
+              <a:t>Groussard</a:t>
+            </a:r>
+            <a:r>
+              <a:rPr lang="en-US" sz="1500" dirty="0"/>
+              <a:t> et al 2010</a:t>
+            </a:r>
+            <a:r>
+              <a:rPr lang="en-US" sz="1500" dirty="0" smtClean="0"/>
+              <a:t>)</a:t>
+            </a:r>
+            <a:endParaRPr lang="en-US" dirty="0" smtClean="0"/>
           </a:p>
           <a:p>
             <a:r>
@@ -12383,8 +12543,40 @@
             <a:pPr lvl="1"/>
             <a:r>
               <a:rPr lang="en-US" dirty="0" smtClean="0"/>
-              <a:t>Superior ISS in temporal/frontal regions</a:t>
-            </a:r>
+              <a:t>Superior ISS in temporal/frontal </a:t>
+            </a:r>
+            <a:r>
+              <a:rPr lang="en-US" dirty="0" smtClean="0"/>
+              <a:t>regions </a:t>
+            </a:r>
+            <a:r>
+              <a:rPr lang="en-US" sz="1500" dirty="0" smtClean="0"/>
+              <a:t>(Satoh et al, 2006)</a:t>
+            </a:r>
+          </a:p>
+          <a:p>
+            <a:pPr lvl="1"/>
+            <a:r>
+              <a:rPr lang="en-US" dirty="0"/>
+              <a:t>Replication of activation in ‘music network’ </a:t>
+            </a:r>
+            <a:r>
+              <a:rPr lang="en-US" sz="1400" dirty="0"/>
+              <a:t>(</a:t>
+            </a:r>
+            <a:r>
+              <a:rPr lang="en-US" sz="1400" dirty="0" err="1"/>
+              <a:t>Groussard</a:t>
+            </a:r>
+            <a:r>
+              <a:rPr lang="en-US" sz="1400" dirty="0"/>
+              <a:t> et al 2010</a:t>
+            </a:r>
+            <a:r>
+              <a:rPr lang="en-US" sz="1400" dirty="0" smtClean="0"/>
+              <a:t>)</a:t>
+            </a:r>
+            <a:endParaRPr lang="en-US" dirty="0" smtClean="0"/>
           </a:p>
           <a:p>
             <a:r>
@@ -12396,8 +12588,24 @@
             <a:pPr lvl="1"/>
             <a:r>
               <a:rPr lang="en-US" dirty="0" smtClean="0"/>
-              <a:t>Additional ISS in anterior/inferior temporal cortex</a:t>
-            </a:r>
+              <a:t>Additional ISS in anterior/inferior temporal </a:t>
+            </a:r>
+            <a:r>
+              <a:rPr lang="en-US" dirty="0"/>
+              <a:t>cortex </a:t>
+            </a:r>
+            <a:r>
+              <a:rPr lang="en-US" sz="1500" dirty="0"/>
+              <a:t>(Saito et al, 2012)</a:t>
+            </a:r>
+          </a:p>
+          <a:p>
+            <a:pPr lvl="1"/>
+            <a:endParaRPr lang="en-US" dirty="0" smtClean="0"/>
+          </a:p>
+          <a:p>
+            <a:pPr lvl="1"/>
+            <a:endParaRPr lang="en-US" dirty="0" smtClean="0"/>
           </a:p>
         </p:txBody>
       </p:sp>
@@ -12414,7 +12622,7 @@
   <p:timing>
     <p:tnLst>
       <p:par>
-        <p:cTn xmlns:p14="http://schemas.microsoft.com/office/powerpoint/2010/main" id="1" dur="indefinite" restart="never" nodeType="tmRoot"/>
+        <p:cTn id="1" dur="indefinite" restart="never" nodeType="tmRoot"/>
       </p:par>
     </p:tnLst>
   </p:timing>
@@ -12509,7 +12717,7 @@
   <p:timing>
     <p:tnLst>
       <p:par>
-        <p:cTn xmlns:p14="http://schemas.microsoft.com/office/powerpoint/2010/main" id="1" dur="indefinite" restart="never" nodeType="tmRoot"/>
+        <p:cTn id="1" dur="indefinite" restart="never" nodeType="tmRoot"/>
       </p:par>
     </p:tnLst>
   </p:timing>
@@ -12546,13 +12754,28 @@
         <p:spPr/>
         <p:txBody>
           <a:bodyPr>
-            <a:normAutofit/>
+            <a:normAutofit fontScale="90000"/>
           </a:bodyPr>
           <a:lstStyle/>
           <a:p>
             <a:r>
               <a:rPr lang="en-US" sz="3800" dirty="0" smtClean="0"/>
-              <a:t>Evidence for specific memory for music</a:t>
+              <a:t>Evidence for specific memory for </a:t>
+            </a:r>
+            <a:r>
+              <a:rPr lang="en-US" sz="3800" dirty="0" smtClean="0"/>
+              <a:t>music</a:t>
+            </a:r>
+            <a:r>
+              <a:rPr lang="en-US" sz="3800" dirty="0" smtClean="0"/>
+              <a:t>: </a:t>
+            </a:r>
+            <a:br>
+              <a:rPr lang="en-US" sz="3800" dirty="0" smtClean="0"/>
+            </a:br>
+            <a:r>
+              <a:rPr lang="en-US" sz="3800" dirty="0" smtClean="0"/>
+              <a:t>Case studies</a:t>
             </a:r>
             <a:endParaRPr lang="en-US" sz="3800" dirty="0"/>
           </a:p>
@@ -12594,8 +12817,20 @@
             <a:pPr lvl="1"/>
             <a:r>
               <a:rPr lang="en-US" dirty="0" smtClean="0"/>
-              <a:t>Recognized lyrics, but did not recognize previously familiar music</a:t>
-            </a:r>
+              <a:t>Recognized lyrics, but did not recognize previously familiar </a:t>
+            </a:r>
+            <a:r>
+              <a:rPr lang="en-US" dirty="0" smtClean="0"/>
+              <a:t>music</a:t>
+            </a:r>
+          </a:p>
+          <a:p>
+            <a:pPr lvl="1"/>
+            <a:r>
+              <a:rPr lang="en-US" dirty="0" smtClean="0"/>
+              <a:t>Normal performance on musical perceptual tests</a:t>
+            </a:r>
+            <a:endParaRPr lang="en-US" dirty="0" smtClean="0"/>
           </a:p>
           <a:p>
             <a:r>
@@ -12645,7 +12880,7 @@
   <p:timing>
     <p:tnLst>
       <p:par>
-        <p:cTn xmlns:p14="http://schemas.microsoft.com/office/powerpoint/2010/main" id="1" dur="indefinite" restart="never" nodeType="tmRoot">
+        <p:cTn id="1" dur="indefinite" restart="never" nodeType="tmRoot">
           <p:childTnLst>
             <p:seq concurrent="1" nextAc="seek">
               <p:cTn id="2" dur="indefinite" nodeType="mainSeq">
@@ -12724,33 +12959,15 @@
                                   </p:childTnLst>
                                 </p:cTn>
                               </p:par>
-                            </p:childTnLst>
-                          </p:cTn>
-                        </p:par>
-                      </p:childTnLst>
-                    </p:cTn>
-                  </p:par>
-                  <p:par>
-                    <p:cTn id="9" fill="hold">
-                      <p:stCondLst>
-                        <p:cond delay="indefinite"/>
-                      </p:stCondLst>
-                      <p:childTnLst>
-                        <p:par>
-                          <p:cTn id="10" fill="hold">
-                            <p:stCondLst>
-                              <p:cond delay="0"/>
-                            </p:stCondLst>
-                            <p:childTnLst>
                               <p:par>
-                                <p:cTn id="11" presetID="1" presetClass="entr" presetSubtype="0" fill="hold" nodeType="clickEffect">
+                                <p:cTn id="9" presetID="1" presetClass="entr" presetSubtype="0" fill="hold" nodeType="withEffect">
                                   <p:stCondLst>
                                     <p:cond delay="0"/>
                                   </p:stCondLst>
                                   <p:childTnLst>
                                     <p:set>
                                       <p:cBhvr>
-                                        <p:cTn id="12" dur="1" fill="hold">
+                                        <p:cTn id="10" dur="1" fill="hold">
                                           <p:stCondLst>
                                             <p:cond delay="0"/>
                                           </p:stCondLst>
@@ -12773,8 +12990,26 @@
                                   </p:childTnLst>
                                 </p:cTn>
                               </p:par>
+                            </p:childTnLst>
+                          </p:cTn>
+                        </p:par>
+                      </p:childTnLst>
+                    </p:cTn>
+                  </p:par>
+                  <p:par>
+                    <p:cTn id="11" fill="hold">
+                      <p:stCondLst>
+                        <p:cond delay="indefinite"/>
+                      </p:stCondLst>
+                      <p:childTnLst>
+                        <p:par>
+                          <p:cTn id="12" fill="hold">
+                            <p:stCondLst>
+                              <p:cond delay="0"/>
+                            </p:stCondLst>
+                            <p:childTnLst>
                               <p:par>
-                                <p:cTn id="13" presetID="1" presetClass="entr" presetSubtype="0" fill="hold" nodeType="withEffect">
+                                <p:cTn id="13" presetID="1" presetClass="entr" presetSubtype="0" fill="hold" nodeType="clickEffect">
                                   <p:stCondLst>
                                     <p:cond delay="0"/>
                                   </p:stCondLst>
@@ -12821,6 +13056,37 @@
                                           <p:spTgt spid="3">
                                             <p:txEl>
                                               <p:pRg st="4" end="4"/>
+                                            </p:txEl>
+                                          </p:spTgt>
+                                        </p:tgtEl>
+                                        <p:attrNameLst>
+                                          <p:attrName>style.visibility</p:attrName>
+                                        </p:attrNameLst>
+                                      </p:cBhvr>
+                                      <p:to>
+                                        <p:strVal val="visible"/>
+                                      </p:to>
+                                    </p:set>
+                                  </p:childTnLst>
+                                </p:cTn>
+                              </p:par>
+                              <p:par>
+                                <p:cTn id="17" presetID="1" presetClass="entr" presetSubtype="0" fill="hold" nodeType="withEffect">
+                                  <p:stCondLst>
+                                    <p:cond delay="0"/>
+                                  </p:stCondLst>
+                                  <p:childTnLst>
+                                    <p:set>
+                                      <p:cBhvr>
+                                        <p:cTn id="18" dur="1" fill="hold">
+                                          <p:stCondLst>
+                                            <p:cond delay="0"/>
+                                          </p:stCondLst>
+                                        </p:cTn>
+                                        <p:tgtEl>
+                                          <p:spTgt spid="3">
+                                            <p:txEl>
+                                              <p:pRg st="5" end="5"/>
                                             </p:txEl>
                                           </p:spTgt>
                                         </p:tgtEl>
@@ -12900,7 +13166,11 @@
           <a:p>
             <a:r>
               <a:rPr lang="en-US" dirty="0" smtClean="0"/>
-              <a:t>fMRI questions	</a:t>
+              <a:t>Questions</a:t>
+            </a:r>
+            <a:r>
+              <a:rPr lang="en-US" dirty="0" smtClean="0"/>
+              <a:t>	</a:t>
             </a:r>
             <a:endParaRPr lang="en-US" dirty="0"/>
           </a:p>
@@ -12923,8 +13193,25 @@
           <a:p>
             <a:r>
               <a:rPr lang="en-US" dirty="0" smtClean="0"/>
-              <a:t>3T vs 7T</a:t>
-            </a:r>
+              <a:t>3T vs </a:t>
+            </a:r>
+            <a:r>
+              <a:rPr lang="en-US" dirty="0" smtClean="0"/>
+              <a:t>7T?</a:t>
+            </a:r>
+          </a:p>
+          <a:p>
+            <a:r>
+              <a:rPr lang="en-US" dirty="0" smtClean="0"/>
+              <a:t>Familiarity tests?</a:t>
+            </a:r>
+          </a:p>
+          <a:p>
+            <a:r>
+              <a:rPr lang="en-US" dirty="0" smtClean="0"/>
+              <a:t>Other questions we could/should be asking?</a:t>
+            </a:r>
+            <a:endParaRPr lang="en-US" dirty="0" smtClean="0"/>
           </a:p>
           <a:p>
             <a:endParaRPr lang="en-US" dirty="0"/>
@@ -12944,7 +13231,7 @@
   <p:timing>
     <p:tnLst>
       <p:par>
-        <p:cTn xmlns:p14="http://schemas.microsoft.com/office/powerpoint/2010/main" id="1" dur="indefinite" restart="never" nodeType="tmRoot"/>
+        <p:cTn id="1" dur="indefinite" restart="never" nodeType="tmRoot"/>
       </p:par>
     </p:tnLst>
   </p:timing>
@@ -13023,10 +13310,154 @@
   <p:timing>
     <p:tnLst>
       <p:par>
-        <p:cTn xmlns:p14="http://schemas.microsoft.com/office/powerpoint/2010/main" id="1" dur="indefinite" restart="never" nodeType="tmRoot"/>
+        <p:cTn id="1" dur="indefinite" restart="never" nodeType="tmRoot"/>
       </p:par>
     </p:tnLst>
   </p:timing>
+</p:sld>
+</file>
+
+<file path=ppt/slides/slide22.xml><?xml version="1.0" encoding="utf-8"?>
+<p:sld xmlns:a="http://schemas.openxmlformats.org/drawingml/2006/main" xmlns:r="http://schemas.openxmlformats.org/officeDocument/2006/relationships" xmlns:p="http://schemas.openxmlformats.org/presentationml/2006/main">
+  <p:cSld>
+    <p:spTree>
+      <p:nvGrpSpPr>
+        <p:cNvPr id="1" name=""/>
+        <p:cNvGrpSpPr/>
+        <p:nvPr/>
+      </p:nvGrpSpPr>
+      <p:grpSpPr>
+        <a:xfrm>
+          <a:off x="0" y="0"/>
+          <a:ext cx="0" cy="0"/>
+          <a:chOff x="0" y="0"/>
+          <a:chExt cx="0" cy="0"/>
+        </a:xfrm>
+      </p:grpSpPr>
+      <p:sp>
+        <p:nvSpPr>
+          <p:cNvPr id="2" name="Title 1"/>
+          <p:cNvSpPr>
+            <a:spLocks noGrp="1"/>
+          </p:cNvSpPr>
+          <p:nvPr>
+            <p:ph type="title"/>
+          </p:nvPr>
+        </p:nvSpPr>
+        <p:spPr/>
+        <p:txBody>
+          <a:bodyPr/>
+          <a:lstStyle/>
+          <a:p>
+            <a:r>
+              <a:rPr lang="en-US" dirty="0" smtClean="0"/>
+              <a:t>AD + memories</a:t>
+            </a:r>
+            <a:endParaRPr lang="en-US" dirty="0"/>
+          </a:p>
+        </p:txBody>
+      </p:sp>
+      <p:sp>
+        <p:nvSpPr>
+          <p:cNvPr id="3" name="Content Placeholder 2"/>
+          <p:cNvSpPr>
+            <a:spLocks noGrp="1"/>
+          </p:cNvSpPr>
+          <p:nvPr>
+            <p:ph idx="1"/>
+          </p:nvPr>
+        </p:nvSpPr>
+        <p:spPr/>
+        <p:txBody>
+          <a:bodyPr/>
+          <a:lstStyle/>
+          <a:p>
+            <a:r>
+              <a:rPr lang="en-US" dirty="0" smtClean="0"/>
+              <a:t>Music can be used as a memory aid in AD </a:t>
+            </a:r>
+          </a:p>
+          <a:p>
+            <a:pPr lvl="1"/>
+            <a:r>
+              <a:rPr lang="en-US" dirty="0" smtClean="0"/>
+              <a:t>Learning new song lyrics </a:t>
+            </a:r>
+            <a:r>
+              <a:rPr lang="en-US" sz="1400" dirty="0" smtClean="0"/>
+              <a:t>(</a:t>
+            </a:r>
+            <a:r>
+              <a:rPr lang="en-US" sz="1400" dirty="0" err="1" smtClean="0"/>
+              <a:t>Moussard</a:t>
+            </a:r>
+            <a:r>
+              <a:rPr lang="en-US" sz="1400" dirty="0" smtClean="0"/>
+              <a:t> et al, 2012 &amp; 2014; Simmons-Stern et al, 2010 &amp; 2012)</a:t>
+            </a:r>
+          </a:p>
+          <a:p>
+            <a:endParaRPr lang="en-US" dirty="0" smtClean="0"/>
+          </a:p>
+          <a:p>
+            <a:r>
+              <a:rPr lang="en-US" dirty="0" smtClean="0"/>
+              <a:t>Autobiographical memories can be evoked by music</a:t>
+            </a:r>
+          </a:p>
+          <a:p>
+            <a:pPr lvl="1"/>
+            <a:r>
+              <a:rPr lang="en-US" dirty="0" smtClean="0"/>
+              <a:t>Memories are more vivid </a:t>
+            </a:r>
+            <a:r>
+              <a:rPr lang="en-US" sz="1400" dirty="0" smtClean="0"/>
+              <a:t>(</a:t>
+            </a:r>
+            <a:r>
+              <a:rPr lang="en-US" sz="1400" dirty="0" err="1" smtClean="0"/>
+              <a:t>Belfi</a:t>
+            </a:r>
+            <a:r>
+              <a:rPr lang="en-US" sz="1400" dirty="0" smtClean="0"/>
+              <a:t> et al, 2015)</a:t>
+            </a:r>
+          </a:p>
+          <a:p>
+            <a:pPr lvl="1"/>
+            <a:r>
+              <a:rPr lang="en-US" dirty="0" smtClean="0"/>
+              <a:t>Memories are more specific </a:t>
+            </a:r>
+            <a:r>
+              <a:rPr lang="en-US" sz="1400" dirty="0" smtClean="0"/>
+              <a:t>(El Haj et al, 2012)</a:t>
+            </a:r>
+          </a:p>
+          <a:p>
+            <a:pPr lvl="1"/>
+            <a:r>
+              <a:rPr lang="en-US" dirty="0" smtClean="0"/>
+              <a:t>Dorsal MPFC is involved in triggering these memories </a:t>
+            </a:r>
+            <a:r>
+              <a:rPr lang="en-US" sz="1400" dirty="0" smtClean="0"/>
+              <a:t>(Janata, 2009)</a:t>
+            </a:r>
+          </a:p>
+        </p:txBody>
+      </p:sp>
+    </p:spTree>
+    <p:extLst>
+      <p:ext uri="{BB962C8B-B14F-4D97-AF65-F5344CB8AC3E}">
+        <p14:creationId xmlns:p14="http://schemas.microsoft.com/office/powerpoint/2010/main" val="1906453432"/>
+      </p:ext>
+    </p:extLst>
+  </p:cSld>
+  <p:clrMapOvr>
+    <a:masterClrMapping/>
+  </p:clrMapOvr>
 </p:sld>
 </file>
 
@@ -13112,8 +13543,24 @@
           <a:p>
             <a:r>
               <a:rPr lang="en-US" dirty="0" smtClean="0"/>
-              <a:t>The musical lexicon is separate from the verbal lexicon</a:t>
-            </a:r>
+              <a:t>The musical lexicon is separate from the verbal </a:t>
+            </a:r>
+            <a:r>
+              <a:rPr lang="en-US" dirty="0" smtClean="0"/>
+              <a:t>lexicon</a:t>
+            </a:r>
+          </a:p>
+          <a:p>
+            <a:pPr lvl="1"/>
+            <a:r>
+              <a:rPr lang="en-US" dirty="0" smtClean="0"/>
+              <a:t>Posterior inferior temporal cortex (PITC) may be an interface between lyrics and melody to facilitate the recognition of familiar songs </a:t>
+            </a:r>
+            <a:r>
+              <a:rPr lang="en-US" sz="1400" dirty="0" smtClean="0"/>
+              <a:t>(Saito et al, 2012)</a:t>
+            </a:r>
+            <a:endParaRPr lang="en-US" sz="1400" dirty="0" smtClean="0"/>
           </a:p>
         </p:txBody>
       </p:sp>
@@ -13130,7 +13577,7 @@
   <p:timing>
     <p:tnLst>
       <p:par>
-        <p:cTn xmlns:p14="http://schemas.microsoft.com/office/powerpoint/2010/main" id="1" dur="indefinite" restart="never" nodeType="tmRoot"/>
+        <p:cTn id="1" dur="indefinite" restart="never" nodeType="tmRoot"/>
       </p:par>
     </p:tnLst>
   </p:timing>
@@ -13138,109 +13585,6 @@
 </file>
 
 <file path=ppt/slides/slide4.xml><?xml version="1.0" encoding="utf-8"?>
-<p:sld xmlns:a="http://schemas.openxmlformats.org/drawingml/2006/main" xmlns:r="http://schemas.openxmlformats.org/officeDocument/2006/relationships" xmlns:p="http://schemas.openxmlformats.org/presentationml/2006/main">
-  <p:cSld>
-    <p:spTree>
-      <p:nvGrpSpPr>
-        <p:cNvPr id="1" name=""/>
-        <p:cNvGrpSpPr/>
-        <p:nvPr/>
-      </p:nvGrpSpPr>
-      <p:grpSpPr>
-        <a:xfrm>
-          <a:off x="0" y="0"/>
-          <a:ext cx="0" cy="0"/>
-          <a:chOff x="0" y="0"/>
-          <a:chExt cx="0" cy="0"/>
-        </a:xfrm>
-      </p:grpSpPr>
-      <p:sp>
-        <p:nvSpPr>
-          <p:cNvPr id="2" name="Title 1"/>
-          <p:cNvSpPr>
-            <a:spLocks noGrp="1"/>
-          </p:cNvSpPr>
-          <p:nvPr>
-            <p:ph type="title"/>
-          </p:nvPr>
-        </p:nvSpPr>
-        <p:spPr/>
-        <p:txBody>
-          <a:bodyPr/>
-          <a:lstStyle/>
-          <a:p>
-            <a:r>
-              <a:rPr lang="en-US" dirty="0" smtClean="0"/>
-              <a:t>Alzheimer’s disease (AD)</a:t>
-            </a:r>
-            <a:endParaRPr lang="en-US" dirty="0"/>
-          </a:p>
-        </p:txBody>
-      </p:sp>
-      <p:sp>
-        <p:nvSpPr>
-          <p:cNvPr id="3" name="Content Placeholder 2"/>
-          <p:cNvSpPr>
-            <a:spLocks noGrp="1"/>
-          </p:cNvSpPr>
-          <p:nvPr>
-            <p:ph idx="1"/>
-          </p:nvPr>
-        </p:nvSpPr>
-        <p:spPr/>
-        <p:txBody>
-          <a:bodyPr/>
-          <a:lstStyle/>
-          <a:p>
-            <a:r>
-              <a:rPr lang="en-US" dirty="0" smtClean="0"/>
-              <a:t>Memory for music seems to be selectively spared</a:t>
-            </a:r>
-          </a:p>
-          <a:p>
-            <a:r>
-              <a:rPr lang="en-US" dirty="0" smtClean="0"/>
-              <a:t>Long-term familiarity for melody and lyrics is present even in severe AD </a:t>
-            </a:r>
-            <a:r>
-              <a:rPr lang="en-US" sz="1400" dirty="0" smtClean="0"/>
-              <a:t>(Cuddy et al, 2012)</a:t>
-            </a:r>
-          </a:p>
-          <a:p>
-            <a:r>
-              <a:rPr lang="en-US" dirty="0" smtClean="0"/>
-              <a:t>Theory: spared musical memory is because of intact functioning of necessary brain regions that are spared in AD </a:t>
-            </a:r>
-            <a:r>
-              <a:rPr lang="en-US" sz="1400" dirty="0" smtClean="0"/>
-              <a:t>(Baird &amp; Samson, 2009)</a:t>
-            </a:r>
-            <a:endParaRPr lang="en-US" sz="1400" dirty="0"/>
-          </a:p>
-        </p:txBody>
-      </p:sp>
-    </p:spTree>
-    <p:extLst>
-      <p:ext uri="{BB962C8B-B14F-4D97-AF65-F5344CB8AC3E}">
-        <p14:creationId xmlns:p14="http://schemas.microsoft.com/office/powerpoint/2010/main" val="1748311131"/>
-      </p:ext>
-    </p:extLst>
-  </p:cSld>
-  <p:clrMapOvr>
-    <a:masterClrMapping/>
-  </p:clrMapOvr>
-  <p:timing>
-    <p:tnLst>
-      <p:par>
-        <p:cTn xmlns:p14="http://schemas.microsoft.com/office/powerpoint/2010/main" id="1" dur="indefinite" restart="never" nodeType="tmRoot"/>
-      </p:par>
-    </p:tnLst>
-  </p:timing>
-</p:sld>
-</file>
-
-<file path=ppt/slides/slide5.xml><?xml version="1.0" encoding="utf-8"?>
 <p:sld xmlns:a="http://schemas.openxmlformats.org/drawingml/2006/main" xmlns:r="http://schemas.openxmlformats.org/officeDocument/2006/relationships" xmlns:p="http://schemas.openxmlformats.org/presentationml/2006/main" show="0">
   <p:cSld>
     <p:spTree>
@@ -13343,15 +13687,7 @@
             </a:r>
             <a:r>
               <a:rPr lang="en-US" dirty="0" smtClean="0"/>
-              <a:t> explicit </a:t>
-            </a:r>
-            <a:r>
-              <a:rPr lang="en-US" dirty="0" smtClean="0"/>
-              <a:t>retrieval </a:t>
-            </a:r>
-            <a:r>
-              <a:rPr lang="en-US" dirty="0" smtClean="0"/>
-              <a:t>of melodies </a:t>
+              <a:t> explicit retrieval of melodies </a:t>
             </a:r>
             <a:r>
               <a:rPr lang="en-US" sz="1400" dirty="0" smtClean="0"/>
@@ -13365,7 +13701,6 @@
               <a:rPr lang="en-US" sz="1400" dirty="0" smtClean="0"/>
               <a:t>, 2005)</a:t>
             </a:r>
-            <a:endParaRPr lang="en-US" sz="1400" dirty="0" smtClean="0"/>
           </a:p>
           <a:p>
             <a:endParaRPr lang="en-US" dirty="0"/>
@@ -13387,20 +13722,20 @@
       <p:transition spd="slow" p14:dur="2000"/>
     </mc:Choice>
     <mc:Fallback>
-      <p:transition xmlns:p14="http://schemas.microsoft.com/office/powerpoint/2010/main" spd="slow"/>
+      <p:transition spd="slow"/>
     </mc:Fallback>
   </mc:AlternateContent>
   <p:timing>
     <p:tnLst>
       <p:par>
-        <p:cTn xmlns:p14="http://schemas.microsoft.com/office/powerpoint/2010/main" id="1" dur="indefinite" restart="never" nodeType="tmRoot"/>
+        <p:cTn id="1" dur="indefinite" restart="never" nodeType="tmRoot"/>
       </p:par>
     </p:tnLst>
   </p:timing>
 </p:sld>
 </file>
 
-<file path=ppt/slides/slide6.xml><?xml version="1.0" encoding="utf-8"?>
+<file path=ppt/slides/slide5.xml><?xml version="1.0" encoding="utf-8"?>
 <p:sld xmlns:a="http://schemas.openxmlformats.org/drawingml/2006/main" xmlns:r="http://schemas.openxmlformats.org/officeDocument/2006/relationships" xmlns:p="http://schemas.openxmlformats.org/presentationml/2006/main">
   <p:cSld>
     <p:spTree>
@@ -13540,14 +13875,14 @@
   <p:timing>
     <p:tnLst>
       <p:par>
-        <p:cTn xmlns:p14="http://schemas.microsoft.com/office/powerpoint/2010/main" id="1" dur="indefinite" restart="never" nodeType="tmRoot"/>
+        <p:cTn id="1" dur="indefinite" restart="never" nodeType="tmRoot"/>
       </p:par>
     </p:tnLst>
   </p:timing>
 </p:sld>
 </file>
 
-<file path=ppt/slides/slide7.xml><?xml version="1.0" encoding="utf-8"?>
+<file path=ppt/slides/slide6.xml><?xml version="1.0" encoding="utf-8"?>
 <p:sld xmlns:a="http://schemas.openxmlformats.org/drawingml/2006/main" xmlns:r="http://schemas.openxmlformats.org/officeDocument/2006/relationships" xmlns:p="http://schemas.openxmlformats.org/presentationml/2006/main">
   <p:cSld>
     <p:spTree>
@@ -13661,7 +13996,136 @@
   <p:timing>
     <p:tnLst>
       <p:par>
-        <p:cTn xmlns:p14="http://schemas.microsoft.com/office/powerpoint/2010/main" id="1" dur="indefinite" restart="never" nodeType="tmRoot"/>
+        <p:cTn id="1" dur="indefinite" restart="never" nodeType="tmRoot"/>
+      </p:par>
+    </p:tnLst>
+  </p:timing>
+</p:sld>
+</file>
+
+<file path=ppt/slides/slide7.xml><?xml version="1.0" encoding="utf-8"?>
+<p:sld xmlns:a="http://schemas.openxmlformats.org/drawingml/2006/main" xmlns:r="http://schemas.openxmlformats.org/officeDocument/2006/relationships" xmlns:p="http://schemas.openxmlformats.org/presentationml/2006/main">
+  <p:cSld>
+    <p:spTree>
+      <p:nvGrpSpPr>
+        <p:cNvPr id="1" name=""/>
+        <p:cNvGrpSpPr/>
+        <p:nvPr/>
+      </p:nvGrpSpPr>
+      <p:grpSpPr>
+        <a:xfrm>
+          <a:off x="0" y="0"/>
+          <a:ext cx="0" cy="0"/>
+          <a:chOff x="0" y="0"/>
+          <a:chExt cx="0" cy="0"/>
+        </a:xfrm>
+      </p:grpSpPr>
+      <p:sp>
+        <p:nvSpPr>
+          <p:cNvPr id="2" name="Title 1"/>
+          <p:cNvSpPr>
+            <a:spLocks noGrp="1"/>
+          </p:cNvSpPr>
+          <p:nvPr>
+            <p:ph type="title"/>
+          </p:nvPr>
+        </p:nvSpPr>
+        <p:spPr/>
+        <p:txBody>
+          <a:bodyPr>
+            <a:noAutofit/>
+          </a:bodyPr>
+          <a:lstStyle/>
+          <a:p>
+            <a:r>
+              <a:rPr lang="en-US" sz="4000" dirty="0" smtClean="0"/>
+              <a:t>Alzheimer’s </a:t>
+            </a:r>
+            <a:r>
+              <a:rPr lang="en-US" sz="4000" dirty="0" smtClean="0"/>
+              <a:t>disease (AD)</a:t>
+            </a:r>
+            <a:endParaRPr lang="en-US" sz="4000" dirty="0"/>
+          </a:p>
+        </p:txBody>
+      </p:sp>
+      <p:sp>
+        <p:nvSpPr>
+          <p:cNvPr id="3" name="Content Placeholder 2"/>
+          <p:cNvSpPr>
+            <a:spLocks noGrp="1"/>
+          </p:cNvSpPr>
+          <p:nvPr>
+            <p:ph idx="1"/>
+          </p:nvPr>
+        </p:nvSpPr>
+        <p:spPr/>
+        <p:txBody>
+          <a:bodyPr/>
+          <a:lstStyle/>
+          <a:p>
+            <a:r>
+              <a:rPr lang="en-US" dirty="0" smtClean="0"/>
+              <a:t>Memory for music seems to be selectively spared</a:t>
+            </a:r>
+          </a:p>
+          <a:p>
+            <a:r>
+              <a:rPr lang="en-US" dirty="0" smtClean="0"/>
+              <a:t>Long-term familiarity for melody </a:t>
+            </a:r>
+            <a:r>
+              <a:rPr lang="en-US" dirty="0" smtClean="0"/>
+              <a:t>and music lyrics is </a:t>
+            </a:r>
+            <a:r>
+              <a:rPr lang="en-US" dirty="0" smtClean="0"/>
+              <a:t>present even in severe AD </a:t>
+            </a:r>
+            <a:endParaRPr lang="en-US" dirty="0" smtClean="0"/>
+          </a:p>
+          <a:p>
+            <a:pPr lvl="1"/>
+            <a:r>
+              <a:rPr lang="en-US" dirty="0" smtClean="0"/>
+              <a:t>Musical semantic memory seems to be preserved </a:t>
+            </a:r>
+            <a:r>
+              <a:rPr lang="en-US" sz="1400" dirty="0" smtClean="0"/>
+              <a:t>(Cuddy </a:t>
+            </a:r>
+            <a:r>
+              <a:rPr lang="en-US" sz="1400" dirty="0" smtClean="0"/>
+              <a:t>et al, 2012)</a:t>
+            </a:r>
+          </a:p>
+          <a:p>
+            <a:r>
+              <a:rPr lang="en-US" dirty="0" smtClean="0"/>
+              <a:t>Theory: spared musical memory is because of intact functioning of necessary brain regions that are spared in AD </a:t>
+            </a:r>
+            <a:r>
+              <a:rPr lang="en-US" sz="1400" dirty="0" smtClean="0"/>
+              <a:t>(Baird &amp; Samson, 2009)</a:t>
+            </a:r>
+            <a:endParaRPr lang="en-US" sz="1400" dirty="0"/>
+          </a:p>
+        </p:txBody>
+      </p:sp>
+    </p:spTree>
+    <p:extLst>
+      <p:ext uri="{BB962C8B-B14F-4D97-AF65-F5344CB8AC3E}">
+        <p14:creationId xmlns:p14="http://schemas.microsoft.com/office/powerpoint/2010/main" val="1748311131"/>
+      </p:ext>
+    </p:extLst>
+  </p:cSld>
+  <p:clrMapOvr>
+    <a:masterClrMapping/>
+  </p:clrMapOvr>
+  <p:timing>
+    <p:tnLst>
+      <p:par>
+        <p:cTn id="1" dur="indefinite" restart="never" nodeType="tmRoot"/>
       </p:par>
     </p:tnLst>
   </p:timing>
@@ -13721,13 +14185,17 @@
         <p:spPr/>
         <p:txBody>
           <a:bodyPr>
-            <a:normAutofit lnSpcReduction="10000"/>
+            <a:normAutofit/>
           </a:bodyPr>
           <a:lstStyle/>
           <a:p>
             <a:r>
               <a:rPr lang="en-US" dirty="0" smtClean="0"/>
-              <a:t>Study 1: Identify brain mechanisms underlying familiar and lyric-based music in healthy adults</a:t>
+              <a:t>Identify </a:t>
+            </a:r>
+            <a:r>
+              <a:rPr lang="en-US" dirty="0" smtClean="0"/>
+              <a:t>brain mechanisms underlying familiar and lyric-based music in healthy adults</a:t>
             </a:r>
           </a:p>
           <a:p>
@@ -13755,28 +14223,12 @@
           <a:p>
             <a:pPr lvl="3"/>
             <a:r>
+              <a:rPr lang="en-US" dirty="0" smtClean="0"/>
+              <a:t>Synchronized </a:t>
+            </a:r>
+            <a:r>
               <a:rPr lang="en-US" dirty="0"/>
-              <a:t>Executive function during movie watching </a:t>
-            </a:r>
-            <a:r>
-              <a:rPr lang="en-US" sz="1000" dirty="0"/>
-              <a:t>(</a:t>
-            </a:r>
-            <a:r>
-              <a:rPr lang="en-US" sz="1000" dirty="0" err="1"/>
-              <a:t>Naci</a:t>
-            </a:r>
-            <a:r>
-              <a:rPr lang="en-US" sz="1000" dirty="0"/>
-              <a:t> et al, 2014)</a:t>
-            </a:r>
-            <a:endParaRPr lang="en-US" dirty="0"/>
-          </a:p>
-          <a:p>
-            <a:pPr lvl="3"/>
-            <a:r>
-              <a:rPr lang="en-US" dirty="0"/>
-              <a:t>Synchronized brain activity during music listening </a:t>
+              <a:t>brain activity during music listening </a:t>
             </a:r>
             <a:r>
               <a:rPr lang="en-US" sz="1000" dirty="0"/>
@@ -13788,13 +14240,12 @@
             </a:r>
             <a:r>
               <a:rPr lang="en-US" sz="1000" dirty="0"/>
-              <a:t> et al, 2015</a:t>
+              <a:t> et al, </a:t>
             </a:r>
             <a:r>
               <a:rPr lang="en-US" sz="1000" dirty="0" smtClean="0"/>
-              <a:t>)</a:t>
-            </a:r>
-            <a:endParaRPr lang="en-US" dirty="0" smtClean="0"/>
+              <a:t>2015)</a:t>
+            </a:r>
           </a:p>
           <a:p>
             <a:pPr lvl="1"/>
@@ -13816,11 +14267,8 @@
                   </a:schemeClr>
                 </a:solidFill>
               </a:rPr>
-              <a:t>Study 2: Apply this to patients with Alzheimer’s disease (AD)</a:t>
-            </a:r>
-          </a:p>
-          <a:p>
-            <a:pPr lvl="1"/>
+              <a:t>Investigate in patients </a:t>
+            </a:r>
             <a:r>
               <a:rPr lang="en-US" dirty="0" smtClean="0">
                 <a:solidFill>
@@ -13829,9 +14277,19 @@
                   </a:schemeClr>
                 </a:solidFill>
               </a:rPr>
-              <a:t>Distinguish those with preserved musical memory</a:t>
-            </a:r>
-            <a:endParaRPr lang="en-US" dirty="0">
+              <a:t>with Alzheimer’s disease (AD</a:t>
+            </a:r>
+            <a:r>
+              <a:rPr lang="en-US" dirty="0" smtClean="0">
+                <a:solidFill>
+                  <a:schemeClr val="bg2">
+                    <a:lumMod val="75000"/>
+                  </a:schemeClr>
+                </a:solidFill>
+              </a:rPr>
+              <a:t>)</a:t>
+            </a:r>
+            <a:endParaRPr lang="en-US" dirty="0" smtClean="0">
               <a:solidFill>
                 <a:schemeClr val="bg2">
                   <a:lumMod val="75000"/>
@@ -13854,7 +14312,7 @@
   <p:timing>
     <p:tnLst>
       <p:par>
-        <p:cTn xmlns:p14="http://schemas.microsoft.com/office/powerpoint/2010/main" id="1" dur="indefinite" restart="never" nodeType="tmRoot">
+        <p:cTn id="1" dur="indefinite" restart="never" nodeType="tmRoot">
           <p:childTnLst>
             <p:seq concurrent="1" nextAc="seek">
               <p:cTn id="2" dur="indefinite" nodeType="mainSeq">
@@ -13964,15 +14422,33 @@
                                   </p:childTnLst>
                                 </p:cTn>
                               </p:par>
+                            </p:childTnLst>
+                          </p:cTn>
+                        </p:par>
+                      </p:childTnLst>
+                    </p:cTn>
+                  </p:par>
+                  <p:par>
+                    <p:cTn id="11" fill="hold">
+                      <p:stCondLst>
+                        <p:cond delay="indefinite"/>
+                      </p:stCondLst>
+                      <p:childTnLst>
+                        <p:par>
+                          <p:cTn id="12" fill="hold">
+                            <p:stCondLst>
+                              <p:cond delay="0"/>
+                            </p:stCondLst>
+                            <p:childTnLst>
                               <p:par>
-                                <p:cTn id="11" presetID="1" presetClass="entr" presetSubtype="0" fill="hold" nodeType="withEffect">
+                                <p:cTn id="13" presetID="1" presetClass="entr" presetSubtype="0" fill="hold" nodeType="clickEffect">
                                   <p:stCondLst>
                                     <p:cond delay="0"/>
                                   </p:stCondLst>
                                   <p:childTnLst>
                                     <p:set>
                                       <p:cBhvr>
-                                        <p:cTn id="12" dur="1" fill="hold">
+                                        <p:cTn id="14" dur="1" fill="hold">
                                           <p:stCondLst>
                                             <p:cond delay="0"/>
                                           </p:stCondLst>
@@ -14002,26 +14478,26 @@
                     </p:cTn>
                   </p:par>
                   <p:par>
-                    <p:cTn id="13" fill="hold">
+                    <p:cTn id="15" fill="hold">
                       <p:stCondLst>
                         <p:cond delay="indefinite"/>
                       </p:stCondLst>
                       <p:childTnLst>
                         <p:par>
-                          <p:cTn id="14" fill="hold">
+                          <p:cTn id="16" fill="hold">
                             <p:stCondLst>
                               <p:cond delay="0"/>
                             </p:stCondLst>
                             <p:childTnLst>
                               <p:par>
-                                <p:cTn id="15" presetID="1" presetClass="entr" presetSubtype="0" fill="hold" nodeType="clickEffect">
+                                <p:cTn id="17" presetID="1" presetClass="entr" presetSubtype="0" fill="hold" nodeType="clickEffect">
                                   <p:stCondLst>
                                     <p:cond delay="0"/>
                                   </p:stCondLst>
                                   <p:childTnLst>
                                     <p:set>
                                       <p:cBhvr>
-                                        <p:cTn id="16" dur="1" fill="hold">
+                                        <p:cTn id="18" dur="1" fill="hold">
                                           <p:stCondLst>
                                             <p:cond delay="0"/>
                                           </p:stCondLst>
@@ -14029,87 +14505,7 @@
                                         <p:tgtEl>
                                           <p:spTgt spid="3">
                                             <p:txEl>
-                                              <p:pRg st="5" end="5"/>
-                                            </p:txEl>
-                                          </p:spTgt>
-                                        </p:tgtEl>
-                                        <p:attrNameLst>
-                                          <p:attrName>style.visibility</p:attrName>
-                                        </p:attrNameLst>
-                                      </p:cBhvr>
-                                      <p:to>
-                                        <p:strVal val="visible"/>
-                                      </p:to>
-                                    </p:set>
-                                  </p:childTnLst>
-                                </p:cTn>
-                              </p:par>
-                            </p:childTnLst>
-                          </p:cTn>
-                        </p:par>
-                      </p:childTnLst>
-                    </p:cTn>
-                  </p:par>
-                  <p:par>
-                    <p:cTn id="17" fill="hold">
-                      <p:stCondLst>
-                        <p:cond delay="indefinite"/>
-                      </p:stCondLst>
-                      <p:childTnLst>
-                        <p:par>
-                          <p:cTn id="18" fill="hold">
-                            <p:stCondLst>
-                              <p:cond delay="0"/>
-                            </p:stCondLst>
-                            <p:childTnLst>
-                              <p:par>
-                                <p:cTn id="19" presetID="1" presetClass="entr" presetSubtype="0" fill="hold" nodeType="clickEffect">
-                                  <p:stCondLst>
-                                    <p:cond delay="0"/>
-                                  </p:stCondLst>
-                                  <p:childTnLst>
-                                    <p:set>
-                                      <p:cBhvr>
-                                        <p:cTn id="20" dur="1" fill="hold">
-                                          <p:stCondLst>
-                                            <p:cond delay="0"/>
-                                          </p:stCondLst>
-                                        </p:cTn>
-                                        <p:tgtEl>
-                                          <p:spTgt spid="3">
-                                            <p:txEl>
-                                              <p:pRg st="7" end="7"/>
-                                            </p:txEl>
-                                          </p:spTgt>
-                                        </p:tgtEl>
-                                        <p:attrNameLst>
-                                          <p:attrName>style.visibility</p:attrName>
-                                        </p:attrNameLst>
-                                      </p:cBhvr>
-                                      <p:to>
-                                        <p:strVal val="visible"/>
-                                      </p:to>
-                                    </p:set>
-                                  </p:childTnLst>
-                                </p:cTn>
-                              </p:par>
-                              <p:par>
-                                <p:cTn id="21" presetID="1" presetClass="entr" presetSubtype="0" fill="hold" nodeType="withEffect">
-                                  <p:stCondLst>
-                                    <p:cond delay="0"/>
-                                  </p:stCondLst>
-                                  <p:childTnLst>
-                                    <p:set>
-                                      <p:cBhvr>
-                                        <p:cTn id="22" dur="1" fill="hold">
-                                          <p:stCondLst>
-                                            <p:cond delay="0"/>
-                                          </p:stCondLst>
-                                        </p:cTn>
-                                        <p:tgtEl>
-                                          <p:spTgt spid="3">
-                                            <p:txEl>
-                                              <p:pRg st="8" end="8"/>
+                                              <p:pRg st="6" end="6"/>
                                             </p:txEl>
                                           </p:spTgt>
                                         </p:tgtEl>
@@ -14255,7 +14651,7 @@
   <p:timing>
     <p:tnLst>
       <p:par>
-        <p:cTn xmlns:p14="http://schemas.microsoft.com/office/powerpoint/2010/main" id="1" dur="indefinite" restart="never" nodeType="tmRoot"/>
+        <p:cTn id="1" dur="indefinite" restart="never" nodeType="tmRoot"/>
       </p:par>
     </p:tnLst>
   </p:timing>
@@ -14517,7 +14913,7 @@
   <a:extraClrSchemeLst/>
   <a:extLst>
     <a:ext uri="{05A4C25C-085E-4340-85A3-A5531E510DB2}">
-      <thm15:themeFamily xmlns:thm15="http://schemas.microsoft.com/office/thememl/2012/main" xmlns="" name="Office Theme" id="{62F939B6-93AF-4DB8-9C6B-D6C7DFDC589F}" vid="{4A3C46E8-61CC-4603-A589-7422A47A8E4A}"/>
+      <thm15:themeFamily xmlns:thm15="http://schemas.microsoft.com/office/thememl/2012/main" name="Office Theme" id="{62F939B6-93AF-4DB8-9C6B-D6C7DFDC589F}" vid="{4A3C46E8-61CC-4603-A589-7422A47A8E4A}"/>
     </a:ext>
   </a:extLst>
 </a:theme>
@@ -14778,7 +15174,7 @@
   <a:extraClrSchemeLst/>
   <a:extLst>
     <a:ext uri="{05A4C25C-085E-4340-85A3-A5531E510DB2}">
-      <thm15:themeFamily xmlns:thm15="http://schemas.microsoft.com/office/thememl/2012/main" xmlns="" name="Office Theme" id="{62F939B6-93AF-4DB8-9C6B-D6C7DFDC589F}" vid="{4A3C46E8-61CC-4603-A589-7422A47A8E4A}"/>
+      <thm15:themeFamily xmlns:thm15="http://schemas.microsoft.com/office/thememl/2012/main" name="Office Theme" id="{62F939B6-93AF-4DB8-9C6B-D6C7DFDC589F}" vid="{4A3C46E8-61CC-4603-A589-7422A47A8E4A}"/>
     </a:ext>
   </a:extLst>
 </a:theme>

--- a/Meetings/2017.05.10-Grahn+KohlerPresentation.pptx
+++ b/Meetings/2017.05.10-Grahn+KohlerPresentation.pptx
@@ -130,7 +130,7 @@
   </p:defaultTextStyle>
   <p:extLst>
     <p:ext uri="{EFAFB233-063F-42B5-8137-9DF3F51BA10A}">
-      <p15:sldGuideLst xmlns:p15="http://schemas.microsoft.com/office/powerpoint/2012/main">
+      <p15:sldGuideLst xmlns:p15="http://schemas.microsoft.com/office/powerpoint/2012/main" xmlns="">
         <p15:guide id="1" orient="horz" pos="2160">
           <p15:clr>
             <a:srgbClr val="A4A3A4"/>
@@ -2916,8 +2916,8 @@
       </dsp:nvSpPr>
       <dsp:spPr>
         <a:xfrm>
-          <a:off x="2466" y="462810"/>
-          <a:ext cx="933982" cy="895309"/>
+          <a:off x="2466" y="459937"/>
+          <a:ext cx="933982" cy="901055"/>
         </a:xfrm>
         <a:prstGeom prst="roundRect">
           <a:avLst>
@@ -2986,8 +2986,8 @@
         </a:p>
       </dsp:txBody>
       <dsp:txXfrm>
-        <a:off x="28689" y="489033"/>
-        <a:ext cx="881536" cy="842863"/>
+        <a:off x="28857" y="486328"/>
+        <a:ext cx="881200" cy="848273"/>
       </dsp:txXfrm>
     </dsp:sp>
     <dsp:sp modelId="{245B5132-579C-C543-BBFC-998907B6A6DC}">
@@ -3066,8 +3066,8 @@
       </dsp:nvSpPr>
       <dsp:spPr>
         <a:xfrm>
-          <a:off x="1310041" y="462810"/>
-          <a:ext cx="933982" cy="895309"/>
+          <a:off x="1310041" y="459937"/>
+          <a:ext cx="933982" cy="901055"/>
         </a:xfrm>
         <a:prstGeom prst="roundRect">
           <a:avLst>
@@ -3136,8 +3136,8 @@
         </a:p>
       </dsp:txBody>
       <dsp:txXfrm>
-        <a:off x="1336264" y="489033"/>
-        <a:ext cx="881536" cy="842863"/>
+        <a:off x="1336432" y="486328"/>
+        <a:ext cx="881200" cy="848273"/>
       </dsp:txXfrm>
     </dsp:sp>
     <dsp:sp modelId="{DC90FEBC-3C04-C144-AEF4-489A10BDF470}">
@@ -3216,8 +3216,8 @@
       </dsp:nvSpPr>
       <dsp:spPr>
         <a:xfrm>
-          <a:off x="2617616" y="462810"/>
-          <a:ext cx="933982" cy="895309"/>
+          <a:off x="2617616" y="459937"/>
+          <a:ext cx="933982" cy="901055"/>
         </a:xfrm>
         <a:prstGeom prst="roundRect">
           <a:avLst>
@@ -3285,8 +3285,8 @@
         </a:p>
       </dsp:txBody>
       <dsp:txXfrm>
-        <a:off x="2643839" y="489033"/>
-        <a:ext cx="881536" cy="842863"/>
+        <a:off x="2644007" y="486328"/>
+        <a:ext cx="881200" cy="848273"/>
       </dsp:txXfrm>
     </dsp:sp>
     <dsp:sp modelId="{9E7159C5-36CA-654E-B25A-5B2879ECFFA3}">
@@ -3295,8 +3295,8 @@
         <dsp:cNvSpPr/>
       </dsp:nvSpPr>
       <dsp:spPr>
-        <a:xfrm rot="46899">
-          <a:off x="3638335" y="803460"/>
+        <a:xfrm rot="47200">
+          <a:off x="3638334" y="803516"/>
           <a:ext cx="183917" cy="231627"/>
         </a:xfrm>
         <a:prstGeom prst="rightArrow">
@@ -3354,7 +3354,7 @@
         </a:p>
       </dsp:txBody>
       <dsp:txXfrm>
-        <a:off x="3638338" y="849409"/>
+        <a:off x="3638337" y="849462"/>
         <a:ext cx="128742" cy="138977"/>
       </dsp:txXfrm>
     </dsp:sp>
@@ -3365,8 +3365,8 @@
       </dsp:nvSpPr>
       <dsp:spPr>
         <a:xfrm>
-          <a:off x="3898579" y="480286"/>
-          <a:ext cx="933982" cy="895309"/>
+          <a:off x="3898579" y="477525"/>
+          <a:ext cx="933982" cy="901055"/>
         </a:xfrm>
         <a:prstGeom prst="roundRect">
           <a:avLst>
@@ -3435,8 +3435,8 @@
         </a:p>
       </dsp:txBody>
       <dsp:txXfrm>
-        <a:off x="3924802" y="506509"/>
-        <a:ext cx="881536" cy="842863"/>
+        <a:off x="3924970" y="503916"/>
+        <a:ext cx="881200" cy="848273"/>
       </dsp:txXfrm>
     </dsp:sp>
     <dsp:sp modelId="{AA1E63FA-7DA2-124E-8D84-ECE1F05CEE8E}">
@@ -3445,9 +3445,9 @@
         <dsp:cNvSpPr/>
       </dsp:nvSpPr>
       <dsp:spPr>
-        <a:xfrm rot="21531272">
-          <a:off x="4927708" y="798870"/>
-          <a:ext cx="201792" cy="231627"/>
+        <a:xfrm rot="21530831">
+          <a:off x="4927707" y="798897"/>
+          <a:ext cx="201793" cy="231627"/>
         </a:xfrm>
         <a:prstGeom prst="rightArrow">
           <a:avLst>
@@ -3504,8 +3504,8 @@
         </a:p>
       </dsp:txBody>
       <dsp:txXfrm>
-        <a:off x="4927714" y="845800"/>
-        <a:ext cx="141254" cy="138977"/>
+        <a:off x="4927713" y="845831"/>
+        <a:ext cx="141255" cy="138977"/>
       </dsp:txXfrm>
     </dsp:sp>
     <dsp:sp modelId="{72AD32D9-E5F8-BD43-8BDB-A4D4030BCC6C}">
@@ -3515,8 +3515,8 @@
       </dsp:nvSpPr>
       <dsp:spPr>
         <a:xfrm>
-          <a:off x="5213226" y="454000"/>
-          <a:ext cx="933982" cy="895309"/>
+          <a:off x="5213226" y="451070"/>
+          <a:ext cx="933982" cy="901055"/>
         </a:xfrm>
         <a:prstGeom prst="roundRect">
           <a:avLst>
@@ -3585,8 +3585,8 @@
         </a:p>
       </dsp:txBody>
       <dsp:txXfrm>
-        <a:off x="5239449" y="480223"/>
-        <a:ext cx="881536" cy="842863"/>
+        <a:off x="5239617" y="477461"/>
+        <a:ext cx="881200" cy="848273"/>
       </dsp:txXfrm>
     </dsp:sp>
     <dsp:sp modelId="{0DEB14EA-9EB0-D24D-AFF7-2651A1AECE69}">
@@ -3595,8 +3595,8 @@
         <dsp:cNvSpPr/>
       </dsp:nvSpPr>
       <dsp:spPr>
-        <a:xfrm rot="22821">
-          <a:off x="6245489" y="790285"/>
+        <a:xfrm rot="22967">
+          <a:off x="6245489" y="790257"/>
           <a:ext cx="208364" cy="231627"/>
         </a:xfrm>
         <a:prstGeom prst="rightArrow">
@@ -3654,7 +3654,7 @@
         </a:p>
       </dsp:txBody>
       <dsp:txXfrm>
-        <a:off x="6245490" y="836403"/>
+        <a:off x="6245490" y="836373"/>
         <a:ext cx="145855" cy="138977"/>
       </dsp:txXfrm>
     </dsp:sp>
@@ -3665,8 +3665,8 @@
       </dsp:nvSpPr>
       <dsp:spPr>
         <a:xfrm>
-          <a:off x="6540340" y="462810"/>
-          <a:ext cx="933982" cy="895309"/>
+          <a:off x="6540340" y="459937"/>
+          <a:ext cx="933982" cy="901055"/>
         </a:xfrm>
         <a:prstGeom prst="roundRect">
           <a:avLst>
@@ -3735,8 +3735,8 @@
         </a:p>
       </dsp:txBody>
       <dsp:txXfrm>
-        <a:off x="6566563" y="489033"/>
-        <a:ext cx="881536" cy="842863"/>
+        <a:off x="6566731" y="486328"/>
+        <a:ext cx="881200" cy="848273"/>
       </dsp:txXfrm>
     </dsp:sp>
     <dsp:sp modelId="{80A529E0-442C-EE4B-B914-5FB39922BFB4}">
@@ -3815,8 +3815,8 @@
       </dsp:nvSpPr>
       <dsp:spPr>
         <a:xfrm>
-          <a:off x="7847915" y="462810"/>
-          <a:ext cx="933982" cy="895309"/>
+          <a:off x="7847915" y="459937"/>
+          <a:ext cx="933982" cy="901055"/>
         </a:xfrm>
         <a:prstGeom prst="roundRect">
           <a:avLst>
@@ -3885,8 +3885,8 @@
         </a:p>
       </dsp:txBody>
       <dsp:txXfrm>
-        <a:off x="7874138" y="489033"/>
-        <a:ext cx="881536" cy="842863"/>
+        <a:off x="7874306" y="486328"/>
+        <a:ext cx="881200" cy="848273"/>
       </dsp:txXfrm>
     </dsp:sp>
   </dsp:spTree>
@@ -3908,8 +3908,8 @@
       </dsp:nvSpPr>
       <dsp:spPr>
         <a:xfrm>
-          <a:off x="2466" y="7117"/>
-          <a:ext cx="933982" cy="1019262"/>
+          <a:off x="2466" y="16659"/>
+          <a:ext cx="933982" cy="1000177"/>
         </a:xfrm>
         <a:prstGeom prst="roundRect">
           <a:avLst>
@@ -3977,8 +3977,8 @@
         </a:p>
       </dsp:txBody>
       <dsp:txXfrm>
-        <a:off x="29821" y="34472"/>
-        <a:ext cx="879272" cy="964552"/>
+        <a:off x="29821" y="44014"/>
+        <a:ext cx="879272" cy="945467"/>
       </dsp:txXfrm>
     </dsp:sp>
     <dsp:sp modelId="{245B5132-579C-C543-BBFC-998907B6A6DC}">
@@ -4057,8 +4057,8 @@
       </dsp:nvSpPr>
       <dsp:spPr>
         <a:xfrm>
-          <a:off x="1310041" y="7117"/>
-          <a:ext cx="933982" cy="1019262"/>
+          <a:off x="1310041" y="16659"/>
+          <a:ext cx="933982" cy="1000177"/>
         </a:xfrm>
         <a:prstGeom prst="roundRect">
           <a:avLst>
@@ -4127,8 +4127,8 @@
         </a:p>
       </dsp:txBody>
       <dsp:txXfrm>
-        <a:off x="1337396" y="34472"/>
-        <a:ext cx="879272" cy="964552"/>
+        <a:off x="1337396" y="44014"/>
+        <a:ext cx="879272" cy="945467"/>
       </dsp:txXfrm>
     </dsp:sp>
     <dsp:sp modelId="{DC90FEBC-3C04-C144-AEF4-489A10BDF470}">
@@ -4207,8 +4207,8 @@
       </dsp:nvSpPr>
       <dsp:spPr>
         <a:xfrm>
-          <a:off x="2617616" y="7117"/>
-          <a:ext cx="933982" cy="1019262"/>
+          <a:off x="2617616" y="16659"/>
+          <a:ext cx="933982" cy="1000177"/>
         </a:xfrm>
         <a:prstGeom prst="roundRect">
           <a:avLst>
@@ -4277,8 +4277,8 @@
         </a:p>
       </dsp:txBody>
       <dsp:txXfrm>
-        <a:off x="2644971" y="34472"/>
-        <a:ext cx="879272" cy="964552"/>
+        <a:off x="2644971" y="44014"/>
+        <a:ext cx="879272" cy="945467"/>
       </dsp:txXfrm>
     </dsp:sp>
     <dsp:sp modelId="{57C96E13-F21A-8D4F-9C64-4AF3CF20BC47}">
@@ -4357,8 +4357,8 @@
       </dsp:nvSpPr>
       <dsp:spPr>
         <a:xfrm>
-          <a:off x="3925190" y="7117"/>
-          <a:ext cx="933982" cy="1019262"/>
+          <a:off x="3925190" y="16659"/>
+          <a:ext cx="933982" cy="1000177"/>
         </a:xfrm>
         <a:prstGeom prst="roundRect">
           <a:avLst>
@@ -4427,8 +4427,8 @@
         </a:p>
       </dsp:txBody>
       <dsp:txXfrm>
-        <a:off x="3952545" y="34472"/>
-        <a:ext cx="879272" cy="964552"/>
+        <a:off x="3952545" y="44014"/>
+        <a:ext cx="879272" cy="945467"/>
       </dsp:txXfrm>
     </dsp:sp>
     <dsp:sp modelId="{C52D87B7-2E7A-0443-8186-5B85BE75EEB4}">
@@ -4507,8 +4507,8 @@
       </dsp:nvSpPr>
       <dsp:spPr>
         <a:xfrm>
-          <a:off x="5232765" y="7117"/>
-          <a:ext cx="933982" cy="1019262"/>
+          <a:off x="5232765" y="16659"/>
+          <a:ext cx="933982" cy="1000177"/>
         </a:xfrm>
         <a:prstGeom prst="roundRect">
           <a:avLst>
@@ -4577,8 +4577,8 @@
         </a:p>
       </dsp:txBody>
       <dsp:txXfrm>
-        <a:off x="5260120" y="34472"/>
-        <a:ext cx="879272" cy="964552"/>
+        <a:off x="5260120" y="44014"/>
+        <a:ext cx="879272" cy="945467"/>
       </dsp:txXfrm>
     </dsp:sp>
     <dsp:sp modelId="{85519416-8ADD-1949-9455-12D4E00A2E86}">
@@ -4657,8 +4657,8 @@
       </dsp:nvSpPr>
       <dsp:spPr>
         <a:xfrm>
-          <a:off x="6540340" y="7117"/>
-          <a:ext cx="933982" cy="1019262"/>
+          <a:off x="6540340" y="16659"/>
+          <a:ext cx="933982" cy="1000177"/>
         </a:xfrm>
         <a:prstGeom prst="roundRect">
           <a:avLst>
@@ -4727,8 +4727,8 @@
         </a:p>
       </dsp:txBody>
       <dsp:txXfrm>
-        <a:off x="6567695" y="34472"/>
-        <a:ext cx="879272" cy="964552"/>
+        <a:off x="6567695" y="44014"/>
+        <a:ext cx="879272" cy="945467"/>
       </dsp:txXfrm>
     </dsp:sp>
     <dsp:sp modelId="{80A529E0-442C-EE4B-B914-5FB39922BFB4}">
@@ -4807,8 +4807,8 @@
       </dsp:nvSpPr>
       <dsp:spPr>
         <a:xfrm>
-          <a:off x="7847915" y="7117"/>
-          <a:ext cx="933982" cy="1019262"/>
+          <a:off x="7847915" y="16659"/>
+          <a:ext cx="933982" cy="1000177"/>
         </a:xfrm>
         <a:prstGeom prst="roundRect">
           <a:avLst>
@@ -4877,8 +4877,8 @@
         </a:p>
       </dsp:txBody>
       <dsp:txXfrm>
-        <a:off x="7875270" y="34472"/>
-        <a:ext cx="879272" cy="964552"/>
+        <a:off x="7875270" y="44014"/>
+        <a:ext cx="879272" cy="945467"/>
       </dsp:txXfrm>
     </dsp:sp>
   </dsp:spTree>
@@ -7327,7 +7327,7 @@
           <a:p>
             <a:fld id="{BE054C78-2090-C64C-9F6A-B51B239D54AE}" type="datetimeFigureOut">
               <a:rPr lang="en-US" smtClean="0"/>
-              <a:t>5/9/17</a:t>
+              <a:t>17-05-11</a:t>
             </a:fld>
             <a:endParaRPr lang="en-US"/>
           </a:p>
@@ -7910,29 +7910,20 @@
             </a:r>
             <a:r>
               <a:rPr lang="en-CA" baseline="0" dirty="0" smtClean="0"/>
-              <a:t> </a:t>
-            </a:r>
-            <a:r>
-              <a:rPr lang="en-CA" baseline="0" dirty="0" smtClean="0"/>
-              <a:t>activity for music i</a:t>
+              <a:t> activity for music i</a:t>
             </a:r>
             <a:r>
               <a:rPr lang="en-CA" dirty="0" smtClean="0"/>
               <a:t>n an extended network that included the bilateral inferior frontal gyrus (BA45) (extending to the middle frontal gyrus), the posterior part of the inferior and middle temporal gyri (BA20/37), the medial superior frontal gyrus (BA10) and the right superior temporal pole (BA38). </a:t>
             </a:r>
+          </a:p>
+          <a:p>
             <a:endParaRPr lang="en-CA" dirty="0" smtClean="0"/>
           </a:p>
           <a:p>
-            <a:endParaRPr lang="en-CA" dirty="0" smtClean="0"/>
-          </a:p>
-          <a:p>
             <a:r>
               <a:rPr lang="en-CA" dirty="0" smtClean="0"/>
-              <a:t>The </a:t>
-            </a:r>
-            <a:r>
-              <a:rPr lang="en-CA" dirty="0" smtClean="0"/>
-              <a:t>verbal familiarity analysis revealed greater activity in the left medial superior frontal gyrus (BA10), the middle cingulate cortex bilaterally, the left putamen and thalamus, and the inferior and middle parts of the frontal (BA47/46) and temporal gyri (BA20/21) bilaterally. We also found activation of the posterior part of the right hippocampus and the left </a:t>
+              <a:t>The verbal familiarity analysis revealed greater activity in the left medial superior frontal gyrus (BA10), the middle cingulate cortex bilaterally, the left putamen and thalamus, and the inferior and middle parts of the frontal (BA47/46) and temporal gyri (BA20/21) bilaterally. We also found activation of the posterior part of the right hippocampus and the left </a:t>
             </a:r>
             <a:r>
               <a:rPr lang="en-CA" dirty="0" err="1" smtClean="0"/>
@@ -8169,6 +8160,241 @@
 </p:notes>
 </file>
 
+<file path=ppt/notesSlides/notesSlide6.xml><?xml version="1.0" encoding="utf-8"?>
+<p:notes xmlns:a="http://schemas.openxmlformats.org/drawingml/2006/main" xmlns:r="http://schemas.openxmlformats.org/officeDocument/2006/relationships" xmlns:p="http://schemas.openxmlformats.org/presentationml/2006/main">
+  <p:cSld>
+    <p:spTree>
+      <p:nvGrpSpPr>
+        <p:cNvPr id="1" name=""/>
+        <p:cNvGrpSpPr/>
+        <p:nvPr/>
+      </p:nvGrpSpPr>
+      <p:grpSpPr>
+        <a:xfrm>
+          <a:off x="0" y="0"/>
+          <a:ext cx="0" cy="0"/>
+          <a:chOff x="0" y="0"/>
+          <a:chExt cx="0" cy="0"/>
+        </a:xfrm>
+      </p:grpSpPr>
+      <p:sp>
+        <p:nvSpPr>
+          <p:cNvPr id="2" name="Slide Image Placeholder 1"/>
+          <p:cNvSpPr>
+            <a:spLocks noGrp="1" noRot="1" noChangeAspect="1"/>
+          </p:cNvSpPr>
+          <p:nvPr>
+            <p:ph type="sldImg"/>
+          </p:nvPr>
+        </p:nvSpPr>
+        <p:spPr/>
+      </p:sp>
+      <p:sp>
+        <p:nvSpPr>
+          <p:cNvPr id="3" name="Notes Placeholder 2"/>
+          <p:cNvSpPr>
+            <a:spLocks noGrp="1"/>
+          </p:cNvSpPr>
+          <p:nvPr>
+            <p:ph type="body" idx="1"/>
+          </p:nvPr>
+        </p:nvSpPr>
+        <p:spPr/>
+        <p:txBody>
+          <a:bodyPr/>
+          <a:lstStyle/>
+          <a:p>
+            <a:endParaRPr lang="en-CA"/>
+          </a:p>
+          <a:p>
+            <a:r>
+              <a:rPr lang="en-CA"/>
+              <a:t>----- Meeting Notes (17-05-11 10:57) -----</a:t>
+            </a:r>
+          </a:p>
+          <a:p>
+            <a:r>
+              <a:rPr lang="en-CA"/>
+              <a:t>music + lyrics association</a:t>
+            </a:r>
+          </a:p>
+          <a:p>
+            <a:endParaRPr lang="en-CA"/>
+          </a:p>
+        </p:txBody>
+      </p:sp>
+      <p:sp>
+        <p:nvSpPr>
+          <p:cNvPr id="4" name="Slide Number Placeholder 3"/>
+          <p:cNvSpPr>
+            <a:spLocks noGrp="1"/>
+          </p:cNvSpPr>
+          <p:nvPr>
+            <p:ph type="sldNum" sz="quarter" idx="10"/>
+          </p:nvPr>
+        </p:nvSpPr>
+        <p:spPr/>
+        <p:txBody>
+          <a:bodyPr/>
+          <a:lstStyle/>
+          <a:p>
+            <a:fld id="{BA0C90E3-8C05-AF43-8579-8D2D04A296B0}" type="slidenum">
+              <a:rPr lang="en-US" smtClean="0"/>
+              <a:t>16</a:t>
+            </a:fld>
+            <a:endParaRPr lang="en-US"/>
+          </a:p>
+        </p:txBody>
+      </p:sp>
+    </p:spTree>
+    <p:extLst>
+      <p:ext uri="{BB962C8B-B14F-4D97-AF65-F5344CB8AC3E}">
+        <p14:creationId xmlns:p14="http://schemas.microsoft.com/office/powerpoint/2010/main" val="2220601957"/>
+      </p:ext>
+    </p:extLst>
+  </p:cSld>
+  <p:clrMapOvr>
+    <a:masterClrMapping/>
+  </p:clrMapOvr>
+</p:notes>
+</file>
+
+<file path=ppt/notesSlides/notesSlide7.xml><?xml version="1.0" encoding="utf-8"?>
+<p:notes xmlns:a="http://schemas.openxmlformats.org/drawingml/2006/main" xmlns:r="http://schemas.openxmlformats.org/officeDocument/2006/relationships" xmlns:p="http://schemas.openxmlformats.org/presentationml/2006/main">
+  <p:cSld>
+    <p:spTree>
+      <p:nvGrpSpPr>
+        <p:cNvPr id="1" name=""/>
+        <p:cNvGrpSpPr/>
+        <p:nvPr/>
+      </p:nvGrpSpPr>
+      <p:grpSpPr>
+        <a:xfrm>
+          <a:off x="0" y="0"/>
+          <a:ext cx="0" cy="0"/>
+          <a:chOff x="0" y="0"/>
+          <a:chExt cx="0" cy="0"/>
+        </a:xfrm>
+      </p:grpSpPr>
+      <p:sp>
+        <p:nvSpPr>
+          <p:cNvPr id="2" name="Slide Image Placeholder 1"/>
+          <p:cNvSpPr>
+            <a:spLocks noGrp="1" noRot="1" noChangeAspect="1"/>
+          </p:cNvSpPr>
+          <p:nvPr>
+            <p:ph type="sldImg"/>
+          </p:nvPr>
+        </p:nvSpPr>
+        <p:spPr/>
+      </p:sp>
+      <p:sp>
+        <p:nvSpPr>
+          <p:cNvPr id="3" name="Notes Placeholder 2"/>
+          <p:cNvSpPr>
+            <a:spLocks noGrp="1"/>
+          </p:cNvSpPr>
+          <p:nvPr>
+            <p:ph type="body" idx="1"/>
+          </p:nvPr>
+        </p:nvSpPr>
+        <p:spPr/>
+        <p:txBody>
+          <a:bodyPr/>
+          <a:lstStyle/>
+          <a:p>
+            <a:r>
+              <a:rPr lang="en-US" dirty="0" smtClean="0"/>
+              <a:t>(e.g. IFG, ITC, MTC)</a:t>
+            </a:r>
+          </a:p>
+          <a:p>
+            <a:r>
+              <a:rPr lang="en-US" dirty="0" smtClean="0"/>
+              <a:t>Language areas: left fusiform </a:t>
+            </a:r>
+            <a:r>
+              <a:rPr lang="en-US" dirty="0" err="1" smtClean="0"/>
+              <a:t>gyrus</a:t>
+            </a:r>
+            <a:r>
+              <a:rPr lang="en-US" dirty="0" smtClean="0"/>
+              <a:t>, the left inferior occipital </a:t>
+            </a:r>
+            <a:r>
+              <a:rPr lang="en-US" dirty="0" err="1" smtClean="0"/>
+              <a:t>gyrus</a:t>
+            </a:r>
+            <a:r>
+              <a:rPr lang="en-US" dirty="0" smtClean="0"/>
+              <a:t>, and the medial part of the superior frontal </a:t>
+            </a:r>
+            <a:r>
+              <a:rPr lang="en-US" dirty="0" err="1" smtClean="0"/>
+              <a:t>gyrus</a:t>
+            </a:r>
+            <a:r>
+              <a:rPr lang="en-US" dirty="0" smtClean="0"/>
+              <a:t> and cingulate </a:t>
+            </a:r>
+            <a:r>
+              <a:rPr lang="en-US" dirty="0" err="1" smtClean="0"/>
+              <a:t>gyrus</a:t>
+            </a:r>
+            <a:r>
+              <a:rPr lang="en-US" dirty="0" smtClean="0"/>
+              <a:t>.</a:t>
+            </a:r>
+          </a:p>
+          <a:p>
+            <a:r>
+              <a:rPr lang="en-US" dirty="0" smtClean="0"/>
+              <a:t>Left fusiform – auditory and visual word</a:t>
+            </a:r>
+            <a:r>
+              <a:rPr lang="en-US" baseline="0" dirty="0" smtClean="0"/>
+              <a:t> processing </a:t>
+            </a:r>
+            <a:endParaRPr lang="en-CA" dirty="0"/>
+          </a:p>
+        </p:txBody>
+      </p:sp>
+      <p:sp>
+        <p:nvSpPr>
+          <p:cNvPr id="4" name="Slide Number Placeholder 3"/>
+          <p:cNvSpPr>
+            <a:spLocks noGrp="1"/>
+          </p:cNvSpPr>
+          <p:nvPr>
+            <p:ph type="sldNum" sz="quarter" idx="10"/>
+          </p:nvPr>
+        </p:nvSpPr>
+        <p:spPr/>
+        <p:txBody>
+          <a:bodyPr/>
+          <a:lstStyle/>
+          <a:p>
+            <a:fld id="{BA0C90E3-8C05-AF43-8579-8D2D04A296B0}" type="slidenum">
+              <a:rPr lang="en-US" smtClean="0"/>
+              <a:t>18</a:t>
+            </a:fld>
+            <a:endParaRPr lang="en-US"/>
+          </a:p>
+        </p:txBody>
+      </p:sp>
+    </p:spTree>
+    <p:extLst>
+      <p:ext uri="{BB962C8B-B14F-4D97-AF65-F5344CB8AC3E}">
+        <p14:creationId xmlns:p14="http://schemas.microsoft.com/office/powerpoint/2010/main" val="3293232265"/>
+      </p:ext>
+    </p:extLst>
+  </p:cSld>
+  <p:clrMapOvr>
+    <a:masterClrMapping/>
+  </p:clrMapOvr>
+</p:notes>
+</file>
+
 <file path=ppt/slideLayouts/slideLayout1.xml><?xml version="1.0" encoding="utf-8"?>
 <p:sldLayout xmlns:a="http://schemas.openxmlformats.org/drawingml/2006/main" xmlns:r="http://schemas.openxmlformats.org/officeDocument/2006/relationships" xmlns:p="http://schemas.openxmlformats.org/presentationml/2006/main" type="title" preserve="1">
   <p:cSld name="Title Slide">
@@ -8300,7 +8526,7 @@
           <a:p>
             <a:fld id="{6C076DC0-26B1-5841-8BF7-BB7DFB8B1BE2}" type="datetimeFigureOut">
               <a:rPr lang="en-US" smtClean="0"/>
-              <a:t>5/9/17</a:t>
+              <a:t>17-05-11</a:t>
             </a:fld>
             <a:endParaRPr lang="en-US"/>
           </a:p>
@@ -8465,7 +8691,7 @@
           <a:p>
             <a:fld id="{6C076DC0-26B1-5841-8BF7-BB7DFB8B1BE2}" type="datetimeFigureOut">
               <a:rPr lang="en-US" smtClean="0"/>
-              <a:t>5/9/17</a:t>
+              <a:t>17-05-11</a:t>
             </a:fld>
             <a:endParaRPr lang="en-US"/>
           </a:p>
@@ -8640,7 +8866,7 @@
           <a:p>
             <a:fld id="{6C076DC0-26B1-5841-8BF7-BB7DFB8B1BE2}" type="datetimeFigureOut">
               <a:rPr lang="en-US" smtClean="0"/>
-              <a:t>5/9/17</a:t>
+              <a:t>17-05-11</a:t>
             </a:fld>
             <a:endParaRPr lang="en-US"/>
           </a:p>
@@ -8805,7 +9031,7 @@
           <a:p>
             <a:fld id="{6C076DC0-26B1-5841-8BF7-BB7DFB8B1BE2}" type="datetimeFigureOut">
               <a:rPr lang="en-US" smtClean="0"/>
-              <a:t>5/9/17</a:t>
+              <a:t>17-05-11</a:t>
             </a:fld>
             <a:endParaRPr lang="en-US"/>
           </a:p>
@@ -9044,7 +9270,7 @@
           <a:p>
             <a:fld id="{6C076DC0-26B1-5841-8BF7-BB7DFB8B1BE2}" type="datetimeFigureOut">
               <a:rPr lang="en-US" smtClean="0"/>
-              <a:t>5/9/17</a:t>
+              <a:t>17-05-11</a:t>
             </a:fld>
             <a:endParaRPr lang="en-US"/>
           </a:p>
@@ -9271,7 +9497,7 @@
           <a:p>
             <a:fld id="{6C076DC0-26B1-5841-8BF7-BB7DFB8B1BE2}" type="datetimeFigureOut">
               <a:rPr lang="en-US" smtClean="0"/>
-              <a:t>5/9/17</a:t>
+              <a:t>17-05-11</a:t>
             </a:fld>
             <a:endParaRPr lang="en-US"/>
           </a:p>
@@ -9633,7 +9859,7 @@
           <a:p>
             <a:fld id="{6C076DC0-26B1-5841-8BF7-BB7DFB8B1BE2}" type="datetimeFigureOut">
               <a:rPr lang="en-US" smtClean="0"/>
-              <a:t>5/9/17</a:t>
+              <a:t>17-05-11</a:t>
             </a:fld>
             <a:endParaRPr lang="en-US"/>
           </a:p>
@@ -9746,7 +9972,7 @@
           <a:p>
             <a:fld id="{6C076DC0-26B1-5841-8BF7-BB7DFB8B1BE2}" type="datetimeFigureOut">
               <a:rPr lang="en-US" smtClean="0"/>
-              <a:t>5/9/17</a:t>
+              <a:t>17-05-11</a:t>
             </a:fld>
             <a:endParaRPr lang="en-US"/>
           </a:p>
@@ -9836,7 +10062,7 @@
           <a:p>
             <a:fld id="{6C076DC0-26B1-5841-8BF7-BB7DFB8B1BE2}" type="datetimeFigureOut">
               <a:rPr lang="en-US" smtClean="0"/>
-              <a:t>5/9/17</a:t>
+              <a:t>17-05-11</a:t>
             </a:fld>
             <a:endParaRPr lang="en-US"/>
           </a:p>
@@ -10108,7 +10334,7 @@
           <a:p>
             <a:fld id="{6C076DC0-26B1-5841-8BF7-BB7DFB8B1BE2}" type="datetimeFigureOut">
               <a:rPr lang="en-US" smtClean="0"/>
-              <a:t>5/9/17</a:t>
+              <a:t>17-05-11</a:t>
             </a:fld>
             <a:endParaRPr lang="en-US"/>
           </a:p>
@@ -10360,7 +10586,7 @@
           <a:p>
             <a:fld id="{6C076DC0-26B1-5841-8BF7-BB7DFB8B1BE2}" type="datetimeFigureOut">
               <a:rPr lang="en-US" smtClean="0"/>
-              <a:t>5/9/17</a:t>
+              <a:t>17-05-11</a:t>
             </a:fld>
             <a:endParaRPr lang="en-US"/>
           </a:p>
@@ -10568,7 +10794,7 @@
           <a:p>
             <a:fld id="{6C076DC0-26B1-5841-8BF7-BB7DFB8B1BE2}" type="datetimeFigureOut">
               <a:rPr lang="en-US" smtClean="0"/>
-              <a:t>5/9/17</a:t>
+              <a:t>17-05-11</a:t>
             </a:fld>
             <a:endParaRPr lang="en-US"/>
           </a:p>
@@ -11028,7 +11254,7 @@
   <p:timing>
     <p:tnLst>
       <p:par>
-        <p:cTn id="1" dur="indefinite" restart="never" nodeType="tmRoot"/>
+        <p:cTn xmlns:p14="http://schemas.microsoft.com/office/powerpoint/2010/main" id="1" dur="indefinite" restart="never" nodeType="tmRoot"/>
       </p:par>
     </p:tnLst>
   </p:timing>
@@ -11132,7 +11358,7 @@
   <p:timing>
     <p:tnLst>
       <p:par>
-        <p:cTn id="1" dur="indefinite" restart="never" nodeType="tmRoot"/>
+        <p:cTn xmlns:p14="http://schemas.microsoft.com/office/powerpoint/2010/main" id="1" dur="indefinite" restart="never" nodeType="tmRoot"/>
       </p:par>
     </p:tnLst>
   </p:timing>
@@ -11246,7 +11472,7 @@
   <p:timing>
     <p:tnLst>
       <p:par>
-        <p:cTn id="1" dur="indefinite" restart="never" nodeType="tmRoot"/>
+        <p:cTn xmlns:p14="http://schemas.microsoft.com/office/powerpoint/2010/main" id="1" dur="indefinite" restart="never" nodeType="tmRoot"/>
       </p:par>
     </p:tnLst>
   </p:timing>
@@ -11334,7 +11560,7 @@
             <a:pPr lvl="1"/>
             <a:r>
               <a:rPr lang="en-US" dirty="0" smtClean="0"/>
-              <a:t>ISS and BOLD scan</a:t>
+              <a:t>ISS and BOLD scans</a:t>
             </a:r>
           </a:p>
           <a:p>
@@ -11413,7 +11639,7 @@
   <p:timing>
     <p:tnLst>
       <p:par>
-        <p:cTn id="1" dur="indefinite" restart="never" nodeType="tmRoot"/>
+        <p:cTn xmlns:p14="http://schemas.microsoft.com/office/powerpoint/2010/main" id="1" dur="indefinite" restart="never" nodeType="tmRoot"/>
       </p:par>
     </p:tnLst>
   </p:timing>
@@ -11579,13 +11805,13 @@
       <p:transition spd="slow" p14:dur="2000"/>
     </mc:Choice>
     <mc:Fallback>
-      <p:transition spd="slow"/>
+      <p:transition xmlns:p14="http://schemas.microsoft.com/office/powerpoint/2010/main" spd="slow"/>
     </mc:Fallback>
   </mc:AlternateContent>
   <p:timing>
     <p:tnLst>
       <p:par>
-        <p:cTn id="1" dur="indefinite" restart="never" nodeType="tmRoot">
+        <p:cTn xmlns:p14="http://schemas.microsoft.com/office/powerpoint/2010/main" id="1" dur="indefinite" restart="never" nodeType="tmRoot">
           <p:childTnLst>
             <p:seq concurrent="1" nextAc="seek">
               <p:cTn id="2" dur="indefinite" nodeType="mainSeq">
@@ -11850,7 +12076,7 @@
             <a:pPr lvl="1"/>
             <a:r>
               <a:rPr lang="en-US" dirty="0" smtClean="0"/>
-              <a:t>ISS and BOLD scan</a:t>
+              <a:t>ISS and BOLD scans</a:t>
             </a:r>
           </a:p>
           <a:p>
@@ -11923,7 +12149,7 @@
   <p:timing>
     <p:tnLst>
       <p:par>
-        <p:cTn id="1" dur="indefinite" restart="never" nodeType="tmRoot"/>
+        <p:cTn xmlns:p14="http://schemas.microsoft.com/office/powerpoint/2010/main" id="1" dur="indefinite" restart="never" nodeType="tmRoot"/>
       </p:par>
     </p:tnLst>
   </p:timing>
@@ -12011,7 +12237,7 @@
             <a:pPr lvl="1"/>
             <a:r>
               <a:rPr lang="en-US" dirty="0" smtClean="0"/>
-              <a:t>ISS and BOLD scan</a:t>
+              <a:t>ISS and BOLD scans</a:t>
             </a:r>
           </a:p>
           <a:p>
@@ -12075,7 +12301,7 @@
             <a:pPr lvl="1"/>
             <a:r>
               <a:rPr lang="en-US" dirty="0" smtClean="0"/>
-              <a:t>ISS and Bold scan</a:t>
+              <a:t>ISS and BOLD scans</a:t>
             </a:r>
             <a:endParaRPr lang="en-US" dirty="0"/>
           </a:p>
@@ -12094,7 +12320,7 @@
   <p:timing>
     <p:tnLst>
       <p:par>
-        <p:cTn id="1" dur="indefinite" restart="never" nodeType="tmRoot"/>
+        <p:cTn xmlns:p14="http://schemas.microsoft.com/office/powerpoint/2010/main" id="1" dur="indefinite" restart="never" nodeType="tmRoot"/>
       </p:par>
     </p:tnLst>
   </p:timing>
@@ -12215,24 +12441,23 @@
             <a:pPr lvl="1"/>
             <a:r>
               <a:rPr lang="en-US" dirty="0" smtClean="0"/>
-              <a:t>Subset during lab training session (~</a:t>
+              <a:t>All during session 2 (~25 clip pairs)</a:t>
+            </a:r>
+          </a:p>
+          <a:p>
+            <a:pPr lvl="1"/>
+            <a:r>
+              <a:rPr lang="en-US" dirty="0"/>
+              <a:t>Subset during lab training session (</a:t>
             </a:r>
             <a:r>
               <a:rPr lang="en-US" dirty="0" smtClean="0"/>
-              <a:t>5 clips)</a:t>
-            </a:r>
-            <a:endParaRPr lang="en-US" dirty="0" smtClean="0"/>
+              <a:t>~10 clip pairs)</a:t>
+            </a:r>
+            <a:endParaRPr lang="en-US" dirty="0"/>
           </a:p>
           <a:p>
             <a:pPr lvl="1"/>
-            <a:r>
-              <a:rPr lang="en-US" dirty="0" smtClean="0"/>
-              <a:t>All during session 2 (~</a:t>
-            </a:r>
-            <a:r>
-              <a:rPr lang="en-US" dirty="0" smtClean="0"/>
-              <a:t>20 clips)</a:t>
-            </a:r>
             <a:endParaRPr lang="en-US" dirty="0" smtClean="0"/>
           </a:p>
         </p:txBody>
@@ -12250,7 +12475,172 @@
   <p:timing>
     <p:tnLst>
       <p:par>
-        <p:cTn id="1" dur="indefinite" restart="never" nodeType="tmRoot"/>
+        <p:cTn xmlns:p14="http://schemas.microsoft.com/office/powerpoint/2010/main" id="1" dur="indefinite" restart="never" nodeType="tmRoot">
+          <p:childTnLst>
+            <p:seq concurrent="1" nextAc="seek">
+              <p:cTn id="2" dur="indefinite" nodeType="mainSeq">
+                <p:childTnLst>
+                  <p:par>
+                    <p:cTn id="3" fill="hold">
+                      <p:stCondLst>
+                        <p:cond delay="indefinite"/>
+                      </p:stCondLst>
+                      <p:childTnLst>
+                        <p:par>
+                          <p:cTn id="4" fill="hold">
+                            <p:stCondLst>
+                              <p:cond delay="0"/>
+                            </p:stCondLst>
+                            <p:childTnLst>
+                              <p:par>
+                                <p:cTn id="5" presetID="1" presetClass="entr" presetSubtype="0" fill="hold" nodeType="clickEffect">
+                                  <p:stCondLst>
+                                    <p:cond delay="0"/>
+                                  </p:stCondLst>
+                                  <p:childTnLst>
+                                    <p:set>
+                                      <p:cBhvr>
+                                        <p:cTn id="6" dur="1" fill="hold">
+                                          <p:stCondLst>
+                                            <p:cond delay="0"/>
+                                          </p:stCondLst>
+                                        </p:cTn>
+                                        <p:tgtEl>
+                                          <p:spTgt spid="3">
+                                            <p:txEl>
+                                              <p:pRg st="5" end="5"/>
+                                            </p:txEl>
+                                          </p:spTgt>
+                                        </p:tgtEl>
+                                        <p:attrNameLst>
+                                          <p:attrName>style.visibility</p:attrName>
+                                        </p:attrNameLst>
+                                      </p:cBhvr>
+                                      <p:to>
+                                        <p:strVal val="visible"/>
+                                      </p:to>
+                                    </p:set>
+                                  </p:childTnLst>
+                                </p:cTn>
+                              </p:par>
+                              <p:par>
+                                <p:cTn id="7" presetID="1" presetClass="entr" presetSubtype="0" fill="hold" nodeType="withEffect">
+                                  <p:stCondLst>
+                                    <p:cond delay="0"/>
+                                  </p:stCondLst>
+                                  <p:childTnLst>
+                                    <p:set>
+                                      <p:cBhvr>
+                                        <p:cTn id="8" dur="1" fill="hold">
+                                          <p:stCondLst>
+                                            <p:cond delay="0"/>
+                                          </p:stCondLst>
+                                        </p:cTn>
+                                        <p:tgtEl>
+                                          <p:spTgt spid="3">
+                                            <p:txEl>
+                                              <p:pRg st="6" end="6"/>
+                                            </p:txEl>
+                                          </p:spTgt>
+                                        </p:tgtEl>
+                                        <p:attrNameLst>
+                                          <p:attrName>style.visibility</p:attrName>
+                                        </p:attrNameLst>
+                                      </p:cBhvr>
+                                      <p:to>
+                                        <p:strVal val="visible"/>
+                                      </p:to>
+                                    </p:set>
+                                  </p:childTnLst>
+                                </p:cTn>
+                              </p:par>
+                              <p:par>
+                                <p:cTn id="9" presetID="1" presetClass="entr" presetSubtype="0" fill="hold" nodeType="withEffect">
+                                  <p:stCondLst>
+                                    <p:cond delay="0"/>
+                                  </p:stCondLst>
+                                  <p:childTnLst>
+                                    <p:set>
+                                      <p:cBhvr>
+                                        <p:cTn id="10" dur="1" fill="hold">
+                                          <p:stCondLst>
+                                            <p:cond delay="0"/>
+                                          </p:stCondLst>
+                                        </p:cTn>
+                                        <p:tgtEl>
+                                          <p:spTgt spid="3">
+                                            <p:txEl>
+                                              <p:pRg st="7" end="7"/>
+                                            </p:txEl>
+                                          </p:spTgt>
+                                        </p:tgtEl>
+                                        <p:attrNameLst>
+                                          <p:attrName>style.visibility</p:attrName>
+                                        </p:attrNameLst>
+                                      </p:cBhvr>
+                                      <p:to>
+                                        <p:strVal val="visible"/>
+                                      </p:to>
+                                    </p:set>
+                                  </p:childTnLst>
+                                </p:cTn>
+                              </p:par>
+                              <p:par>
+                                <p:cTn id="11" presetID="1" presetClass="entr" presetSubtype="0" fill="hold" nodeType="withEffect">
+                                  <p:stCondLst>
+                                    <p:cond delay="0"/>
+                                  </p:stCondLst>
+                                  <p:childTnLst>
+                                    <p:set>
+                                      <p:cBhvr>
+                                        <p:cTn id="12" dur="1" fill="hold">
+                                          <p:stCondLst>
+                                            <p:cond delay="0"/>
+                                          </p:stCondLst>
+                                        </p:cTn>
+                                        <p:tgtEl>
+                                          <p:spTgt spid="3">
+                                            <p:txEl>
+                                              <p:pRg st="8" end="8"/>
+                                            </p:txEl>
+                                          </p:spTgt>
+                                        </p:tgtEl>
+                                        <p:attrNameLst>
+                                          <p:attrName>style.visibility</p:attrName>
+                                        </p:attrNameLst>
+                                      </p:cBhvr>
+                                      <p:to>
+                                        <p:strVal val="visible"/>
+                                      </p:to>
+                                    </p:set>
+                                  </p:childTnLst>
+                                </p:cTn>
+                              </p:par>
+                            </p:childTnLst>
+                          </p:cTn>
+                        </p:par>
+                      </p:childTnLst>
+                    </p:cTn>
+                  </p:par>
+                </p:childTnLst>
+              </p:cTn>
+              <p:prevCondLst>
+                <p:cond evt="onPrev" delay="0">
+                  <p:tgtEl>
+                    <p:sldTgt/>
+                  </p:tgtEl>
+                </p:cond>
+              </p:prevCondLst>
+              <p:nextCondLst>
+                <p:cond evt="onNext" delay="0">
+                  <p:tgtEl>
+                    <p:sldTgt/>
+                  </p:tgtEl>
+                </p:cond>
+              </p:nextCondLst>
+            </p:seq>
+          </p:childTnLst>
+        </p:cTn>
       </p:par>
     </p:tnLst>
   </p:timing>
@@ -12321,19 +12711,13 @@
             <a:pPr lvl="1"/>
             <a:r>
               <a:rPr lang="en-US" dirty="0" smtClean="0"/>
-              <a:t>Isolate spatially separate components contributing synchronous patterns of activity</a:t>
+              <a:t>Isolate spatially separate components contributing to memory for music</a:t>
             </a:r>
           </a:p>
           <a:p>
             <a:r>
               <a:rPr lang="en-US" dirty="0" smtClean="0"/>
-              <a:t>ROIs</a:t>
-            </a:r>
-          </a:p>
-          <a:p>
-            <a:r>
-              <a:rPr lang="en-US" dirty="0" smtClean="0"/>
-              <a:t>Compute total ISS score for each song within each component</a:t>
+              <a:t>Compute total ISS score for each song (within each component?)</a:t>
             </a:r>
           </a:p>
           <a:p>
@@ -12341,13 +12725,6 @@
             <a:r>
               <a:rPr lang="en-US" dirty="0" smtClean="0"/>
               <a:t>Familiar vs unfamiliar</a:t>
-            </a:r>
-          </a:p>
-          <a:p>
-            <a:pPr lvl="1"/>
-            <a:r>
-              <a:rPr lang="en-US" dirty="0" smtClean="0"/>
-              <a:t>Session 1 vs Session 2</a:t>
             </a:r>
           </a:p>
           <a:p>
@@ -12379,7 +12756,7 @@
   <p:timing>
     <p:tnLst>
       <p:par>
-        <p:cTn id="1" dur="indefinite" restart="never" nodeType="tmRoot"/>
+        <p:cTn xmlns:p14="http://schemas.microsoft.com/office/powerpoint/2010/main" id="1" dur="indefinite" restart="never" nodeType="tmRoot"/>
       </p:par>
     </p:tnLst>
   </p:timing>
@@ -12452,11 +12829,7 @@
             <a:pPr lvl="1"/>
             <a:r>
               <a:rPr lang="en-US" dirty="0" smtClean="0"/>
-              <a:t>Greater and earlier </a:t>
-            </a:r>
-            <a:r>
-              <a:rPr lang="en-US" dirty="0" smtClean="0"/>
-              <a:t>ISS than unfamiliar songs</a:t>
+              <a:t>Greater and earlier ISS than unfamiliar songs</a:t>
             </a:r>
           </a:p>
           <a:p>
@@ -12481,28 +12854,38 @@
               <a:rPr lang="en-US" sz="1500" dirty="0" smtClean="0"/>
               <a:t>)</a:t>
             </a:r>
-            <a:endParaRPr lang="en-US" sz="1500" dirty="0" smtClean="0"/>
           </a:p>
           <a:p>
             <a:r>
               <a:rPr lang="en-US" dirty="0" smtClean="0"/>
               <a:t>Lyrics</a:t>
             </a:r>
-            <a:endParaRPr lang="en-US" dirty="0" smtClean="0"/>
           </a:p>
           <a:p>
             <a:pPr lvl="1"/>
             <a:r>
               <a:rPr lang="en-US" dirty="0" smtClean="0"/>
-              <a:t>Greater ISS in language areas (e.g. IFG, ITC, MTC), left fusiform, left inferior occipital </a:t>
+              <a:t>ISS in language areas: left fusiform </a:t>
+            </a:r>
+            <a:r>
+              <a:rPr lang="en-US" dirty="0" err="1" smtClean="0"/>
+              <a:t>gyrus</a:t>
+            </a:r>
+            <a:r>
+              <a:rPr lang="en-US" dirty="0" smtClean="0"/>
+              <a:t>, left inferior occipital </a:t>
+            </a:r>
+            <a:r>
+              <a:rPr lang="en-US" dirty="0" err="1" smtClean="0"/>
+              <a:t>gyrus</a:t>
+            </a:r>
+            <a:r>
+              <a:rPr lang="en-US" dirty="0" smtClean="0"/>
+              <a:t> </a:t>
             </a:r>
             <a:r>
               <a:rPr lang="en-US" sz="1600" dirty="0" smtClean="0"/>
-              <a:t>(Saito et al, 2012</a:t>
-            </a:r>
-            <a:r>
-              <a:rPr lang="en-US" sz="1600" dirty="0" smtClean="0"/>
-              <a:t>)</a:t>
+              <a:t>(Saito et al, 2012)</a:t>
             </a:r>
           </a:p>
           <a:p>
@@ -12543,11 +12926,7 @@
             <a:pPr lvl="1"/>
             <a:r>
               <a:rPr lang="en-US" dirty="0" smtClean="0"/>
-              <a:t>Superior ISS in temporal/frontal </a:t>
-            </a:r>
-            <a:r>
-              <a:rPr lang="en-US" dirty="0" smtClean="0"/>
-              <a:t>regions </a:t>
+              <a:t>ISS in temporal/frontal regions </a:t>
             </a:r>
             <a:r>
               <a:rPr lang="en-US" sz="1500" dirty="0" smtClean="0"/>
@@ -12588,7 +12967,15 @@
             <a:pPr lvl="1"/>
             <a:r>
               <a:rPr lang="en-US" dirty="0" smtClean="0"/>
-              <a:t>Additional ISS in anterior/inferior temporal </a:t>
+              <a:t>ISS in anterior</a:t>
+            </a:r>
+            <a:r>
+              <a:rPr lang="en-US" dirty="0"/>
+              <a:t> </a:t>
+            </a:r>
+            <a:r>
+              <a:rPr lang="en-US" dirty="0" smtClean="0"/>
+              <a:t>temporal </a:t>
             </a:r>
             <a:r>
               <a:rPr lang="en-US" dirty="0"/>
@@ -12622,7 +13009,7 @@
   <p:timing>
     <p:tnLst>
       <p:par>
-        <p:cTn id="1" dur="indefinite" restart="never" nodeType="tmRoot"/>
+        <p:cTn xmlns:p14="http://schemas.microsoft.com/office/powerpoint/2010/main" id="1" dur="indefinite" restart="never" nodeType="tmRoot"/>
       </p:par>
     </p:tnLst>
   </p:timing>
@@ -12717,7 +13104,7 @@
   <p:timing>
     <p:tnLst>
       <p:par>
-        <p:cTn id="1" dur="indefinite" restart="never" nodeType="tmRoot"/>
+        <p:cTn xmlns:p14="http://schemas.microsoft.com/office/powerpoint/2010/main" id="1" dur="indefinite" restart="never" nodeType="tmRoot"/>
       </p:par>
     </p:tnLst>
   </p:timing>
@@ -12754,21 +13141,13 @@
         <p:spPr/>
         <p:txBody>
           <a:bodyPr>
-            <a:normAutofit fontScale="90000"/>
+            <a:normAutofit/>
           </a:bodyPr>
           <a:lstStyle/>
           <a:p>
             <a:r>
               <a:rPr lang="en-US" sz="3800" dirty="0" smtClean="0"/>
-              <a:t>Evidence for specific memory for </a:t>
-            </a:r>
-            <a:r>
-              <a:rPr lang="en-US" sz="3800" dirty="0" smtClean="0"/>
-              <a:t>music</a:t>
-            </a:r>
-            <a:r>
-              <a:rPr lang="en-US" sz="3800" dirty="0" smtClean="0"/>
-              <a:t>: </a:t>
+              <a:t>Evidence for specific memory for music: </a:t>
             </a:r>
             <a:br>
               <a:rPr lang="en-US" sz="3800" dirty="0" smtClean="0"/>
@@ -12817,11 +13196,7 @@
             <a:pPr lvl="1"/>
             <a:r>
               <a:rPr lang="en-US" dirty="0" smtClean="0"/>
-              <a:t>Recognized lyrics, but did not recognize previously familiar </a:t>
-            </a:r>
-            <a:r>
-              <a:rPr lang="en-US" dirty="0" smtClean="0"/>
-              <a:t>music</a:t>
+              <a:t>Recognized lyrics, but did not recognize previously familiar music</a:t>
             </a:r>
           </a:p>
           <a:p>
@@ -12830,7 +13205,6 @@
               <a:rPr lang="en-US" dirty="0" smtClean="0"/>
               <a:t>Normal performance on musical perceptual tests</a:t>
             </a:r>
-            <a:endParaRPr lang="en-US" dirty="0" smtClean="0"/>
           </a:p>
           <a:p>
             <a:r>
@@ -12880,7 +13254,7 @@
   <p:timing>
     <p:tnLst>
       <p:par>
-        <p:cTn id="1" dur="indefinite" restart="never" nodeType="tmRoot">
+        <p:cTn xmlns:p14="http://schemas.microsoft.com/office/powerpoint/2010/main" id="1" dur="indefinite" restart="never" nodeType="tmRoot">
           <p:childTnLst>
             <p:seq concurrent="1" nextAc="seek">
               <p:cTn id="2" dur="indefinite" nodeType="mainSeq">
@@ -13166,11 +13540,7 @@
           <a:p>
             <a:r>
               <a:rPr lang="en-US" dirty="0" smtClean="0"/>
-              <a:t>Questions</a:t>
-            </a:r>
-            <a:r>
-              <a:rPr lang="en-US" dirty="0" smtClean="0"/>
-              <a:t>	</a:t>
+              <a:t>Questions	</a:t>
             </a:r>
             <a:endParaRPr lang="en-US" dirty="0"/>
           </a:p>
@@ -13193,11 +13563,7 @@
           <a:p>
             <a:r>
               <a:rPr lang="en-US" dirty="0" smtClean="0"/>
-              <a:t>3T vs </a:t>
-            </a:r>
-            <a:r>
-              <a:rPr lang="en-US" dirty="0" smtClean="0"/>
-              <a:t>7T?</a:t>
+              <a:t>3T vs 7T?</a:t>
             </a:r>
           </a:p>
           <a:p>
@@ -13211,7 +13577,6 @@
               <a:rPr lang="en-US" dirty="0" smtClean="0"/>
               <a:t>Other questions we could/should be asking?</a:t>
             </a:r>
-            <a:endParaRPr lang="en-US" dirty="0" smtClean="0"/>
           </a:p>
           <a:p>
             <a:endParaRPr lang="en-US" dirty="0"/>
@@ -13231,7 +13596,7 @@
   <p:timing>
     <p:tnLst>
       <p:par>
-        <p:cTn id="1" dur="indefinite" restart="never" nodeType="tmRoot"/>
+        <p:cTn xmlns:p14="http://schemas.microsoft.com/office/powerpoint/2010/main" id="1" dur="indefinite" restart="never" nodeType="tmRoot"/>
       </p:par>
     </p:tnLst>
   </p:timing>
@@ -13310,7 +13675,7 @@
   <p:timing>
     <p:tnLst>
       <p:par>
-        <p:cTn id="1" dur="indefinite" restart="never" nodeType="tmRoot"/>
+        <p:cTn xmlns:p14="http://schemas.microsoft.com/office/powerpoint/2010/main" id="1" dur="indefinite" restart="never" nodeType="tmRoot"/>
       </p:par>
     </p:tnLst>
   </p:timing>
@@ -13458,6 +13823,13 @@
   <p:clrMapOvr>
     <a:masterClrMapping/>
   </p:clrMapOvr>
+  <p:timing>
+    <p:tnLst>
+      <p:par>
+        <p:cTn xmlns:p14="http://schemas.microsoft.com/office/powerpoint/2010/main" id="1" dur="indefinite" restart="never" nodeType="tmRoot"/>
+      </p:par>
+    </p:tnLst>
+  </p:timing>
 </p:sld>
 </file>
 
@@ -13543,11 +13915,7 @@
           <a:p>
             <a:r>
               <a:rPr lang="en-US" dirty="0" smtClean="0"/>
-              <a:t>The musical lexicon is separate from the verbal </a:t>
-            </a:r>
-            <a:r>
-              <a:rPr lang="en-US" dirty="0" smtClean="0"/>
-              <a:t>lexicon</a:t>
+              <a:t>The musical lexicon is separate from the verbal lexicon</a:t>
             </a:r>
           </a:p>
           <a:p>
@@ -13560,7 +13928,6 @@
               <a:rPr lang="en-US" sz="1400" dirty="0" smtClean="0"/>
               <a:t>(Saito et al, 2012)</a:t>
             </a:r>
-            <a:endParaRPr lang="en-US" sz="1400" dirty="0" smtClean="0"/>
           </a:p>
         </p:txBody>
       </p:sp>
@@ -13577,7 +13944,7 @@
   <p:timing>
     <p:tnLst>
       <p:par>
-        <p:cTn id="1" dur="indefinite" restart="never" nodeType="tmRoot"/>
+        <p:cTn xmlns:p14="http://schemas.microsoft.com/office/powerpoint/2010/main" id="1" dur="indefinite" restart="never" nodeType="tmRoot"/>
       </p:par>
     </p:tnLst>
   </p:timing>
@@ -13722,13 +14089,13 @@
       <p:transition spd="slow" p14:dur="2000"/>
     </mc:Choice>
     <mc:Fallback>
-      <p:transition spd="slow"/>
+      <p:transition xmlns:p14="http://schemas.microsoft.com/office/powerpoint/2010/main" spd="slow"/>
     </mc:Fallback>
   </mc:AlternateContent>
   <p:timing>
     <p:tnLst>
       <p:par>
-        <p:cTn id="1" dur="indefinite" restart="never" nodeType="tmRoot"/>
+        <p:cTn xmlns:p14="http://schemas.microsoft.com/office/powerpoint/2010/main" id="1" dur="indefinite" restart="never" nodeType="tmRoot"/>
       </p:par>
     </p:tnLst>
   </p:timing>
@@ -13875,7 +14242,7 @@
   <p:timing>
     <p:tnLst>
       <p:par>
-        <p:cTn id="1" dur="indefinite" restart="never" nodeType="tmRoot"/>
+        <p:cTn xmlns:p14="http://schemas.microsoft.com/office/powerpoint/2010/main" id="1" dur="indefinite" restart="never" nodeType="tmRoot"/>
       </p:par>
     </p:tnLst>
   </p:timing>
@@ -13996,7 +14363,7 @@
   <p:timing>
     <p:tnLst>
       <p:par>
-        <p:cTn id="1" dur="indefinite" restart="never" nodeType="tmRoot"/>
+        <p:cTn xmlns:p14="http://schemas.microsoft.com/office/powerpoint/2010/main" id="1" dur="indefinite" restart="never" nodeType="tmRoot"/>
       </p:par>
     </p:tnLst>
   </p:timing>
@@ -14039,11 +14406,7 @@
           <a:p>
             <a:r>
               <a:rPr lang="en-US" sz="4000" dirty="0" smtClean="0"/>
-              <a:t>Alzheimer’s </a:t>
-            </a:r>
-            <a:r>
-              <a:rPr lang="en-US" sz="4000" dirty="0" smtClean="0"/>
-              <a:t>disease (AD)</a:t>
+              <a:t>Alzheimer’s disease (AD)</a:t>
             </a:r>
             <a:endParaRPr lang="en-US" sz="4000" dirty="0"/>
           </a:p>
@@ -14072,17 +14435,8 @@
           <a:p>
             <a:r>
               <a:rPr lang="en-US" dirty="0" smtClean="0"/>
-              <a:t>Long-term familiarity for melody </a:t>
-            </a:r>
-            <a:r>
-              <a:rPr lang="en-US" dirty="0" smtClean="0"/>
-              <a:t>and music lyrics is </a:t>
-            </a:r>
-            <a:r>
-              <a:rPr lang="en-US" dirty="0" smtClean="0"/>
-              <a:t>present even in severe AD </a:t>
-            </a:r>
-            <a:endParaRPr lang="en-US" dirty="0" smtClean="0"/>
+              <a:t>Long-term familiarity for melody and music lyrics is present even in severe AD </a:t>
+            </a:r>
           </a:p>
           <a:p>
             <a:pPr lvl="1"/>
@@ -14092,11 +14446,7 @@
             </a:r>
             <a:r>
               <a:rPr lang="en-US" sz="1400" dirty="0" smtClean="0"/>
-              <a:t>(Cuddy </a:t>
-            </a:r>
-            <a:r>
-              <a:rPr lang="en-US" sz="1400" dirty="0" smtClean="0"/>
-              <a:t>et al, 2012)</a:t>
+              <a:t>(Cuddy et al, 2012)</a:t>
             </a:r>
           </a:p>
           <a:p>
@@ -14125,7 +14475,7 @@
   <p:timing>
     <p:tnLst>
       <p:par>
-        <p:cTn id="1" dur="indefinite" restart="never" nodeType="tmRoot"/>
+        <p:cTn xmlns:p14="http://schemas.microsoft.com/office/powerpoint/2010/main" id="1" dur="indefinite" restart="never" nodeType="tmRoot"/>
       </p:par>
     </p:tnLst>
   </p:timing>
@@ -14191,11 +14541,7 @@
           <a:p>
             <a:r>
               <a:rPr lang="en-US" dirty="0" smtClean="0"/>
-              <a:t>Identify </a:t>
-            </a:r>
-            <a:r>
-              <a:rPr lang="en-US" dirty="0" smtClean="0"/>
-              <a:t>brain mechanisms underlying familiar and lyric-based music in healthy adults</a:t>
+              <a:t>Identify neural correlates underlying familiar and lyric-based music in healthy adults</a:t>
             </a:r>
           </a:p>
           <a:p>
@@ -14267,35 +14613,8 @@
                   </a:schemeClr>
                 </a:solidFill>
               </a:rPr>
-              <a:t>Investigate in patients </a:t>
-            </a:r>
-            <a:r>
-              <a:rPr lang="en-US" dirty="0" smtClean="0">
-                <a:solidFill>
-                  <a:schemeClr val="bg2">
-                    <a:lumMod val="75000"/>
-                  </a:schemeClr>
-                </a:solidFill>
-              </a:rPr>
-              <a:t>with Alzheimer’s disease (AD</a:t>
-            </a:r>
-            <a:r>
-              <a:rPr lang="en-US" dirty="0" smtClean="0">
-                <a:solidFill>
-                  <a:schemeClr val="bg2">
-                    <a:lumMod val="75000"/>
-                  </a:schemeClr>
-                </a:solidFill>
-              </a:rPr>
-              <a:t>)</a:t>
-            </a:r>
-            <a:endParaRPr lang="en-US" dirty="0" smtClean="0">
-              <a:solidFill>
-                <a:schemeClr val="bg2">
-                  <a:lumMod val="75000"/>
-                </a:schemeClr>
-              </a:solidFill>
-            </a:endParaRPr>
+              <a:t>Investigate in patients with Alzheimer’s disease (AD)</a:t>
+            </a:r>
           </a:p>
         </p:txBody>
       </p:sp>
@@ -14312,7 +14631,7 @@
   <p:timing>
     <p:tnLst>
       <p:par>
-        <p:cTn id="1" dur="indefinite" restart="never" nodeType="tmRoot">
+        <p:cTn xmlns:p14="http://schemas.microsoft.com/office/powerpoint/2010/main" id="1" dur="indefinite" restart="never" nodeType="tmRoot">
           <p:childTnLst>
             <p:seq concurrent="1" nextAc="seek">
               <p:cTn id="2" dur="indefinite" nodeType="mainSeq">
@@ -14651,7 +14970,7 @@
   <p:timing>
     <p:tnLst>
       <p:par>
-        <p:cTn id="1" dur="indefinite" restart="never" nodeType="tmRoot"/>
+        <p:cTn xmlns:p14="http://schemas.microsoft.com/office/powerpoint/2010/main" id="1" dur="indefinite" restart="never" nodeType="tmRoot"/>
       </p:par>
     </p:tnLst>
   </p:timing>
@@ -14913,7 +15232,7 @@
   <a:extraClrSchemeLst/>
   <a:extLst>
     <a:ext uri="{05A4C25C-085E-4340-85A3-A5531E510DB2}">
-      <thm15:themeFamily xmlns:thm15="http://schemas.microsoft.com/office/thememl/2012/main" name="Office Theme" id="{62F939B6-93AF-4DB8-9C6B-D6C7DFDC589F}" vid="{4A3C46E8-61CC-4603-A589-7422A47A8E4A}"/>
+      <thm15:themeFamily xmlns:thm15="http://schemas.microsoft.com/office/thememl/2012/main" xmlns="" name="Office Theme" id="{62F939B6-93AF-4DB8-9C6B-D6C7DFDC589F}" vid="{4A3C46E8-61CC-4603-A589-7422A47A8E4A}"/>
     </a:ext>
   </a:extLst>
 </a:theme>
@@ -15174,7 +15493,7 @@
   <a:extraClrSchemeLst/>
   <a:extLst>
     <a:ext uri="{05A4C25C-085E-4340-85A3-A5531E510DB2}">
-      <thm15:themeFamily xmlns:thm15="http://schemas.microsoft.com/office/thememl/2012/main" name="Office Theme" id="{62F939B6-93AF-4DB8-9C6B-D6C7DFDC589F}" vid="{4A3C46E8-61CC-4603-A589-7422A47A8E4A}"/>
+      <thm15:themeFamily xmlns:thm15="http://schemas.microsoft.com/office/thememl/2012/main" xmlns="" name="Office Theme" id="{62F939B6-93AF-4DB8-9C6B-D6C7DFDC589F}" vid="{4A3C46E8-61CC-4603-A589-7422A47A8E4A}"/>
     </a:ext>
   </a:extLst>
 </a:theme>
